--- a/FinalReport.pptx
+++ b/FinalReport.pptx
@@ -2746,6 +2746,13 @@
         </dgm:presLayoutVars>
       </dgm:prSet>
       <dgm:spPr/>
+      <dgm:t>
+        <a:bodyPr/>
+        <a:lstStyle/>
+        <a:p>
+          <a:endParaRPr lang="en-US"/>
+        </a:p>
+      </dgm:t>
     </dgm:pt>
     <dgm:pt modelId="{838CF0B6-700E-BE4A-A406-024EFDEE6362}" type="pres">
       <dgm:prSet presAssocID="{1BEF11D9-4D07-0D4B-89F6-003674678FE6}" presName="compNode" presStyleCnt="0"/>
@@ -2754,10 +2761,24 @@
     <dgm:pt modelId="{B96914C7-4AC3-D141-B97D-6CDDB63F2BC6}" type="pres">
       <dgm:prSet presAssocID="{1BEF11D9-4D07-0D4B-89F6-003674678FE6}" presName="aNode" presStyleLbl="bgShp" presStyleIdx="0" presStyleCnt="3"/>
       <dgm:spPr/>
+      <dgm:t>
+        <a:bodyPr/>
+        <a:lstStyle/>
+        <a:p>
+          <a:endParaRPr lang="en-US"/>
+        </a:p>
+      </dgm:t>
     </dgm:pt>
     <dgm:pt modelId="{12A84971-6BED-044E-AD94-A42F04B8CA39}" type="pres">
       <dgm:prSet presAssocID="{1BEF11D9-4D07-0D4B-89F6-003674678FE6}" presName="textNode" presStyleLbl="bgShp" presStyleIdx="0" presStyleCnt="3"/>
       <dgm:spPr/>
+      <dgm:t>
+        <a:bodyPr/>
+        <a:lstStyle/>
+        <a:p>
+          <a:endParaRPr lang="en-US"/>
+        </a:p>
+      </dgm:t>
     </dgm:pt>
     <dgm:pt modelId="{A86B31E4-FA3F-5541-9419-32FB132DC886}" type="pres">
       <dgm:prSet presAssocID="{1BEF11D9-4D07-0D4B-89F6-003674678FE6}" presName="compChildNode" presStyleCnt="0"/>
@@ -2812,10 +2833,24 @@
     <dgm:pt modelId="{CD72C013-14D6-664A-A3C4-6D8AAB21FC17}" type="pres">
       <dgm:prSet presAssocID="{B6395E27-E8E2-7547-B8EF-D839A52550C7}" presName="aNode" presStyleLbl="bgShp" presStyleIdx="1" presStyleCnt="3"/>
       <dgm:spPr/>
+      <dgm:t>
+        <a:bodyPr/>
+        <a:lstStyle/>
+        <a:p>
+          <a:endParaRPr lang="en-US"/>
+        </a:p>
+      </dgm:t>
     </dgm:pt>
     <dgm:pt modelId="{DD7D31CD-756C-8B4E-AFA3-A0A71BF1CF11}" type="pres">
       <dgm:prSet presAssocID="{B6395E27-E8E2-7547-B8EF-D839A52550C7}" presName="textNode" presStyleLbl="bgShp" presStyleIdx="1" presStyleCnt="3"/>
       <dgm:spPr/>
+      <dgm:t>
+        <a:bodyPr/>
+        <a:lstStyle/>
+        <a:p>
+          <a:endParaRPr lang="en-US"/>
+        </a:p>
+      </dgm:t>
     </dgm:pt>
     <dgm:pt modelId="{F4AE75E5-FE5B-DC4D-BB9D-93A2D58DD4AF}" type="pres">
       <dgm:prSet presAssocID="{B6395E27-E8E2-7547-B8EF-D839A52550C7}" presName="compChildNode" presStyleCnt="0"/>
@@ -2870,10 +2905,24 @@
     <dgm:pt modelId="{E72F9629-07D8-9540-9879-14D8FD42BF5B}" type="pres">
       <dgm:prSet presAssocID="{305E7892-1E10-2844-8479-7B1F678D8B8F}" presName="aNode" presStyleLbl="bgShp" presStyleIdx="2" presStyleCnt="3"/>
       <dgm:spPr/>
+      <dgm:t>
+        <a:bodyPr/>
+        <a:lstStyle/>
+        <a:p>
+          <a:endParaRPr lang="en-US"/>
+        </a:p>
+      </dgm:t>
     </dgm:pt>
     <dgm:pt modelId="{3FCB4F16-7F10-B940-9CDD-9A0493221880}" type="pres">
       <dgm:prSet presAssocID="{305E7892-1E10-2844-8479-7B1F678D8B8F}" presName="textNode" presStyleLbl="bgShp" presStyleIdx="2" presStyleCnt="3"/>
       <dgm:spPr/>
+      <dgm:t>
+        <a:bodyPr/>
+        <a:lstStyle/>
+        <a:p>
+          <a:endParaRPr lang="en-US"/>
+        </a:p>
+      </dgm:t>
     </dgm:pt>
     <dgm:pt modelId="{BD78417D-5AD0-E640-A9D3-C3C409DEF9DF}" type="pres">
       <dgm:prSet presAssocID="{305E7892-1E10-2844-8479-7B1F678D8B8F}" presName="compChildNode" presStyleCnt="0"/>
@@ -2919,28 +2968,28 @@
     </dgm:pt>
   </dgm:ptLst>
   <dgm:cxnLst>
+    <dgm:cxn modelId="{5D8E49F1-998C-4745-A281-19546E06693D}" type="presOf" srcId="{AB7F9009-25DD-0443-998D-FABABFB85D78}" destId="{4A96EE74-DE6B-274D-A46F-A151C6735347}" srcOrd="0" destOrd="0" presId="urn:microsoft.com/office/officeart/2005/8/layout/lProcess2"/>
+    <dgm:cxn modelId="{FABCFEAA-590F-0445-A42A-DAC1505C97DF}" type="presOf" srcId="{B6395E27-E8E2-7547-B8EF-D839A52550C7}" destId="{DD7D31CD-756C-8B4E-AFA3-A0A71BF1CF11}" srcOrd="1" destOrd="0" presId="urn:microsoft.com/office/officeart/2005/8/layout/lProcess2"/>
+    <dgm:cxn modelId="{CB052075-C0E3-8142-BC6C-F864833854AA}" srcId="{1BEF11D9-4D07-0D4B-89F6-003674678FE6}" destId="{74CF2284-BDD1-F748-92C8-C9100881A184}" srcOrd="0" destOrd="0" parTransId="{DD230093-5DF4-8341-AF70-5E47DD72D610}" sibTransId="{AAA95E0E-BF42-FA46-BE36-D9D77A277AB2}"/>
+    <dgm:cxn modelId="{249A844D-4B2E-E24E-B1B4-8412B6549E07}" srcId="{86BCDFF5-3394-D74B-9CE9-7AD389BD7027}" destId="{305E7892-1E10-2844-8479-7B1F678D8B8F}" srcOrd="2" destOrd="0" parTransId="{385850C6-8496-744F-8927-514E8564B45E}" sibTransId="{09537609-2895-1844-88AF-929E7EB5C6DF}"/>
+    <dgm:cxn modelId="{96F863CF-A51C-E147-83B4-21B1EA9BA06E}" type="presOf" srcId="{1BEF11D9-4D07-0D4B-89F6-003674678FE6}" destId="{B96914C7-4AC3-D141-B97D-6CDDB63F2BC6}" srcOrd="0" destOrd="0" presId="urn:microsoft.com/office/officeart/2005/8/layout/lProcess2"/>
+    <dgm:cxn modelId="{88F00A0A-5CBD-104D-AEE6-39E07F1470EB}" srcId="{86BCDFF5-3394-D74B-9CE9-7AD389BD7027}" destId="{1BEF11D9-4D07-0D4B-89F6-003674678FE6}" srcOrd="0" destOrd="0" parTransId="{BE7D1D22-A2C9-9345-BE00-414F5E4FA9AC}" sibTransId="{893D33DF-7D77-6A41-B7D3-DAF8D0944356}"/>
+    <dgm:cxn modelId="{EEC4611C-8D1D-1248-954A-C6F14AC48B44}" type="presOf" srcId="{74CF2284-BDD1-F748-92C8-C9100881A184}" destId="{4B2D3EAD-C1E6-7A41-919B-4B81F14C4D1F}" srcOrd="0" destOrd="0" presId="urn:microsoft.com/office/officeart/2005/8/layout/lProcess2"/>
+    <dgm:cxn modelId="{C873667D-9311-8041-A026-E16ED30FA1EF}" srcId="{305E7892-1E10-2844-8479-7B1F678D8B8F}" destId="{011BC17C-9377-D840-938E-5DED7A66524C}" srcOrd="0" destOrd="0" parTransId="{23D32BC8-F451-E949-A497-39A87AC0332E}" sibTransId="{67A522D6-ECE7-4640-8DE2-ED139FFE5045}"/>
+    <dgm:cxn modelId="{005F3792-3939-184E-8D41-F16D361570FD}" type="presOf" srcId="{011BC17C-9377-D840-938E-5DED7A66524C}" destId="{F8651BA9-B0AB-1745-BBDD-6104E4BA73DF}" srcOrd="0" destOrd="0" presId="urn:microsoft.com/office/officeart/2005/8/layout/lProcess2"/>
+    <dgm:cxn modelId="{AB37C6CE-98DC-F943-94FE-C46ACB202493}" srcId="{B6395E27-E8E2-7547-B8EF-D839A52550C7}" destId="{365F39EA-612A-AB49-BF47-54D9D87231CB}" srcOrd="1" destOrd="0" parTransId="{3F5CE3B3-CF3A-AD4B-95E5-F42B12EEFA01}" sibTransId="{6575B3BB-A6FA-FA4B-BF10-CE01F6086259}"/>
+    <dgm:cxn modelId="{BB46EEBE-8A3F-6945-907D-A2613E918567}" srcId="{305E7892-1E10-2844-8479-7B1F678D8B8F}" destId="{62C2290C-6660-314D-9D3D-0D1200025458}" srcOrd="1" destOrd="0" parTransId="{477B6555-6FD1-7C46-9244-A6B65F2A7E43}" sibTransId="{1FFB3681-53FA-7C44-89E3-F4D46C4E2603}"/>
+    <dgm:cxn modelId="{E5827276-47DA-2F4D-87CC-35A9FB5BC13B}" type="presOf" srcId="{305E7892-1E10-2844-8479-7B1F678D8B8F}" destId="{3FCB4F16-7F10-B940-9CDD-9A0493221880}" srcOrd="1" destOrd="0" presId="urn:microsoft.com/office/officeart/2005/8/layout/lProcess2"/>
+    <dgm:cxn modelId="{BD15C130-11F2-A34E-9583-27D2FF5447DB}" type="presOf" srcId="{3B0ABBC8-B99E-0F4A-97C0-B419384F53CC}" destId="{43D3F4BE-C08B-DB4B-832D-BD1D81B358F8}" srcOrd="0" destOrd="0" presId="urn:microsoft.com/office/officeart/2005/8/layout/lProcess2"/>
+    <dgm:cxn modelId="{944B53F1-3F69-BD4F-86A0-35A66AFC38B5}" srcId="{1BEF11D9-4D07-0D4B-89F6-003674678FE6}" destId="{AB7F9009-25DD-0443-998D-FABABFB85D78}" srcOrd="1" destOrd="0" parTransId="{865C2CE6-242E-EC42-8EA9-381C5237A854}" sibTransId="{5028476B-8EDE-EF4C-A9C7-79D5525FDB98}"/>
+    <dgm:cxn modelId="{900E0C0E-C770-8F42-B9C8-31A7C5EE9C65}" type="presOf" srcId="{86BCDFF5-3394-D74B-9CE9-7AD389BD7027}" destId="{01DB1546-095A-A644-B0C8-D01E6DFB45C5}" srcOrd="0" destOrd="0" presId="urn:microsoft.com/office/officeart/2005/8/layout/lProcess2"/>
+    <dgm:cxn modelId="{0EBEB832-A8A7-4B49-9D6C-35530281C792}" type="presOf" srcId="{365F39EA-612A-AB49-BF47-54D9D87231CB}" destId="{F95689F2-2CDE-CD4B-8457-F6DD4A77198D}" srcOrd="0" destOrd="0" presId="urn:microsoft.com/office/officeart/2005/8/layout/lProcess2"/>
     <dgm:cxn modelId="{3A1CAD6C-3ACE-F24E-9237-21D452BA8CF2}" type="presOf" srcId="{1BEF11D9-4D07-0D4B-89F6-003674678FE6}" destId="{12A84971-6BED-044E-AD94-A42F04B8CA39}" srcOrd="1" destOrd="0" presId="urn:microsoft.com/office/officeart/2005/8/layout/lProcess2"/>
-    <dgm:cxn modelId="{E5827276-47DA-2F4D-87CC-35A9FB5BC13B}" type="presOf" srcId="{305E7892-1E10-2844-8479-7B1F678D8B8F}" destId="{3FCB4F16-7F10-B940-9CDD-9A0493221880}" srcOrd="1" destOrd="0" presId="urn:microsoft.com/office/officeart/2005/8/layout/lProcess2"/>
-    <dgm:cxn modelId="{96F863CF-A51C-E147-83B4-21B1EA9BA06E}" type="presOf" srcId="{1BEF11D9-4D07-0D4B-89F6-003674678FE6}" destId="{B96914C7-4AC3-D141-B97D-6CDDB63F2BC6}" srcOrd="0" destOrd="0" presId="urn:microsoft.com/office/officeart/2005/8/layout/lProcess2"/>
-    <dgm:cxn modelId="{0EBEB832-A8A7-4B49-9D6C-35530281C792}" type="presOf" srcId="{365F39EA-612A-AB49-BF47-54D9D87231CB}" destId="{F95689F2-2CDE-CD4B-8457-F6DD4A77198D}" srcOrd="0" destOrd="0" presId="urn:microsoft.com/office/officeart/2005/8/layout/lProcess2"/>
-    <dgm:cxn modelId="{5D8E49F1-998C-4745-A281-19546E06693D}" type="presOf" srcId="{AB7F9009-25DD-0443-998D-FABABFB85D78}" destId="{4A96EE74-DE6B-274D-A46F-A151C6735347}" srcOrd="0" destOrd="0" presId="urn:microsoft.com/office/officeart/2005/8/layout/lProcess2"/>
-    <dgm:cxn modelId="{BD15C130-11F2-A34E-9583-27D2FF5447DB}" type="presOf" srcId="{3B0ABBC8-B99E-0F4A-97C0-B419384F53CC}" destId="{43D3F4BE-C08B-DB4B-832D-BD1D81B358F8}" srcOrd="0" destOrd="0" presId="urn:microsoft.com/office/officeart/2005/8/layout/lProcess2"/>
-    <dgm:cxn modelId="{AB37C6CE-98DC-F943-94FE-C46ACB202493}" srcId="{B6395E27-E8E2-7547-B8EF-D839A52550C7}" destId="{365F39EA-612A-AB49-BF47-54D9D87231CB}" srcOrd="1" destOrd="0" parTransId="{3F5CE3B3-CF3A-AD4B-95E5-F42B12EEFA01}" sibTransId="{6575B3BB-A6FA-FA4B-BF10-CE01F6086259}"/>
+    <dgm:cxn modelId="{88A7F854-3635-C64E-ACD2-B3DD44884C34}" type="presOf" srcId="{62C2290C-6660-314D-9D3D-0D1200025458}" destId="{2AF4D920-1784-1249-A67B-B9E22C485D76}" srcOrd="0" destOrd="0" presId="urn:microsoft.com/office/officeart/2005/8/layout/lProcess2"/>
+    <dgm:cxn modelId="{5C606A94-7AE2-744C-837F-158FF82D0E0B}" type="presOf" srcId="{305E7892-1E10-2844-8479-7B1F678D8B8F}" destId="{E72F9629-07D8-9540-9879-14D8FD42BF5B}" srcOrd="0" destOrd="0" presId="urn:microsoft.com/office/officeart/2005/8/layout/lProcess2"/>
     <dgm:cxn modelId="{71EB74A1-2BA8-ED42-A06F-6DF3109E999D}" type="presOf" srcId="{B6395E27-E8E2-7547-B8EF-D839A52550C7}" destId="{CD72C013-14D6-664A-A3C4-6D8AAB21FC17}" srcOrd="0" destOrd="0" presId="urn:microsoft.com/office/officeart/2005/8/layout/lProcess2"/>
-    <dgm:cxn modelId="{BB46EEBE-8A3F-6945-907D-A2613E918567}" srcId="{305E7892-1E10-2844-8479-7B1F678D8B8F}" destId="{62C2290C-6660-314D-9D3D-0D1200025458}" srcOrd="1" destOrd="0" parTransId="{477B6555-6FD1-7C46-9244-A6B65F2A7E43}" sibTransId="{1FFB3681-53FA-7C44-89E3-F4D46C4E2603}"/>
-    <dgm:cxn modelId="{005F3792-3939-184E-8D41-F16D361570FD}" type="presOf" srcId="{011BC17C-9377-D840-938E-5DED7A66524C}" destId="{F8651BA9-B0AB-1745-BBDD-6104E4BA73DF}" srcOrd="0" destOrd="0" presId="urn:microsoft.com/office/officeart/2005/8/layout/lProcess2"/>
+    <dgm:cxn modelId="{6B7CF9B4-DBB9-344C-94DF-3F58BAA622E2}" srcId="{86BCDFF5-3394-D74B-9CE9-7AD389BD7027}" destId="{B6395E27-E8E2-7547-B8EF-D839A52550C7}" srcOrd="1" destOrd="0" parTransId="{557A3F19-DD89-0C4D-8BDF-4AE7F2189D72}" sibTransId="{A1AEDBC4-BB00-E645-8FD4-830C390E34D8}"/>
     <dgm:cxn modelId="{B2CCD23E-30E0-4040-813E-0417933B8556}" srcId="{B6395E27-E8E2-7547-B8EF-D839A52550C7}" destId="{3B0ABBC8-B99E-0F4A-97C0-B419384F53CC}" srcOrd="0" destOrd="0" parTransId="{FEB8309E-CD88-9743-B2B3-B3A49988EEB0}" sibTransId="{3B497657-8EE8-4D4E-96C0-EB9CEEB0F144}"/>
-    <dgm:cxn modelId="{C873667D-9311-8041-A026-E16ED30FA1EF}" srcId="{305E7892-1E10-2844-8479-7B1F678D8B8F}" destId="{011BC17C-9377-D840-938E-5DED7A66524C}" srcOrd="0" destOrd="0" parTransId="{23D32BC8-F451-E949-A497-39A87AC0332E}" sibTransId="{67A522D6-ECE7-4640-8DE2-ED139FFE5045}"/>
-    <dgm:cxn modelId="{900E0C0E-C770-8F42-B9C8-31A7C5EE9C65}" type="presOf" srcId="{86BCDFF5-3394-D74B-9CE9-7AD389BD7027}" destId="{01DB1546-095A-A644-B0C8-D01E6DFB45C5}" srcOrd="0" destOrd="0" presId="urn:microsoft.com/office/officeart/2005/8/layout/lProcess2"/>
-    <dgm:cxn modelId="{88A7F854-3635-C64E-ACD2-B3DD44884C34}" type="presOf" srcId="{62C2290C-6660-314D-9D3D-0D1200025458}" destId="{2AF4D920-1784-1249-A67B-B9E22C485D76}" srcOrd="0" destOrd="0" presId="urn:microsoft.com/office/officeart/2005/8/layout/lProcess2"/>
-    <dgm:cxn modelId="{6B7CF9B4-DBB9-344C-94DF-3F58BAA622E2}" srcId="{86BCDFF5-3394-D74B-9CE9-7AD389BD7027}" destId="{B6395E27-E8E2-7547-B8EF-D839A52550C7}" srcOrd="1" destOrd="0" parTransId="{557A3F19-DD89-0C4D-8BDF-4AE7F2189D72}" sibTransId="{A1AEDBC4-BB00-E645-8FD4-830C390E34D8}"/>
-    <dgm:cxn modelId="{5C606A94-7AE2-744C-837F-158FF82D0E0B}" type="presOf" srcId="{305E7892-1E10-2844-8479-7B1F678D8B8F}" destId="{E72F9629-07D8-9540-9879-14D8FD42BF5B}" srcOrd="0" destOrd="0" presId="urn:microsoft.com/office/officeart/2005/8/layout/lProcess2"/>
-    <dgm:cxn modelId="{FABCFEAA-590F-0445-A42A-DAC1505C97DF}" type="presOf" srcId="{B6395E27-E8E2-7547-B8EF-D839A52550C7}" destId="{DD7D31CD-756C-8B4E-AFA3-A0A71BF1CF11}" srcOrd="1" destOrd="0" presId="urn:microsoft.com/office/officeart/2005/8/layout/lProcess2"/>
-    <dgm:cxn modelId="{88F00A0A-5CBD-104D-AEE6-39E07F1470EB}" srcId="{86BCDFF5-3394-D74B-9CE9-7AD389BD7027}" destId="{1BEF11D9-4D07-0D4B-89F6-003674678FE6}" srcOrd="0" destOrd="0" parTransId="{BE7D1D22-A2C9-9345-BE00-414F5E4FA9AC}" sibTransId="{893D33DF-7D77-6A41-B7D3-DAF8D0944356}"/>
-    <dgm:cxn modelId="{249A844D-4B2E-E24E-B1B4-8412B6549E07}" srcId="{86BCDFF5-3394-D74B-9CE9-7AD389BD7027}" destId="{305E7892-1E10-2844-8479-7B1F678D8B8F}" srcOrd="2" destOrd="0" parTransId="{385850C6-8496-744F-8927-514E8564B45E}" sibTransId="{09537609-2895-1844-88AF-929E7EB5C6DF}"/>
-    <dgm:cxn modelId="{EEC4611C-8D1D-1248-954A-C6F14AC48B44}" type="presOf" srcId="{74CF2284-BDD1-F748-92C8-C9100881A184}" destId="{4B2D3EAD-C1E6-7A41-919B-4B81F14C4D1F}" srcOrd="0" destOrd="0" presId="urn:microsoft.com/office/officeart/2005/8/layout/lProcess2"/>
-    <dgm:cxn modelId="{944B53F1-3F69-BD4F-86A0-35A66AFC38B5}" srcId="{1BEF11D9-4D07-0D4B-89F6-003674678FE6}" destId="{AB7F9009-25DD-0443-998D-FABABFB85D78}" srcOrd="1" destOrd="0" parTransId="{865C2CE6-242E-EC42-8EA9-381C5237A854}" sibTransId="{5028476B-8EDE-EF4C-A9C7-79D5525FDB98}"/>
-    <dgm:cxn modelId="{CB052075-C0E3-8142-BC6C-F864833854AA}" srcId="{1BEF11D9-4D07-0D4B-89F6-003674678FE6}" destId="{74CF2284-BDD1-F748-92C8-C9100881A184}" srcOrd="0" destOrd="0" parTransId="{DD230093-5DF4-8341-AF70-5E47DD72D610}" sibTransId="{AAA95E0E-BF42-FA46-BE36-D9D77A277AB2}"/>
     <dgm:cxn modelId="{D8AC7ED7-F034-0249-BAD9-34BC39663E4A}" type="presParOf" srcId="{01DB1546-095A-A644-B0C8-D01E6DFB45C5}" destId="{838CF0B6-700E-BE4A-A406-024EFDEE6362}" srcOrd="0" destOrd="0" presId="urn:microsoft.com/office/officeart/2005/8/layout/lProcess2"/>
     <dgm:cxn modelId="{3A046F44-3839-A74D-82FE-67CA298C01E3}" type="presParOf" srcId="{838CF0B6-700E-BE4A-A406-024EFDEE6362}" destId="{B96914C7-4AC3-D141-B97D-6CDDB63F2BC6}" srcOrd="0" destOrd="0" presId="urn:microsoft.com/office/officeart/2005/8/layout/lProcess2"/>
     <dgm:cxn modelId="{DB2BD1AF-4B59-C949-B119-2969700C6914}" type="presParOf" srcId="{838CF0B6-700E-BE4A-A406-024EFDEE6362}" destId="{12A84971-6BED-044E-AD94-A42F04B8CA39}" srcOrd="1" destOrd="0" presId="urn:microsoft.com/office/officeart/2005/8/layout/lProcess2"/>
@@ -3003,7 +3052,6 @@
             <a:rPr lang="en-US" dirty="0" smtClean="0"/>
             <a:t>Autism Diagnostic Interview-Revised </a:t>
           </a:r>
-          <a:endParaRPr lang="en-US" dirty="0" smtClean="0"/>
         </a:p>
         <a:p>
           <a:r>
@@ -3084,7 +3132,6 @@
             <a:rPr lang="en-US" dirty="0" smtClean="0"/>
             <a:t>Behavioral Assessment Schedule for Children </a:t>
           </a:r>
-          <a:endParaRPr lang="en-US" dirty="0" smtClean="0"/>
         </a:p>
         <a:p>
           <a:r>
@@ -3202,7 +3249,6 @@
             <a:rPr lang="en-US" dirty="0" smtClean="0"/>
             <a:t>Vineland Adaptive Behavior Scales </a:t>
           </a:r>
-          <a:endParaRPr lang="en-US" dirty="0" smtClean="0"/>
         </a:p>
         <a:p>
           <a:r>
@@ -3355,6 +3401,13 @@
         </dgm:presLayoutVars>
       </dgm:prSet>
       <dgm:spPr/>
+      <dgm:t>
+        <a:bodyPr/>
+        <a:lstStyle/>
+        <a:p>
+          <a:endParaRPr lang="en-US"/>
+        </a:p>
+      </dgm:t>
     </dgm:pt>
     <dgm:pt modelId="{C3A894F7-A65D-BD44-91CE-15A47DF6EB8B}" type="pres">
       <dgm:prSet presAssocID="{43A37147-BD7F-4644-8711-A63EEA0CDF61}" presName="linNode" presStyleCnt="0"/>
@@ -3468,25 +3521,25 @@
     </dgm:pt>
   </dgm:ptLst>
   <dgm:cxnLst>
-    <dgm:cxn modelId="{B98AFB7C-6DBF-D541-AC3C-953D4C00EB33}" type="presOf" srcId="{93B35C89-F488-1746-B4F2-C8A1DCAE67C5}" destId="{17ED2286-5416-A145-A33B-335556D82285}" srcOrd="0" destOrd="0" presId="urn:microsoft.com/office/officeart/2005/8/layout/vList6"/>
-    <dgm:cxn modelId="{1ACA3DE9-F3C1-E54F-8197-69A763F679B7}" srcId="{43A37147-BD7F-4644-8711-A63EEA0CDF61}" destId="{EAD5A654-85C8-B64B-92C1-EF4309ACB481}" srcOrd="1" destOrd="0" parTransId="{5AC8F768-C7A9-1143-8736-01750C734D64}" sibTransId="{9DB28C29-6229-0A46-BAF2-E2A4F1C346C5}"/>
-    <dgm:cxn modelId="{C887ED06-6737-1E46-BE17-7EFE691F7E3A}" type="presOf" srcId="{09FF0E5B-EE7F-194E-87C4-DDB91985C5E5}" destId="{200613C9-B96E-7E47-BB0E-FCC049E6406E}" srcOrd="0" destOrd="0" presId="urn:microsoft.com/office/officeart/2005/8/layout/vList6"/>
-    <dgm:cxn modelId="{A23D0ECC-902D-E34F-BBFB-12A2CCCDDEDD}" srcId="{09FF0E5B-EE7F-194E-87C4-DDB91985C5E5}" destId="{12056221-EB0A-4148-B839-6A291051F0C5}" srcOrd="0" destOrd="0" parTransId="{8F0C50B2-0AEF-294D-A3F9-40B190AFE7E2}" sibTransId="{15FF217E-2A5B-9548-B91E-E90DE2596476}"/>
+    <dgm:cxn modelId="{21150617-34EB-0A4B-8DE0-93576BA2EBD4}" srcId="{DD1A1310-29D0-094D-B36E-A6CD51A7BCE2}" destId="{4B16614A-E960-B741-BF58-EC0160460198}" srcOrd="1" destOrd="0" parTransId="{AAD8B47B-726B-1746-B12F-4A144A197B80}" sibTransId="{0AE09414-20CB-9E4D-8719-3A52DA96A77A}"/>
     <dgm:cxn modelId="{65264295-4D44-C649-BF70-72B77B608D04}" type="presOf" srcId="{EAD5A654-85C8-B64B-92C1-EF4309ACB481}" destId="{17ED2286-5416-A145-A33B-335556D82285}" srcOrd="0" destOrd="1" presId="urn:microsoft.com/office/officeart/2005/8/layout/vList6"/>
     <dgm:cxn modelId="{2D1F99A2-17B9-2343-BEA8-66579DA0C25D}" srcId="{4C9018F4-227F-064A-9A29-CD76001F1569}" destId="{43A37147-BD7F-4644-8711-A63EEA0CDF61}" srcOrd="0" destOrd="0" parTransId="{52644693-B14E-374A-B5E6-71DD6C45F503}" sibTransId="{A9847A75-6E7F-AE49-90F1-9EDE9D6B2B4A}"/>
-    <dgm:cxn modelId="{0A97DFDD-DC18-A54E-8B77-34DC2F878F2F}" srcId="{43A37147-BD7F-4644-8711-A63EEA0CDF61}" destId="{93B35C89-F488-1746-B4F2-C8A1DCAE67C5}" srcOrd="0" destOrd="0" parTransId="{4351CFCD-9ECB-5E49-BB98-0237155989AC}" sibTransId="{7AAD3E63-C133-F245-B4FC-0C10EBE80BB1}"/>
-    <dgm:cxn modelId="{329EA2B1-B4EF-0C4A-9BF1-E630ACFBB9F2}" type="presOf" srcId="{12056221-EB0A-4148-B839-6A291051F0C5}" destId="{5A2981FC-BB5F-B542-8DA7-0C010C4F2C5D}" srcOrd="0" destOrd="0" presId="urn:microsoft.com/office/officeart/2005/8/layout/vList6"/>
+    <dgm:cxn modelId="{1E3B9305-C0F6-4E41-BB4C-149A0C90472A}" type="presOf" srcId="{4C9018F4-227F-064A-9A29-CD76001F1569}" destId="{1B3E1EA8-CDFD-9D4C-BC99-D212CC93A3E6}" srcOrd="0" destOrd="0" presId="urn:microsoft.com/office/officeart/2005/8/layout/vList6"/>
+    <dgm:cxn modelId="{4994B263-4798-3C4D-85DE-DE377067E034}" type="presOf" srcId="{4B16614A-E960-B741-BF58-EC0160460198}" destId="{07D25E1A-57A1-F24F-9FCE-901AFE9E4DCD}" srcOrd="0" destOrd="1" presId="urn:microsoft.com/office/officeart/2005/8/layout/vList6"/>
+    <dgm:cxn modelId="{E17735C2-9C91-7448-954A-C8C330739D74}" type="presOf" srcId="{5EF59C74-A0BD-624D-B5FE-5E1643173B65}" destId="{5A2981FC-BB5F-B542-8DA7-0C010C4F2C5D}" srcOrd="0" destOrd="1" presId="urn:microsoft.com/office/officeart/2005/8/layout/vList6"/>
     <dgm:cxn modelId="{6FEEB159-2F43-6A4A-A83D-02910E561D68}" type="presOf" srcId="{755751D5-B75F-9B42-90D5-56A0C09B65B5}" destId="{07D25E1A-57A1-F24F-9FCE-901AFE9E4DCD}" srcOrd="0" destOrd="0" presId="urn:microsoft.com/office/officeart/2005/8/layout/vList6"/>
-    <dgm:cxn modelId="{21150617-34EB-0A4B-8DE0-93576BA2EBD4}" srcId="{DD1A1310-29D0-094D-B36E-A6CD51A7BCE2}" destId="{4B16614A-E960-B741-BF58-EC0160460198}" srcOrd="1" destOrd="0" parTransId="{AAD8B47B-726B-1746-B12F-4A144A197B80}" sibTransId="{0AE09414-20CB-9E4D-8719-3A52DA96A77A}"/>
+    <dgm:cxn modelId="{33DD15E3-1A25-A24F-8223-6081BD1E1561}" srcId="{DD1A1310-29D0-094D-B36E-A6CD51A7BCE2}" destId="{755751D5-B75F-9B42-90D5-56A0C09B65B5}" srcOrd="0" destOrd="0" parTransId="{2FAD2A07-6880-F14B-8B2F-7D40CD55337D}" sibTransId="{79E4D086-604E-D145-A38A-8861E8980626}"/>
+    <dgm:cxn modelId="{C887ED06-6737-1E46-BE17-7EFE691F7E3A}" type="presOf" srcId="{09FF0E5B-EE7F-194E-87C4-DDB91985C5E5}" destId="{200613C9-B96E-7E47-BB0E-FCC049E6406E}" srcOrd="0" destOrd="0" presId="urn:microsoft.com/office/officeart/2005/8/layout/vList6"/>
+    <dgm:cxn modelId="{B101C617-866E-1B49-8342-CB09F290F8FE}" srcId="{09FF0E5B-EE7F-194E-87C4-DDB91985C5E5}" destId="{5EF59C74-A0BD-624D-B5FE-5E1643173B65}" srcOrd="1" destOrd="0" parTransId="{307D06D3-DE54-9D4E-937C-729D2CDAFF31}" sibTransId="{F85C9974-E630-0140-8DB5-8C31B8FF9954}"/>
+    <dgm:cxn modelId="{1ACA3DE9-F3C1-E54F-8197-69A763F679B7}" srcId="{43A37147-BD7F-4644-8711-A63EEA0CDF61}" destId="{EAD5A654-85C8-B64B-92C1-EF4309ACB481}" srcOrd="1" destOrd="0" parTransId="{5AC8F768-C7A9-1143-8736-01750C734D64}" sibTransId="{9DB28C29-6229-0A46-BAF2-E2A4F1C346C5}"/>
     <dgm:cxn modelId="{71F6A569-5104-894C-A32F-99E64C5457AC}" srcId="{4C9018F4-227F-064A-9A29-CD76001F1569}" destId="{09FF0E5B-EE7F-194E-87C4-DDB91985C5E5}" srcOrd="2" destOrd="0" parTransId="{656EF84C-D36D-A24A-AAD3-291432DC6CF0}" sibTransId="{0A9B6D96-8107-344E-951C-53E44E065388}"/>
-    <dgm:cxn modelId="{1E3B9305-C0F6-4E41-BB4C-149A0C90472A}" type="presOf" srcId="{4C9018F4-227F-064A-9A29-CD76001F1569}" destId="{1B3E1EA8-CDFD-9D4C-BC99-D212CC93A3E6}" srcOrd="0" destOrd="0" presId="urn:microsoft.com/office/officeart/2005/8/layout/vList6"/>
-    <dgm:cxn modelId="{E17735C2-9C91-7448-954A-C8C330739D74}" type="presOf" srcId="{5EF59C74-A0BD-624D-B5FE-5E1643173B65}" destId="{5A2981FC-BB5F-B542-8DA7-0C010C4F2C5D}" srcOrd="0" destOrd="1" presId="urn:microsoft.com/office/officeart/2005/8/layout/vList6"/>
-    <dgm:cxn modelId="{4994B263-4798-3C4D-85DE-DE377067E034}" type="presOf" srcId="{4B16614A-E960-B741-BF58-EC0160460198}" destId="{07D25E1A-57A1-F24F-9FCE-901AFE9E4DCD}" srcOrd="0" destOrd="1" presId="urn:microsoft.com/office/officeart/2005/8/layout/vList6"/>
-    <dgm:cxn modelId="{B101C617-866E-1B49-8342-CB09F290F8FE}" srcId="{09FF0E5B-EE7F-194E-87C4-DDB91985C5E5}" destId="{5EF59C74-A0BD-624D-B5FE-5E1643173B65}" srcOrd="1" destOrd="0" parTransId="{307D06D3-DE54-9D4E-937C-729D2CDAFF31}" sibTransId="{F85C9974-E630-0140-8DB5-8C31B8FF9954}"/>
+    <dgm:cxn modelId="{A23D0ECC-902D-E34F-BBFB-12A2CCCDDEDD}" srcId="{09FF0E5B-EE7F-194E-87C4-DDB91985C5E5}" destId="{12056221-EB0A-4148-B839-6A291051F0C5}" srcOrd="0" destOrd="0" parTransId="{8F0C50B2-0AEF-294D-A3F9-40B190AFE7E2}" sibTransId="{15FF217E-2A5B-9548-B91E-E90DE2596476}"/>
+    <dgm:cxn modelId="{B98AFB7C-6DBF-D541-AC3C-953D4C00EB33}" type="presOf" srcId="{93B35C89-F488-1746-B4F2-C8A1DCAE67C5}" destId="{17ED2286-5416-A145-A33B-335556D82285}" srcOrd="0" destOrd="0" presId="urn:microsoft.com/office/officeart/2005/8/layout/vList6"/>
     <dgm:cxn modelId="{ADADA9F5-E2E6-4047-A3E9-17C6341A323B}" type="presOf" srcId="{43A37147-BD7F-4644-8711-A63EEA0CDF61}" destId="{C1BB4562-68AF-2749-8001-0820B008D874}" srcOrd="0" destOrd="0" presId="urn:microsoft.com/office/officeart/2005/8/layout/vList6"/>
     <dgm:cxn modelId="{FDFF0495-9629-F447-98B5-865E7882F12B}" srcId="{4C9018F4-227F-064A-9A29-CD76001F1569}" destId="{DD1A1310-29D0-094D-B36E-A6CD51A7BCE2}" srcOrd="1" destOrd="0" parTransId="{A280242A-FB74-4F43-91B9-9162F8900EFF}" sibTransId="{A42CC3C4-BA16-D142-BCAD-F4B7AFC16AAC}"/>
-    <dgm:cxn modelId="{33DD15E3-1A25-A24F-8223-6081BD1E1561}" srcId="{DD1A1310-29D0-094D-B36E-A6CD51A7BCE2}" destId="{755751D5-B75F-9B42-90D5-56A0C09B65B5}" srcOrd="0" destOrd="0" parTransId="{2FAD2A07-6880-F14B-8B2F-7D40CD55337D}" sibTransId="{79E4D086-604E-D145-A38A-8861E8980626}"/>
+    <dgm:cxn modelId="{0A97DFDD-DC18-A54E-8B77-34DC2F878F2F}" srcId="{43A37147-BD7F-4644-8711-A63EEA0CDF61}" destId="{93B35C89-F488-1746-B4F2-C8A1DCAE67C5}" srcOrd="0" destOrd="0" parTransId="{4351CFCD-9ECB-5E49-BB98-0237155989AC}" sibTransId="{7AAD3E63-C133-F245-B4FC-0C10EBE80BB1}"/>
     <dgm:cxn modelId="{D4CD26DB-62DC-FF49-A5D3-6CA4DDFD4DF0}" type="presOf" srcId="{DD1A1310-29D0-094D-B36E-A6CD51A7BCE2}" destId="{0F6CAE61-0FE9-E14D-A247-8E2D3885261A}" srcOrd="0" destOrd="0" presId="urn:microsoft.com/office/officeart/2005/8/layout/vList6"/>
+    <dgm:cxn modelId="{329EA2B1-B4EF-0C4A-9BF1-E630ACFBB9F2}" type="presOf" srcId="{12056221-EB0A-4148-B839-6A291051F0C5}" destId="{5A2981FC-BB5F-B542-8DA7-0C010C4F2C5D}" srcOrd="0" destOrd="0" presId="urn:microsoft.com/office/officeart/2005/8/layout/vList6"/>
     <dgm:cxn modelId="{3E31BB6C-560F-3644-A17B-54AF370BD2B4}" type="presParOf" srcId="{1B3E1EA8-CDFD-9D4C-BC99-D212CC93A3E6}" destId="{C3A894F7-A65D-BD44-91CE-15A47DF6EB8B}" srcOrd="0" destOrd="0" presId="urn:microsoft.com/office/officeart/2005/8/layout/vList6"/>
     <dgm:cxn modelId="{60395434-A630-5C42-8123-A292E65123CD}" type="presParOf" srcId="{C3A894F7-A65D-BD44-91CE-15A47DF6EB8B}" destId="{C1BB4562-68AF-2749-8001-0820B008D874}" srcOrd="0" destOrd="0" presId="urn:microsoft.com/office/officeart/2005/8/layout/vList6"/>
     <dgm:cxn modelId="{6EF86386-A386-474A-AFD7-E6ADB6E6E112}" type="presParOf" srcId="{C3A894F7-A65D-BD44-91CE-15A47DF6EB8B}" destId="{17ED2286-5416-A145-A33B-335556D82285}" srcOrd="1" destOrd="0" presId="urn:microsoft.com/office/officeart/2005/8/layout/vList6"/>
@@ -3754,6 +3807,13 @@
         </dgm:presLayoutVars>
       </dgm:prSet>
       <dgm:spPr/>
+      <dgm:t>
+        <a:bodyPr/>
+        <a:lstStyle/>
+        <a:p>
+          <a:endParaRPr lang="en-US"/>
+        </a:p>
+      </dgm:t>
     </dgm:pt>
     <dgm:pt modelId="{D6B3A81B-9D29-BC4E-9421-7C5FCC82C0FA}" type="pres">
       <dgm:prSet presAssocID="{32A8CC41-40EA-EB49-9D1E-FD779467564E}" presName="composite" presStyleCnt="0"/>
@@ -3806,6 +3866,13 @@
         </dgm:presLayoutVars>
       </dgm:prSet>
       <dgm:spPr/>
+      <dgm:t>
+        <a:bodyPr/>
+        <a:lstStyle/>
+        <a:p>
+          <a:endParaRPr lang="en-US"/>
+        </a:p>
+      </dgm:t>
     </dgm:pt>
     <dgm:pt modelId="{A6C0B05F-AB4D-6F40-833B-89C5C34B1B83}" type="pres">
       <dgm:prSet presAssocID="{805A0584-91A3-794D-B991-A7E8E5D14796}" presName="descendantText" presStyleLbl="alignAcc1" presStyleIdx="1" presStyleCnt="3">
@@ -3838,6 +3905,13 @@
         </dgm:presLayoutVars>
       </dgm:prSet>
       <dgm:spPr/>
+      <dgm:t>
+        <a:bodyPr/>
+        <a:lstStyle/>
+        <a:p>
+          <a:endParaRPr lang="en-US"/>
+        </a:p>
+      </dgm:t>
     </dgm:pt>
     <dgm:pt modelId="{90ACB5F3-86C6-704C-9F9B-5C4137603DAA}" type="pres">
       <dgm:prSet presAssocID="{19A4C777-228A-734C-9907-0485FEA302E4}" presName="descendantText" presStyleLbl="alignAcc1" presStyleIdx="2" presStyleCnt="3">
@@ -3856,19 +3930,19 @@
     </dgm:pt>
   </dgm:ptLst>
   <dgm:cxnLst>
-    <dgm:cxn modelId="{84F1D8A0-924F-244F-84B0-4462EBFC1AED}" type="presOf" srcId="{6FDB25DF-E3A3-B448-80C8-D7DF3C336956}" destId="{AD9B75F1-3E55-2445-9AA3-D7EAD3BDA339}" srcOrd="0" destOrd="0" presId="urn:microsoft.com/office/officeart/2005/8/layout/chevron2"/>
-    <dgm:cxn modelId="{E92AF36A-2990-F04A-AA7F-174AD3790581}" type="presOf" srcId="{AE3D31FF-3CD1-534A-BF0E-7AB8A26E0943}" destId="{A6C0B05F-AB4D-6F40-833B-89C5C34B1B83}" srcOrd="0" destOrd="0" presId="urn:microsoft.com/office/officeart/2005/8/layout/chevron2"/>
-    <dgm:cxn modelId="{F143B57C-3DF5-E448-8E2D-A0FC6B63E610}" type="presOf" srcId="{32A8CC41-40EA-EB49-9D1E-FD779467564E}" destId="{0238D4CD-3BF1-9145-A0CE-EAC931CE6537}" srcOrd="0" destOrd="0" presId="urn:microsoft.com/office/officeart/2005/8/layout/chevron2"/>
-    <dgm:cxn modelId="{3AE74484-1409-7146-8983-201038183683}" type="presOf" srcId="{805A0584-91A3-794D-B991-A7E8E5D14796}" destId="{7C8A9D65-A4FF-894D-A0F9-B65FF4F0D7EE}" srcOrd="0" destOrd="0" presId="urn:microsoft.com/office/officeart/2005/8/layout/chevron2"/>
-    <dgm:cxn modelId="{563A3798-1511-404A-9D35-3C729C3FEBBF}" srcId="{9D0338AB-1658-4349-A454-D7A73FF2D10E}" destId="{19A4C777-228A-734C-9907-0485FEA302E4}" srcOrd="2" destOrd="0" parTransId="{F8FA13D1-481F-1746-B62E-3F0EC0DE5CC5}" sibTransId="{234D0ED9-2D11-964C-8CFD-CF0341C7D91D}"/>
-    <dgm:cxn modelId="{609E27CF-1C41-8043-8FF1-C74B1AFD2333}" type="presOf" srcId="{9D0338AB-1658-4349-A454-D7A73FF2D10E}" destId="{DCD1E296-409A-E842-BFFE-7A13CA61DFD1}" srcOrd="0" destOrd="0" presId="urn:microsoft.com/office/officeart/2005/8/layout/chevron2"/>
-    <dgm:cxn modelId="{57C0E798-ED65-AD47-99DC-174964F90E03}" srcId="{32A8CC41-40EA-EB49-9D1E-FD779467564E}" destId="{6FDB25DF-E3A3-B448-80C8-D7DF3C336956}" srcOrd="0" destOrd="0" parTransId="{59ED2ACE-C237-084D-A342-D61A281B194C}" sibTransId="{8B0DE414-4DBA-CD4D-B076-DC40A3E6929C}"/>
-    <dgm:cxn modelId="{C42B2744-A2D8-F14E-AF7F-C5B41AC88B52}" type="presOf" srcId="{83DC75F7-EFCC-9345-A6E4-33D868E095A1}" destId="{90ACB5F3-86C6-704C-9F9B-5C4137603DAA}" srcOrd="0" destOrd="0" presId="urn:microsoft.com/office/officeart/2005/8/layout/chevron2"/>
     <dgm:cxn modelId="{DB647424-9B60-0242-B5A4-B397927F8FB0}" srcId="{9D0338AB-1658-4349-A454-D7A73FF2D10E}" destId="{32A8CC41-40EA-EB49-9D1E-FD779467564E}" srcOrd="0" destOrd="0" parTransId="{C3F0A891-D864-B046-B527-B33F4B76D8FD}" sibTransId="{35839661-B7AA-7D42-AA91-3C1C7059F423}"/>
+    <dgm:cxn modelId="{291E80FD-C787-1A47-94CC-1A7AF7A25019}" srcId="{9D0338AB-1658-4349-A454-D7A73FF2D10E}" destId="{805A0584-91A3-794D-B991-A7E8E5D14796}" srcOrd="1" destOrd="0" parTransId="{6DC424A5-54E6-4B47-BE73-20047C3C23E5}" sibTransId="{D6802E20-215C-2040-80AB-A4C6A7119C03}"/>
     <dgm:cxn modelId="{5CA9AB9C-F780-4C42-8A6B-6FF48F47B24D}" srcId="{19A4C777-228A-734C-9907-0485FEA302E4}" destId="{83DC75F7-EFCC-9345-A6E4-33D868E095A1}" srcOrd="0" destOrd="0" parTransId="{3FBE6127-203D-D846-9AA5-5BF9CA21420E}" sibTransId="{04A08770-2DD0-3549-8E8A-5B3F69A87F31}"/>
     <dgm:cxn modelId="{E3298323-4C48-C64A-94A4-A7F218EDDAF3}" type="presOf" srcId="{19A4C777-228A-734C-9907-0485FEA302E4}" destId="{93684C35-62A9-0D4A-9459-54EE242FDF6B}" srcOrd="0" destOrd="0" presId="urn:microsoft.com/office/officeart/2005/8/layout/chevron2"/>
+    <dgm:cxn modelId="{C42B2744-A2D8-F14E-AF7F-C5B41AC88B52}" type="presOf" srcId="{83DC75F7-EFCC-9345-A6E4-33D868E095A1}" destId="{90ACB5F3-86C6-704C-9F9B-5C4137603DAA}" srcOrd="0" destOrd="0" presId="urn:microsoft.com/office/officeart/2005/8/layout/chevron2"/>
+    <dgm:cxn modelId="{563A3798-1511-404A-9D35-3C729C3FEBBF}" srcId="{9D0338AB-1658-4349-A454-D7A73FF2D10E}" destId="{19A4C777-228A-734C-9907-0485FEA302E4}" srcOrd="2" destOrd="0" parTransId="{F8FA13D1-481F-1746-B62E-3F0EC0DE5CC5}" sibTransId="{234D0ED9-2D11-964C-8CFD-CF0341C7D91D}"/>
     <dgm:cxn modelId="{0F473558-7E68-BC4E-8F18-A9E551941B14}" srcId="{805A0584-91A3-794D-B991-A7E8E5D14796}" destId="{AE3D31FF-3CD1-534A-BF0E-7AB8A26E0943}" srcOrd="0" destOrd="0" parTransId="{6ECD3F0D-9A87-C544-8862-79EFCACAEE22}" sibTransId="{9F98C95E-B09B-1140-915D-D4D70E96B5E0}"/>
-    <dgm:cxn modelId="{291E80FD-C787-1A47-94CC-1A7AF7A25019}" srcId="{9D0338AB-1658-4349-A454-D7A73FF2D10E}" destId="{805A0584-91A3-794D-B991-A7E8E5D14796}" srcOrd="1" destOrd="0" parTransId="{6DC424A5-54E6-4B47-BE73-20047C3C23E5}" sibTransId="{D6802E20-215C-2040-80AB-A4C6A7119C03}"/>
+    <dgm:cxn modelId="{57C0E798-ED65-AD47-99DC-174964F90E03}" srcId="{32A8CC41-40EA-EB49-9D1E-FD779467564E}" destId="{6FDB25DF-E3A3-B448-80C8-D7DF3C336956}" srcOrd="0" destOrd="0" parTransId="{59ED2ACE-C237-084D-A342-D61A281B194C}" sibTransId="{8B0DE414-4DBA-CD4D-B076-DC40A3E6929C}"/>
+    <dgm:cxn modelId="{84F1D8A0-924F-244F-84B0-4462EBFC1AED}" type="presOf" srcId="{6FDB25DF-E3A3-B448-80C8-D7DF3C336956}" destId="{AD9B75F1-3E55-2445-9AA3-D7EAD3BDA339}" srcOrd="0" destOrd="0" presId="urn:microsoft.com/office/officeart/2005/8/layout/chevron2"/>
+    <dgm:cxn modelId="{3AE74484-1409-7146-8983-201038183683}" type="presOf" srcId="{805A0584-91A3-794D-B991-A7E8E5D14796}" destId="{7C8A9D65-A4FF-894D-A0F9-B65FF4F0D7EE}" srcOrd="0" destOrd="0" presId="urn:microsoft.com/office/officeart/2005/8/layout/chevron2"/>
+    <dgm:cxn modelId="{E92AF36A-2990-F04A-AA7F-174AD3790581}" type="presOf" srcId="{AE3D31FF-3CD1-534A-BF0E-7AB8A26E0943}" destId="{A6C0B05F-AB4D-6F40-833B-89C5C34B1B83}" srcOrd="0" destOrd="0" presId="urn:microsoft.com/office/officeart/2005/8/layout/chevron2"/>
+    <dgm:cxn modelId="{609E27CF-1C41-8043-8FF1-C74B1AFD2333}" type="presOf" srcId="{9D0338AB-1658-4349-A454-D7A73FF2D10E}" destId="{DCD1E296-409A-E842-BFFE-7A13CA61DFD1}" srcOrd="0" destOrd="0" presId="urn:microsoft.com/office/officeart/2005/8/layout/chevron2"/>
+    <dgm:cxn modelId="{F143B57C-3DF5-E448-8E2D-A0FC6B63E610}" type="presOf" srcId="{32A8CC41-40EA-EB49-9D1E-FD779467564E}" destId="{0238D4CD-3BF1-9145-A0CE-EAC931CE6537}" srcOrd="0" destOrd="0" presId="urn:microsoft.com/office/officeart/2005/8/layout/chevron2"/>
     <dgm:cxn modelId="{548D86FC-C266-7C40-9606-7342F1D82BDC}" type="presParOf" srcId="{DCD1E296-409A-E842-BFFE-7A13CA61DFD1}" destId="{D6B3A81B-9D29-BC4E-9421-7C5FCC82C0FA}" srcOrd="0" destOrd="0" presId="urn:microsoft.com/office/officeart/2005/8/layout/chevron2"/>
     <dgm:cxn modelId="{AB53F1AD-33CD-0E44-BA79-D2AAD3455AFC}" type="presParOf" srcId="{D6B3A81B-9D29-BC4E-9421-7C5FCC82C0FA}" destId="{0238D4CD-3BF1-9145-A0CE-EAC931CE6537}" srcOrd="0" destOrd="0" presId="urn:microsoft.com/office/officeart/2005/8/layout/chevron2"/>
     <dgm:cxn modelId="{AD9785EC-9521-4A49-B79B-88B1AC23876E}" type="presParOf" srcId="{D6B3A81B-9D29-BC4E-9421-7C5FCC82C0FA}" destId="{AD9B75F1-3E55-2445-9AA3-D7EAD3BDA339}" srcOrd="1" destOrd="0" presId="urn:microsoft.com/office/officeart/2005/8/layout/chevron2"/>
@@ -4971,7 +5045,6 @@
             <a:rPr lang="en-US" sz="2100" kern="1200" dirty="0" smtClean="0"/>
             <a:t>Autism Diagnostic Interview-Revised </a:t>
           </a:r>
-          <a:endParaRPr lang="en-US" sz="2100" kern="1200" dirty="0" smtClean="0"/>
         </a:p>
         <a:p>
           <a:pPr lvl="0" algn="ctr" defTabSz="933450">
@@ -5193,7 +5266,6 @@
             <a:rPr lang="en-US" sz="2100" kern="1200" dirty="0" smtClean="0"/>
             <a:t>Behavioral Assessment Schedule for Children </a:t>
           </a:r>
-          <a:endParaRPr lang="en-US" sz="2100" kern="1200" dirty="0" smtClean="0"/>
         </a:p>
         <a:p>
           <a:pPr lvl="0" algn="ctr" defTabSz="933450">
@@ -5415,7 +5487,6 @@
             <a:rPr lang="en-US" sz="2100" kern="1200" dirty="0" smtClean="0"/>
             <a:t>Vineland Adaptive Behavior Scales </a:t>
           </a:r>
-          <a:endParaRPr lang="en-US" sz="2100" kern="1200" dirty="0" smtClean="0"/>
         </a:p>
         <a:p>
           <a:pPr lvl="0" algn="ctr" defTabSz="933450">
@@ -12741,11 +12812,7 @@
           <a:p>
             <a:r>
               <a:rPr lang="en-US" dirty="0" smtClean="0"/>
-              <a:t>Vine mean is </a:t>
-            </a:r>
-            <a:r>
-              <a:rPr lang="en-US" dirty="0" smtClean="0"/>
-              <a:t>100</a:t>
+              <a:t>Vine mean is 100</a:t>
             </a:r>
           </a:p>
           <a:p>
@@ -16851,13 +16918,8 @@
           <a:p>
             <a:r>
               <a:rPr lang="en-US" sz="1800" dirty="0" smtClean="0"/>
-              <a:t>In 2017, deep learning techniques applied increased the accuracy for ASD to 70</a:t>
-            </a:r>
-            <a:r>
-              <a:rPr lang="en-US" sz="1800" dirty="0" smtClean="0"/>
-              <a:t>%.</a:t>
-            </a:r>
-            <a:endParaRPr lang="en-US" sz="1800" dirty="0" smtClean="0"/>
+              <a:t>In 2017, deep learning techniques applied increased the accuracy for ASD to 70%.</a:t>
+            </a:r>
           </a:p>
         </p:txBody>
       </p:sp>
@@ -17334,19 +17396,7 @@
           <a:p>
             <a:r>
               <a:rPr lang="en-US" sz="1800" dirty="0" smtClean="0"/>
-              <a:t>369 </a:t>
-            </a:r>
-            <a:r>
-              <a:rPr lang="en-US" sz="1800" dirty="0" smtClean="0"/>
-              <a:t>children’s data </a:t>
-            </a:r>
-            <a:r>
-              <a:rPr lang="en-US" sz="1800" dirty="0" smtClean="0"/>
-              <a:t>collected </a:t>
-            </a:r>
-            <a:r>
-              <a:rPr lang="en-US" sz="1800" dirty="0" smtClean="0"/>
-              <a:t>by Dr. Russo, Dr. </a:t>
+              <a:t>369 children’s data collected by Dr. Russo, Dr. </a:t>
             </a:r>
             <a:r>
               <a:rPr lang="en-US" sz="1800" dirty="0" err="1" smtClean="0"/>
@@ -17354,11 +17404,7 @@
             </a:r>
             <a:r>
               <a:rPr lang="en-US" sz="1800" dirty="0" smtClean="0"/>
-              <a:t> and Dr. Kates </a:t>
-            </a:r>
-            <a:r>
-              <a:rPr lang="en-US" sz="1800" dirty="0" smtClean="0"/>
-              <a:t>between the ages 3 to 18.</a:t>
+              <a:t> and Dr. Kates between the ages 3 to 18.</a:t>
             </a:r>
           </a:p>
           <a:p>
@@ -17842,13 +17888,8 @@
           <a:p>
             <a:r>
               <a:rPr lang="en-US" dirty="0" smtClean="0"/>
-              <a:t>Horizontal partitioning- </a:t>
-            </a:r>
-            <a:r>
-              <a:rPr lang="en-US" dirty="0" smtClean="0"/>
-              <a:t>for analyzing comorbid disorders</a:t>
-            </a:r>
-            <a:endParaRPr lang="en-US" dirty="0" smtClean="0"/>
+              <a:t>Horizontal partitioning- for analyzing comorbid disorders</a:t>
+            </a:r>
           </a:p>
           <a:p>
             <a:pPr lvl="1">
@@ -17869,7 +17910,6 @@
               <a:rPr lang="en-US" dirty="0" smtClean="0"/>
               <a:t>254 subjects with ASD and ADHD</a:t>
             </a:r>
-            <a:endParaRPr lang="en-US" dirty="0" smtClean="0"/>
           </a:p>
           <a:p>
             <a:r>
@@ -17920,6 +17960,23 @@
               <a:rPr lang="en-US" dirty="0" smtClean="0"/>
               <a:t>set</a:t>
             </a:r>
+          </a:p>
+          <a:p>
+            <a:pPr>
+              <a:buFont typeface="Arial" charset="0"/>
+              <a:buChar char="•"/>
+            </a:pPr>
+            <a:r>
+              <a:rPr lang="en-US"/>
+              <a:t>Naive Bayes, Logistic Regression, Random Forest, Support Vector Machines and K-Nearest Neighbors </a:t>
+            </a:r>
+            <a:endParaRPr lang="en-US"/>
+          </a:p>
+          <a:p>
+            <a:pPr lvl="1">
+              <a:buFont typeface="Wingdings" charset="2"/>
+              <a:buChar char="§"/>
+            </a:pPr>
             <a:endParaRPr lang="en-US" dirty="0"/>
           </a:p>
           <a:p>
@@ -18182,19 +18239,7 @@
           <a:p>
             <a:r>
               <a:rPr lang="en-US" dirty="0" smtClean="0"/>
-              <a:t>Agglomerative clustering was also applied to </a:t>
-            </a:r>
-            <a:r>
-              <a:rPr lang="en-US" dirty="0" smtClean="0"/>
-              <a:t>the</a:t>
-            </a:r>
-            <a:r>
-              <a:rPr lang="en-US" dirty="0" smtClean="0"/>
-              <a:t> </a:t>
-            </a:r>
-            <a:r>
-              <a:rPr lang="en-US" dirty="0" smtClean="0"/>
-              <a:t>data</a:t>
+              <a:t>Agglomerative clustering was also applied to the data</a:t>
             </a:r>
             <a:endParaRPr lang="en-US" dirty="0"/>
           </a:p>
@@ -18308,11 +18353,7 @@
           <a:p>
             <a:r>
               <a:rPr lang="en-US" dirty="0" smtClean="0"/>
-              <a:t>Supervised </a:t>
-            </a:r>
-            <a:r>
-              <a:rPr lang="en-US" dirty="0" smtClean="0"/>
-              <a:t>Learning</a:t>
+              <a:t>Supervised Learning</a:t>
             </a:r>
             <a:endParaRPr lang="en-US" dirty="0"/>
           </a:p>
@@ -18335,23 +18376,7 @@
           <a:p>
             <a:r>
               <a:rPr lang="en-US" dirty="0" smtClean="0"/>
-              <a:t>Random </a:t>
-            </a:r>
-            <a:r>
-              <a:rPr lang="en-US" dirty="0" smtClean="0"/>
-              <a:t>forest models </a:t>
-            </a:r>
-            <a:r>
-              <a:rPr lang="en-US" dirty="0" smtClean="0"/>
-              <a:t>performed the</a:t>
-            </a:r>
-            <a:r>
-              <a:rPr lang="en-US" dirty="0" smtClean="0"/>
-              <a:t> </a:t>
-            </a:r>
-            <a:r>
-              <a:rPr lang="en-US" dirty="0" smtClean="0"/>
-              <a:t>best for diagnosing subgroups</a:t>
+              <a:t>Random forest models performed the best for diagnosing subgroups</a:t>
             </a:r>
           </a:p>
           <a:p>
@@ -18892,21 +18917,18 @@
               <a:rPr lang="en-US" dirty="0" smtClean="0"/>
               <a:t>Background</a:t>
             </a:r>
-            <a:endParaRPr lang="en-US" dirty="0" smtClean="0"/>
           </a:p>
           <a:p>
             <a:r>
               <a:rPr lang="en-US" dirty="0" smtClean="0"/>
               <a:t>Implementation</a:t>
             </a:r>
-            <a:endParaRPr lang="en-US" dirty="0" smtClean="0"/>
           </a:p>
           <a:p>
             <a:r>
               <a:rPr lang="en-US" dirty="0" smtClean="0"/>
               <a:t>Results</a:t>
             </a:r>
-            <a:endParaRPr lang="en-US" dirty="0" smtClean="0"/>
           </a:p>
           <a:p>
             <a:r>
@@ -19019,15 +19041,7 @@
           <a:p>
             <a:r>
               <a:rPr lang="en-US" dirty="0" smtClean="0"/>
-              <a:t>252 </a:t>
-            </a:r>
-            <a:r>
-              <a:rPr lang="en-US" dirty="0" smtClean="0"/>
-              <a:t>male </a:t>
-            </a:r>
-            <a:r>
-              <a:rPr lang="en-US" dirty="0" smtClean="0"/>
-              <a:t>children </a:t>
+              <a:t>252 male children </a:t>
             </a:r>
           </a:p>
           <a:p>
@@ -19064,15 +19078,7 @@
           <a:p>
             <a:r>
               <a:rPr lang="en-US" dirty="0" smtClean="0"/>
-              <a:t>117 </a:t>
-            </a:r>
-            <a:r>
-              <a:rPr lang="en-US" dirty="0" smtClean="0"/>
-              <a:t>female </a:t>
-            </a:r>
-            <a:r>
-              <a:rPr lang="en-US" dirty="0" smtClean="0"/>
-              <a:t>children</a:t>
+              <a:t>117 female children</a:t>
             </a:r>
           </a:p>
           <a:p>
@@ -19417,44 +19423,14 @@
           <a:p>
             <a:r>
               <a:rPr lang="en-US" dirty="0" smtClean="0"/>
-              <a:t>When </a:t>
-            </a:r>
+              <a:t>When using features selected by feature selection algorithms, performance of these models was not comparable</a:t>
+            </a:r>
+          </a:p>
+          <a:p>
             <a:r>
               <a:rPr lang="en-US" dirty="0" smtClean="0"/>
-              <a:t>using features selected by </a:t>
-            </a:r>
-            <a:r>
-              <a:rPr lang="en-US" dirty="0" smtClean="0"/>
-              <a:t>feature selection </a:t>
-            </a:r>
-            <a:r>
-              <a:rPr lang="en-US" dirty="0" smtClean="0"/>
-              <a:t>algorithms, performance of these </a:t>
-            </a:r>
-            <a:r>
-              <a:rPr lang="en-US" dirty="0" smtClean="0"/>
-              <a:t>models </a:t>
-            </a:r>
-            <a:r>
-              <a:rPr lang="en-US" dirty="0" smtClean="0"/>
-              <a:t>was not </a:t>
-            </a:r>
-            <a:r>
-              <a:rPr lang="en-US" dirty="0" smtClean="0"/>
-              <a:t>comparable</a:t>
-            </a:r>
-            <a:endParaRPr lang="en-US" dirty="0" smtClean="0"/>
-          </a:p>
-          <a:p>
-            <a:r>
-              <a:rPr lang="en-US" dirty="0" smtClean="0"/>
-              <a:t>Most important features </a:t>
-            </a:r>
-            <a:r>
-              <a:rPr lang="en-US" dirty="0" smtClean="0"/>
-              <a:t>are-</a:t>
-            </a:r>
-            <a:endParaRPr lang="en-US" dirty="0" smtClean="0"/>
+              <a:t>Most important features are-</a:t>
+            </a:r>
           </a:p>
           <a:p>
             <a:pPr lvl="1">
@@ -20039,13 +20015,8 @@
             </a:pPr>
             <a:r>
               <a:rPr lang="en-US" b="1" dirty="0" smtClean="0"/>
-              <a:t>Logit </a:t>
-            </a:r>
-            <a:r>
-              <a:rPr lang="en-US" b="1" dirty="0" smtClean="0"/>
-              <a:t>Boost</a:t>
-            </a:r>
-            <a:endParaRPr lang="en-US" b="1" dirty="0" smtClean="0"/>
+              <a:t>Logit Boost</a:t>
+            </a:r>
           </a:p>
           <a:p>
             <a:r>
@@ -20225,13 +20196,8 @@
             </a:pPr>
             <a:r>
               <a:rPr lang="en-US" b="1" dirty="0" smtClean="0"/>
-              <a:t>Ada </a:t>
-            </a:r>
-            <a:r>
-              <a:rPr lang="en-US" b="1" dirty="0" smtClean="0"/>
-              <a:t>Boost</a:t>
-            </a:r>
-            <a:endParaRPr lang="en-US" b="1" dirty="0" smtClean="0"/>
+              <a:t>Ada Boost</a:t>
+            </a:r>
           </a:p>
           <a:p>
             <a:r>
@@ -20497,11 +20463,7 @@
           <a:p>
             <a:r>
               <a:rPr lang="en-US" dirty="0" smtClean="0"/>
-              <a:t>The </a:t>
-            </a:r>
-            <a:r>
-              <a:rPr lang="en-US" dirty="0" smtClean="0"/>
-              <a:t>most important features are-</a:t>
+              <a:t>The most important features are-</a:t>
             </a:r>
           </a:p>
           <a:p>
@@ -21204,13 +21166,8 @@
             </a:pPr>
             <a:r>
               <a:rPr lang="en-US" b="1" dirty="0" smtClean="0"/>
-              <a:t>Logit </a:t>
-            </a:r>
-            <a:r>
-              <a:rPr lang="en-US" b="1" dirty="0" smtClean="0"/>
-              <a:t>Boost</a:t>
-            </a:r>
-            <a:endParaRPr lang="en-US" b="1" dirty="0" smtClean="0"/>
+              <a:t>Logit Boost</a:t>
+            </a:r>
           </a:p>
           <a:p>
             <a:r>
@@ -21385,13 +21342,8 @@
             </a:pPr>
             <a:r>
               <a:rPr lang="en-US" b="1" dirty="0" smtClean="0"/>
-              <a:t>Ada </a:t>
-            </a:r>
-            <a:r>
-              <a:rPr lang="en-US" b="1" dirty="0" smtClean="0"/>
-              <a:t>Boost</a:t>
-            </a:r>
-            <a:endParaRPr lang="en-US" b="1" dirty="0" smtClean="0"/>
+              <a:t>Ada Boost</a:t>
+            </a:r>
           </a:p>
           <a:p>
             <a:r>
@@ -21809,11 +21761,7 @@
           <a:p>
             <a:r>
               <a:rPr lang="en-US" dirty="0" smtClean="0"/>
-              <a:t>Models </a:t>
-            </a:r>
-            <a:r>
-              <a:rPr lang="en-US" dirty="0" smtClean="0"/>
-              <a:t>trained with RFE and </a:t>
+              <a:t>Models trained with RFE and </a:t>
             </a:r>
             <a:r>
               <a:rPr lang="en-US" dirty="0" err="1" smtClean="0"/>
@@ -21821,13 +21769,8 @@
             </a:r>
             <a:r>
               <a:rPr lang="en-US" dirty="0" smtClean="0"/>
-              <a:t> have 94% and 90</a:t>
-            </a:r>
-            <a:r>
-              <a:rPr lang="en-US" dirty="0" smtClean="0"/>
-              <a:t>% accuracy</a:t>
-            </a:r>
-            <a:endParaRPr lang="en-US" dirty="0" smtClean="0"/>
+              <a:t> have 94% and 90% accuracy</a:t>
+            </a:r>
           </a:p>
           <a:p>
             <a:r>
@@ -22680,15 +22623,7 @@
           <a:p>
             <a:r>
               <a:rPr lang="en-US" dirty="0" smtClean="0"/>
-              <a:t>Model with RFE features </a:t>
-            </a:r>
-            <a:r>
-              <a:rPr lang="en-US" dirty="0" smtClean="0"/>
-              <a:t>had </a:t>
-            </a:r>
-            <a:r>
-              <a:rPr lang="en-US" dirty="0" smtClean="0"/>
-              <a:t>accuracy of 96%</a:t>
+              <a:t>Model with RFE features had accuracy of 96%</a:t>
             </a:r>
           </a:p>
           <a:p>
@@ -23996,7 +23931,6 @@
               <a:rPr lang="en-US" dirty="0" smtClean="0"/>
               <a:t>conditions</a:t>
             </a:r>
-            <a:endParaRPr lang="en-US" dirty="0" smtClean="0"/>
           </a:p>
           <a:p>
             <a:endParaRPr lang="en-US" dirty="0"/>
@@ -24625,11 +24559,7 @@
           <a:p>
             <a:r>
               <a:rPr lang="en-US" sz="4800" dirty="0" smtClean="0"/>
-              <a:t>Parent-oriented </a:t>
-            </a:r>
-            <a:r>
-              <a:rPr lang="en-US" sz="4800" dirty="0" smtClean="0"/>
-              <a:t>Reviews</a:t>
+              <a:t>Parent-oriented Reviews</a:t>
             </a:r>
             <a:endParaRPr lang="en-US" sz="4800" dirty="0"/>
           </a:p>

--- a/FinalReport.pptx
+++ b/FinalReport.pptx
@@ -3364,7 +3364,11 @@
         <a:p>
           <a:r>
             <a:rPr lang="en-US" sz="2000" dirty="0" smtClean="0"/>
-            <a:t>Asses Social Interactions, Language, behaviors and early development</a:t>
+            <a:t>Assess </a:t>
+          </a:r>
+          <a:r>
+            <a:rPr lang="en-US" sz="2000" dirty="0" smtClean="0"/>
+            <a:t>Social Interactions, Language, Behaviors and Early Development</a:t>
           </a:r>
           <a:endParaRPr lang="en-US" sz="2000" dirty="0"/>
         </a:p>
@@ -4959,7 +4963,11 @@
           </a:pPr>
           <a:r>
             <a:rPr lang="en-US" sz="2000" kern="1200" dirty="0" smtClean="0"/>
-            <a:t>Asses Social Interactions, Language, behaviors and early development</a:t>
+            <a:t>Assess </a:t>
+          </a:r>
+          <a:r>
+            <a:rPr lang="en-US" sz="2000" kern="1200" dirty="0" smtClean="0"/>
+            <a:t>Social Interactions, Language, Behaviors and Early Development</a:t>
           </a:r>
           <a:endParaRPr lang="en-US" sz="2000" kern="1200" dirty="0"/>
         </a:p>
@@ -10166,7 +10174,7 @@
           <a:p>
             <a:fld id="{1EBBC4F2-37F7-4343-8DBF-267B64DDD0C3}" type="datetimeFigureOut">
               <a:rPr lang="en-US" smtClean="0"/>
-              <a:t>4/28/18</a:t>
+              <a:t>4/29/18</a:t>
             </a:fld>
             <a:endParaRPr lang="en-US"/>
           </a:p>
@@ -11808,8 +11816,60 @@
             </a:pPr>
             <a:r>
               <a:rPr lang="en-US" dirty="0" smtClean="0"/>
-              <a:t>J48 algorithm provides a good model approximation (Accuracy-96%)</a:t>
-            </a:r>
+              <a:t>J48 algorithm provides a good model approximation (Accuracy-96</a:t>
+            </a:r>
+            <a:r>
+              <a:rPr lang="en-US" dirty="0" smtClean="0"/>
+              <a:t>%)</a:t>
+            </a:r>
+          </a:p>
+          <a:p>
+            <a:pPr marL="0" marR="0" indent="0" algn="l" defTabSz="914400" rtl="0" eaLnBrk="1" fontAlgn="auto" latinLnBrk="0" hangingPunct="1">
+              <a:lnSpc>
+                <a:spcPct val="100000"/>
+              </a:lnSpc>
+              <a:spcBef>
+                <a:spcPts val="0"/>
+              </a:spcBef>
+              <a:spcAft>
+                <a:spcPts val="0"/>
+              </a:spcAft>
+              <a:buClrTx/>
+              <a:buSzTx/>
+              <a:buFontTx/>
+              <a:buNone/>
+              <a:tabLst/>
+              <a:defRPr/>
+            </a:pPr>
+            <a:endParaRPr lang="en-US" dirty="0" smtClean="0"/>
+          </a:p>
+          <a:p>
+            <a:pPr marL="0" marR="0" indent="0" algn="l" defTabSz="914400" rtl="0" eaLnBrk="1" fontAlgn="auto" latinLnBrk="0" hangingPunct="1">
+              <a:lnSpc>
+                <a:spcPct val="100000"/>
+              </a:lnSpc>
+              <a:spcBef>
+                <a:spcPts val="0"/>
+              </a:spcBef>
+              <a:spcAft>
+                <a:spcPts val="0"/>
+              </a:spcAft>
+              <a:buClrTx/>
+              <a:buSzTx/>
+              <a:buFontTx/>
+              <a:buNone/>
+              <a:tabLst/>
+              <a:defRPr/>
+            </a:pPr>
+            <a:r>
+              <a:rPr lang="en-US" dirty="0" smtClean="0"/>
+              <a:t>Researchers talking about </a:t>
+            </a:r>
+            <a:r>
+              <a:rPr lang="en-US" sz="1400" b="1" dirty="0" smtClean="0"/>
+              <a:t>withdrawal</a:t>
+            </a:r>
+            <a:endParaRPr lang="en-US" sz="1400" b="1" dirty="0" smtClean="0"/>
           </a:p>
           <a:p>
             <a:endParaRPr lang="en-US" dirty="0"/>
@@ -12175,10 +12235,6 @@
           <a:bodyPr/>
           <a:lstStyle/>
           <a:p>
-            <a:r>
-              <a:rPr lang="en-US" dirty="0" smtClean="0"/>
-              <a:t>ASD and VCFs have 90% accuracy on average</a:t>
-            </a:r>
             <a:endParaRPr lang="en-US" dirty="0"/>
           </a:p>
         </p:txBody>
@@ -12534,15 +12590,15 @@
             </a:r>
             <a:r>
               <a:rPr lang="en-US" baseline="0" dirty="0" smtClean="0"/>
-              <a:t>genetic causes for ASD and ADHD are not known, it could be due to various </a:t>
-            </a:r>
-            <a:r>
-              <a:rPr lang="en-US" baseline="0" dirty="0" err="1" smtClean="0"/>
-              <a:t>enviromental</a:t>
+              <a:t>genetic causes for ASD and ADHD are not known, it could be due to </a:t>
+            </a:r>
+            <a:r>
+              <a:rPr lang="en-US" baseline="0" smtClean="0"/>
+              <a:t>various environmental </a:t>
             </a:r>
             <a:r>
               <a:rPr lang="en-US" baseline="0" dirty="0" smtClean="0"/>
-              <a:t> factors</a:t>
+              <a:t>factors</a:t>
             </a:r>
             <a:endParaRPr lang="en-US" dirty="0" smtClean="0"/>
           </a:p>
@@ -12919,6 +12975,15 @@
               <a:rPr lang="en-US" baseline="0" dirty="0" smtClean="0"/>
               <a:t> pictures of various emotions and the reaction time of each child was noted. These reactions of the children were analyzed. For this they used these machine learning techniques.</a:t>
             </a:r>
+          </a:p>
+          <a:p>
+            <a:endParaRPr lang="en-US" baseline="0" dirty="0" smtClean="0"/>
+          </a:p>
+          <a:p>
+            <a:r>
+              <a:rPr lang="en-US" baseline="0" dirty="0" smtClean="0"/>
+              <a:t>Our research delays with more features, the underlying features examined here are communication, attention and eye contact</a:t>
+            </a:r>
             <a:endParaRPr lang="en-US" dirty="0"/>
           </a:p>
         </p:txBody>
@@ -13005,7 +13070,20 @@
           <a:p>
             <a:r>
               <a:rPr lang="en-US" dirty="0" smtClean="0"/>
-              <a:t>These are the state of the art models</a:t>
+              <a:t>These are the state of the art models and along with this researcher</a:t>
+            </a:r>
+            <a:r>
+              <a:rPr lang="en-US" baseline="0" dirty="0" smtClean="0"/>
+              <a:t> found that there is a pattern in brain that identifies these disorders</a:t>
+            </a:r>
+          </a:p>
+          <a:p>
+            <a:endParaRPr lang="en-US" baseline="0" dirty="0" smtClean="0"/>
+          </a:p>
+          <a:p>
+            <a:r>
+              <a:rPr lang="en-US" baseline="0" dirty="0" smtClean="0"/>
+              <a:t>fMRI’s are not always available</a:t>
             </a:r>
             <a:endParaRPr lang="en-US" dirty="0"/>
           </a:p>
@@ -13241,7 +13319,7 @@
           <a:p>
             <a:fld id="{DDDEB4F3-38D8-4E4A-9C75-24A8216900DE}" type="datetime1">
               <a:rPr lang="en-US" smtClean="0"/>
-              <a:t>4/28/18</a:t>
+              <a:t>4/29/18</a:t>
             </a:fld>
             <a:endParaRPr lang="en-US"/>
           </a:p>
@@ -13416,7 +13494,7 @@
           <a:p>
             <a:fld id="{544A138B-D4EF-5044-B5EF-F2ECE0C17CD4}" type="datetime1">
               <a:rPr lang="en-US" smtClean="0"/>
-              <a:t>4/28/18</a:t>
+              <a:t>4/29/18</a:t>
             </a:fld>
             <a:endParaRPr lang="en-US"/>
           </a:p>
@@ -13637,7 +13715,7 @@
           <a:p>
             <a:fld id="{2B27D5DF-D01A-5B4F-AA01-5071781A49CC}" type="datetime1">
               <a:rPr lang="en-US" smtClean="0"/>
-              <a:t>4/28/18</a:t>
+              <a:t>4/29/18</a:t>
             </a:fld>
             <a:endParaRPr lang="en-US"/>
           </a:p>
@@ -13853,7 +13931,7 @@
           <a:p>
             <a:fld id="{6A08D3EC-8C59-3140-91E2-E65EB8AAC7B5}" type="datetime1">
               <a:rPr lang="en-US" smtClean="0"/>
-              <a:t>4/28/18</a:t>
+              <a:t>4/29/18</a:t>
             </a:fld>
             <a:endParaRPr lang="en-US"/>
           </a:p>
@@ -14148,7 +14226,7 @@
           <a:p>
             <a:fld id="{22CCCBEC-CFC2-254F-8DA1-C0BBF717E117}" type="datetime1">
               <a:rPr lang="en-US" smtClean="0"/>
-              <a:t>4/28/18</a:t>
+              <a:t>4/29/18</a:t>
             </a:fld>
             <a:endParaRPr lang="en-US"/>
           </a:p>
@@ -14482,7 +14560,7 @@
           <a:p>
             <a:fld id="{7BC2C13D-C90D-904C-AEE9-2B0A4472C813}" type="datetime1">
               <a:rPr lang="en-US" smtClean="0"/>
-              <a:t>4/28/18</a:t>
+              <a:t>4/29/18</a:t>
             </a:fld>
             <a:endParaRPr lang="en-US"/>
           </a:p>
@@ -14974,7 +15052,7 @@
           <a:p>
             <a:fld id="{1C201673-B928-AD4C-A3BE-143313633889}" type="datetime1">
               <a:rPr lang="en-US" smtClean="0"/>
-              <a:t>4/28/18</a:t>
+              <a:t>4/29/18</a:t>
             </a:fld>
             <a:endParaRPr lang="en-US"/>
           </a:p>
@@ -15133,7 +15211,7 @@
           <a:p>
             <a:fld id="{04F23A31-AB53-194E-A899-E11C275599AA}" type="datetime1">
               <a:rPr lang="en-US" smtClean="0"/>
-              <a:t>4/28/18</a:t>
+              <a:t>4/29/18</a:t>
             </a:fld>
             <a:endParaRPr lang="en-US"/>
           </a:p>
@@ -15269,7 +15347,7 @@
           <a:p>
             <a:fld id="{8B267B01-E83A-7E40-9A68-8516A8FC219A}" type="datetime1">
               <a:rPr lang="en-US" smtClean="0"/>
-              <a:t>4/28/18</a:t>
+              <a:t>4/29/18</a:t>
             </a:fld>
             <a:endParaRPr lang="en-US"/>
           </a:p>
@@ -15597,7 +15675,7 @@
           <a:p>
             <a:fld id="{78297C0B-DFC8-CC40-AD1A-A63A597DE6F9}" type="datetime1">
               <a:rPr lang="en-US" smtClean="0"/>
-              <a:t>4/28/18</a:t>
+              <a:t>4/29/18</a:t>
             </a:fld>
             <a:endParaRPr lang="en-US"/>
           </a:p>
@@ -15912,7 +15990,7 @@
           <a:p>
             <a:fld id="{895ECFCD-B1CA-C349-AF79-DCDF6E352D11}" type="datetime1">
               <a:rPr lang="en-US" smtClean="0"/>
-              <a:t>4/28/18</a:t>
+              <a:t>4/29/18</a:t>
             </a:fld>
             <a:endParaRPr lang="en-US"/>
           </a:p>
@@ -16164,7 +16242,7 @@
           <a:p>
             <a:fld id="{4DF29FB5-C32A-BF4C-A723-9BC4E615C168}" type="datetime1">
               <a:rPr lang="en-US" smtClean="0"/>
-              <a:t>4/28/18</a:t>
+              <a:t>4/29/18</a:t>
             </a:fld>
             <a:endParaRPr lang="en-US"/>
           </a:p>
@@ -17954,11 +18032,7 @@
             </a:pPr>
             <a:r>
               <a:rPr lang="en-US" dirty="0" smtClean="0"/>
-              <a:t>VINE feature </a:t>
-            </a:r>
-            <a:r>
-              <a:rPr lang="en-US" dirty="0" smtClean="0"/>
-              <a:t>set</a:t>
+              <a:t>VINE feature set</a:t>
             </a:r>
           </a:p>
           <a:p>
@@ -17967,10 +18041,9 @@
               <a:buChar char="•"/>
             </a:pPr>
             <a:r>
-              <a:rPr lang="en-US"/>
+              <a:rPr lang="en-US" dirty="0"/>
               <a:t>Naive Bayes, Logistic Regression, Random Forest, Support Vector Machines and K-Nearest Neighbors </a:t>
             </a:r>
-            <a:endParaRPr lang="en-US"/>
           </a:p>
           <a:p>
             <a:pPr lvl="1">
@@ -18013,6 +18086,36 @@
           </a:p>
         </p:txBody>
       </p:sp>
+      <p:pic>
+        <p:nvPicPr>
+          <p:cNvPr id="5" name="Picture 4"/>
+          <p:cNvPicPr>
+            <a:picLocks noChangeAspect="1"/>
+          </p:cNvPicPr>
+          <p:nvPr/>
+        </p:nvPicPr>
+        <p:blipFill>
+          <a:blip r:embed="rId2">
+            <a:extLst>
+              <a:ext uri="{28A0092B-C50C-407E-A947-70E740481C1C}">
+                <a14:useLocalDpi xmlns:a14="http://schemas.microsoft.com/office/drawing/2010/main" val="0"/>
+              </a:ext>
+            </a:extLst>
+          </a:blip>
+          <a:stretch>
+            <a:fillRect/>
+          </a:stretch>
+        </p:blipFill>
+        <p:spPr>
+          <a:xfrm>
+            <a:off x="8206517" y="3367722"/>
+            <a:ext cx="3086323" cy="1601121"/>
+          </a:xfrm>
+          <a:prstGeom prst="rect">
+            <a:avLst/>
+          </a:prstGeom>
+        </p:spPr>
+      </p:pic>
     </p:spTree>
     <p:extLst>
       <p:ext uri="{BB962C8B-B14F-4D97-AF65-F5344CB8AC3E}">
@@ -19047,13 +19150,13 @@
           <a:p>
             <a:r>
               <a:rPr lang="en-US" dirty="0" smtClean="0"/>
-              <a:t>Accuracy of J48 is 78%</a:t>
+              <a:t>Accuracy of J48 is 90%</a:t>
             </a:r>
           </a:p>
           <a:p>
             <a:r>
               <a:rPr lang="en-US" dirty="0" smtClean="0"/>
-              <a:t>Accuracy of Random Forest is 87%</a:t>
+              <a:t>Accuracy of Random Forest is 94%</a:t>
             </a:r>
           </a:p>
           <a:p>
@@ -19092,22 +19195,19 @@
             </a:r>
             <a:r>
               <a:rPr lang="en-US" dirty="0" smtClean="0"/>
-              <a:t>J48 is </a:t>
-            </a:r>
+              <a:t>J48 is 78%</a:t>
+            </a:r>
+          </a:p>
+          <a:p>
             <a:r>
               <a:rPr lang="en-US" dirty="0"/>
-              <a:t>90</a:t>
+              <a:t>Accuracy of Random Forest is </a:t>
             </a:r>
             <a:r>
               <a:rPr lang="en-US" dirty="0" smtClean="0"/>
-              <a:t>%</a:t>
-            </a:r>
-          </a:p>
-          <a:p>
-            <a:r>
-              <a:rPr lang="en-US" dirty="0"/>
-              <a:t>Accuracy of Random Forest is 94%</a:t>
-            </a:r>
+              <a:t>87%</a:t>
+            </a:r>
+            <a:endParaRPr lang="en-US" dirty="0"/>
           </a:p>
           <a:p>
             <a:endParaRPr lang="en-US" dirty="0"/>
@@ -19144,7 +19244,7 @@
       </p:sp>
       <p:pic>
         <p:nvPicPr>
-          <p:cNvPr id="8" name="Picture 7"/>
+          <p:cNvPr id="5" name="Picture 4"/>
           <p:cNvPicPr>
             <a:picLocks noChangeAspect="1"/>
           </p:cNvPicPr>
@@ -19164,8 +19264,8 @@
         </p:blipFill>
         <p:spPr>
           <a:xfrm>
-            <a:off x="1054101" y="3249522"/>
-            <a:ext cx="4660928" cy="3516403"/>
+            <a:off x="6046070" y="3446462"/>
+            <a:ext cx="4991100" cy="3022600"/>
           </a:xfrm>
           <a:prstGeom prst="rect">
             <a:avLst/>
@@ -19174,7 +19274,7 @@
       </p:pic>
       <p:pic>
         <p:nvPicPr>
-          <p:cNvPr id="9" name="Picture 8"/>
+          <p:cNvPr id="6" name="Picture 5"/>
           <p:cNvPicPr>
             <a:picLocks noChangeAspect="1"/>
           </p:cNvPicPr>
@@ -19194,8 +19294,8 @@
         </p:blipFill>
         <p:spPr>
           <a:xfrm>
-            <a:off x="6046360" y="3249522"/>
-            <a:ext cx="4560680" cy="3602338"/>
+            <a:off x="822664" y="3260596"/>
+            <a:ext cx="4618016" cy="3505329"/>
           </a:xfrm>
           <a:prstGeom prst="rect">
             <a:avLst/>
@@ -19447,8 +19547,13 @@
             </a:r>
             <a:r>
               <a:rPr lang="en-US" dirty="0"/>
-              <a:t>and stereotyped patterns</a:t>
-            </a:r>
+              <a:t>and stereotyped </a:t>
+            </a:r>
+            <a:r>
+              <a:rPr lang="en-US" dirty="0" smtClean="0"/>
+              <a:t>patterns (ADI-R)</a:t>
+            </a:r>
+            <a:endParaRPr lang="en-US" dirty="0"/>
           </a:p>
           <a:p>
             <a:pPr lvl="1">
@@ -19460,9 +19565,14 @@
               <a:t>Repetitive use of objects or interest in parts of </a:t>
             </a:r>
             <a:r>
+              <a:rPr lang="en-US" dirty="0"/>
+              <a:t>objects (ADI-R</a:t>
+            </a:r>
+            <a:r>
               <a:rPr lang="en-US" dirty="0" smtClean="0"/>
-              <a:t>objects</a:t>
-            </a:r>
+              <a:t>)</a:t>
+            </a:r>
+            <a:endParaRPr lang="en-US" dirty="0" smtClean="0"/>
           </a:p>
           <a:p>
             <a:pPr lvl="1">
@@ -19471,7 +19581,19 @@
             </a:pPr>
             <a:r>
               <a:rPr lang="en-US" dirty="0"/>
-              <a:t>Spontaneous imitation of actions</a:t>
+              <a:t>Spontaneous imitation of </a:t>
+            </a:r>
+            <a:r>
+              <a:rPr lang="en-US" dirty="0" smtClean="0"/>
+              <a:t>actions (</a:t>
+            </a:r>
+            <a:r>
+              <a:rPr lang="en-US" dirty="0"/>
+              <a:t>ADI-R</a:t>
+            </a:r>
+            <a:r>
+              <a:rPr lang="en-US" dirty="0" smtClean="0"/>
+              <a:t>)</a:t>
             </a:r>
             <a:endParaRPr lang="en-US" dirty="0" smtClean="0"/>
           </a:p>
@@ -19488,6 +19610,11 @@
               <a:rPr lang="en-US" dirty="0"/>
               <a:t>Communication </a:t>
             </a:r>
+            <a:r>
+              <a:rPr lang="en-US" dirty="0" smtClean="0"/>
+              <a:t>(BASC)</a:t>
+            </a:r>
+            <a:endParaRPr lang="en-US" dirty="0"/>
           </a:p>
           <a:p>
             <a:pPr lvl="1">
@@ -19500,8 +19627,21 @@
             </a:r>
             <a:r>
               <a:rPr lang="en-US" dirty="0"/>
-              <a:t>for Communication </a:t>
-            </a:r>
+              <a:t>for </a:t>
+            </a:r>
+            <a:r>
+              <a:rPr lang="en-US" dirty="0" smtClean="0"/>
+              <a:t>Communication (</a:t>
+            </a:r>
+            <a:r>
+              <a:rPr lang="en-US" dirty="0"/>
+              <a:t>ADI-R</a:t>
+            </a:r>
+            <a:r>
+              <a:rPr lang="en-US" dirty="0" smtClean="0"/>
+              <a:t>)</a:t>
+            </a:r>
+            <a:endParaRPr lang="en-US" dirty="0"/>
           </a:p>
           <a:p>
             <a:pPr lvl="1">
@@ -19516,6 +19656,11 @@
               <a:rPr lang="en-US" dirty="0"/>
               <a:t>Daily Living </a:t>
             </a:r>
+            <a:r>
+              <a:rPr lang="en-US" dirty="0" smtClean="0"/>
+              <a:t>(BASC)</a:t>
+            </a:r>
+            <a:endParaRPr lang="en-US" dirty="0"/>
           </a:p>
         </p:txBody>
       </p:sp>
@@ -19528,14 +19673,14 @@
           <p:nvPr>
             <p:extLst>
               <p:ext uri="{D42A27DB-BD31-4B8C-83A1-F6EECF244321}">
-                <p14:modId xmlns:p14="http://schemas.microsoft.com/office/powerpoint/2010/main" val="1452623091"/>
+                <p14:modId xmlns:p14="http://schemas.microsoft.com/office/powerpoint/2010/main" val="2023347593"/>
               </p:ext>
             </p:extLst>
           </p:nvPr>
         </p:nvGraphicFramePr>
         <p:xfrm>
-          <a:off x="5130800" y="4445001"/>
-          <a:ext cx="6362700" cy="2354071"/>
+          <a:off x="6400800" y="4332155"/>
+          <a:ext cx="5092700" cy="2581726"/>
         </p:xfrm>
         <a:graphic>
           <a:graphicData uri="http://schemas.openxmlformats.org/drawingml/2006/table">
@@ -19544,12 +19689,12 @@
                 <a:tableStyleId>{5C22544A-7EE6-4342-B048-85BDC9FD1C3A}</a:tableStyleId>
               </a:tblPr>
               <a:tblGrid>
-                <a:gridCol w="1590675"/>
-                <a:gridCol w="1590675"/>
-                <a:gridCol w="1590675"/>
-                <a:gridCol w="1590675"/>
+                <a:gridCol w="1273175"/>
+                <a:gridCol w="1273175"/>
+                <a:gridCol w="1273175"/>
+                <a:gridCol w="1273175"/>
               </a:tblGrid>
-              <a:tr h="525271">
+              <a:tr h="669336">
                 <a:tc>
                   <a:txBody>
                     <a:bodyPr/>
@@ -19611,7 +19756,7 @@
                   <a:tcPr/>
                 </a:tc>
               </a:tr>
-              <a:tr h="334366">
+              <a:tr h="382478">
                 <a:tc>
                   <a:txBody>
                     <a:bodyPr/>
@@ -19669,7 +19814,7 @@
                   <a:tcPr/>
                 </a:tc>
               </a:tr>
-              <a:tr h="334366">
+              <a:tr h="382478">
                 <a:tc>
                   <a:txBody>
                     <a:bodyPr/>
@@ -19727,7 +19872,7 @@
                   <a:tcPr/>
                 </a:tc>
               </a:tr>
-              <a:tr h="334366">
+              <a:tr h="382478">
                 <a:tc>
                   <a:txBody>
                     <a:bodyPr/>
@@ -19785,7 +19930,7 @@
                   <a:tcPr/>
                 </a:tc>
               </a:tr>
-              <a:tr h="334366">
+              <a:tr h="382478">
                 <a:tc>
                   <a:txBody>
                     <a:bodyPr/>
@@ -19843,7 +19988,7 @@
                   <a:tcPr/>
                 </a:tc>
               </a:tr>
-              <a:tr h="334366">
+              <a:tr h="382478">
                 <a:tc>
                   <a:txBody>
                     <a:bodyPr/>
@@ -20475,6 +20620,11 @@
               <a:rPr lang="en-US" dirty="0"/>
               <a:t>Quality of social overtures </a:t>
             </a:r>
+            <a:r>
+              <a:rPr lang="en-US" dirty="0" smtClean="0"/>
+              <a:t>(ADI-R)</a:t>
+            </a:r>
+            <a:endParaRPr lang="en-US" dirty="0"/>
           </a:p>
           <a:p>
             <a:pPr lvl="1">
@@ -20489,6 +20639,15 @@
               <a:rPr lang="en-US" dirty="0"/>
               <a:t>questions or statements </a:t>
             </a:r>
+            <a:r>
+              <a:rPr lang="en-US" dirty="0"/>
+              <a:t>(ADI-R</a:t>
+            </a:r>
+            <a:r>
+              <a:rPr lang="en-US" dirty="0" smtClean="0"/>
+              <a:t>)</a:t>
+            </a:r>
+            <a:endParaRPr lang="en-US" dirty="0"/>
           </a:p>
           <a:p>
             <a:pPr lvl="1">
@@ -20503,6 +20662,11 @@
               <a:rPr lang="en-US" dirty="0"/>
               <a:t>Problems </a:t>
             </a:r>
+            <a:r>
+              <a:rPr lang="en-US" dirty="0" smtClean="0"/>
+              <a:t>(BASC)</a:t>
+            </a:r>
+            <a:endParaRPr lang="en-US" dirty="0"/>
           </a:p>
           <a:p>
             <a:pPr lvl="1">
@@ -20511,8 +20675,17 @@
             </a:pPr>
             <a:r>
               <a:rPr lang="en-US" dirty="0" smtClean="0"/>
-              <a:t>Conventional/Instrumental Gestures</a:t>
-            </a:r>
+              <a:t>Conventional/Instrumental </a:t>
+            </a:r>
+            <a:r>
+              <a:rPr lang="en-US" dirty="0"/>
+              <a:t>Gestures (ADI-R</a:t>
+            </a:r>
+            <a:r>
+              <a:rPr lang="en-US" dirty="0" smtClean="0"/>
+              <a:t>)</a:t>
+            </a:r>
+            <a:endParaRPr lang="en-US" dirty="0" smtClean="0"/>
           </a:p>
           <a:p>
             <a:pPr>
@@ -20984,12 +21157,7 @@
             <p:ph type="title"/>
           </p:nvPr>
         </p:nvSpPr>
-        <p:spPr>
-          <a:xfrm>
-            <a:off x="1261872" y="294198"/>
-            <a:ext cx="9571228" cy="1200012"/>
-          </a:xfrm>
-        </p:spPr>
+        <p:spPr/>
         <p:txBody>
           <a:bodyPr/>
           <a:lstStyle/>
@@ -20999,18 +21167,41 @@
               <a:t>Decision Trees for ASD+ADHD</a:t>
             </a:r>
             <a:endParaRPr lang="en-US" dirty="0"/>
+          </a:p>
+        </p:txBody>
+      </p:sp>
+      <p:sp>
+        <p:nvSpPr>
+          <p:cNvPr id="5" name="Slide Number Placeholder 4"/>
+          <p:cNvSpPr>
+            <a:spLocks noGrp="1"/>
+          </p:cNvSpPr>
+          <p:nvPr>
+            <p:ph type="sldNum" sz="quarter" idx="12"/>
+          </p:nvPr>
+        </p:nvSpPr>
+        <p:spPr/>
+        <p:txBody>
+          <a:bodyPr>
+            <a:normAutofit lnSpcReduction="10000"/>
+          </a:bodyPr>
+          <a:lstStyle/>
+          <a:p>
+            <a:fld id="{0A1C65E8-7E30-BA4B-A329-51E6AEA3AD56}" type="slidenum">
+              <a:rPr lang="en-US" smtClean="0"/>
+              <a:t>25</a:t>
+            </a:fld>
+            <a:endParaRPr lang="en-US"/>
           </a:p>
         </p:txBody>
       </p:sp>
       <p:pic>
         <p:nvPicPr>
-          <p:cNvPr id="4" name="Content Placeholder 3"/>
+          <p:cNvPr id="6" name="Picture 5"/>
           <p:cNvPicPr>
-            <a:picLocks noGrp="1" noChangeAspect="1"/>
+            <a:picLocks noChangeAspect="1"/>
           </p:cNvPicPr>
-          <p:nvPr>
-            <p:ph idx="1"/>
-          </p:nvPr>
+          <p:nvPr/>
         </p:nvPicPr>
         <p:blipFill>
           <a:blip r:embed="rId3">
@@ -21026,14 +21217,17 @@
         </p:blipFill>
         <p:spPr>
           <a:xfrm>
-            <a:off x="672657" y="1888588"/>
-            <a:ext cx="5435534" cy="2798988"/>
+            <a:off x="598801" y="2101527"/>
+            <a:ext cx="5350412" cy="2721490"/>
           </a:xfrm>
+          <a:prstGeom prst="rect">
+            <a:avLst/>
+          </a:prstGeom>
         </p:spPr>
       </p:pic>
       <p:pic>
         <p:nvPicPr>
-          <p:cNvPr id="3" name="Picture 2"/>
+          <p:cNvPr id="9" name="Picture 8"/>
           <p:cNvPicPr>
             <a:picLocks noChangeAspect="1"/>
           </p:cNvPicPr>
@@ -21053,39 +21247,14 @@
         </p:blipFill>
         <p:spPr>
           <a:xfrm>
-            <a:off x="6108191" y="1691322"/>
-            <a:ext cx="5105893" cy="3390632"/>
+            <a:off x="6108192" y="2277592"/>
+            <a:ext cx="4935204" cy="2369360"/>
           </a:xfrm>
           <a:prstGeom prst="rect">
             <a:avLst/>
           </a:prstGeom>
         </p:spPr>
       </p:pic>
-      <p:sp>
-        <p:nvSpPr>
-          <p:cNvPr id="5" name="Slide Number Placeholder 4"/>
-          <p:cNvSpPr>
-            <a:spLocks noGrp="1"/>
-          </p:cNvSpPr>
-          <p:nvPr>
-            <p:ph type="sldNum" sz="quarter" idx="12"/>
-          </p:nvPr>
-        </p:nvSpPr>
-        <p:spPr/>
-        <p:txBody>
-          <a:bodyPr>
-            <a:normAutofit lnSpcReduction="10000"/>
-          </a:bodyPr>
-          <a:lstStyle/>
-          <a:p>
-            <a:fld id="{0A1C65E8-7E30-BA4B-A329-51E6AEA3AD56}" type="slidenum">
-              <a:rPr lang="en-US" smtClean="0"/>
-              <a:t>25</a:t>
-            </a:fld>
-            <a:endParaRPr lang="en-US"/>
-          </a:p>
-        </p:txBody>
-      </p:sp>
     </p:spTree>
     <p:extLst>
       <p:ext uri="{BB962C8B-B14F-4D97-AF65-F5344CB8AC3E}">
@@ -22403,7 +22572,12 @@
             <p:ph idx="1"/>
           </p:nvPr>
         </p:nvSpPr>
-        <p:spPr/>
+        <p:spPr>
+          <a:xfrm>
+            <a:off x="889000" y="1790700"/>
+            <a:ext cx="8968232" cy="4389437"/>
+          </a:xfrm>
+        </p:spPr>
         <p:txBody>
           <a:bodyPr>
             <a:normAutofit/>
@@ -22526,6 +22700,36 @@
           </a:p>
         </p:txBody>
       </p:sp>
+      <p:pic>
+        <p:nvPicPr>
+          <p:cNvPr id="6" name="Picture 5"/>
+          <p:cNvPicPr>
+            <a:picLocks noChangeAspect="1"/>
+          </p:cNvPicPr>
+          <p:nvPr/>
+        </p:nvPicPr>
+        <p:blipFill>
+          <a:blip r:embed="rId3">
+            <a:extLst>
+              <a:ext uri="{28A0092B-C50C-407E-A947-70E740481C1C}">
+                <a14:useLocalDpi xmlns:a14="http://schemas.microsoft.com/office/drawing/2010/main" val="0"/>
+              </a:ext>
+            </a:extLst>
+          </a:blip>
+          <a:stretch>
+            <a:fillRect/>
+          </a:stretch>
+        </p:blipFill>
+        <p:spPr>
+          <a:xfrm>
+            <a:off x="6108192" y="4916751"/>
+            <a:ext cx="4224697" cy="1689879"/>
+          </a:xfrm>
+          <a:prstGeom prst="rect">
+            <a:avLst/>
+          </a:prstGeom>
+        </p:spPr>
+      </p:pic>
     </p:spTree>
     <p:extLst>
       <p:ext uri="{BB962C8B-B14F-4D97-AF65-F5344CB8AC3E}">
@@ -22604,20 +22808,6 @@
             <a:r>
               <a:rPr lang="en-US" dirty="0" smtClean="0"/>
               <a:t>63 children out of 369 have ADHD</a:t>
-            </a:r>
-          </a:p>
-          <a:p>
-            <a:r>
-              <a:rPr lang="en-US" dirty="0" smtClean="0"/>
-              <a:t>Techniques used- Logistic </a:t>
-            </a:r>
-            <a:r>
-              <a:rPr lang="en-US" dirty="0"/>
-              <a:t>Regression, Decision Trees, Naive Bayes and Random </a:t>
-            </a:r>
-            <a:r>
-              <a:rPr lang="en-US" dirty="0" smtClean="0"/>
-              <a:t>Forest</a:t>
             </a:r>
           </a:p>
           <a:p>
@@ -23247,12 +23437,6 @@
           </a:p>
           <a:p>
             <a:r>
-              <a:rPr lang="en-US" dirty="0"/>
-              <a:t>Techniques used- Logistic Regression, Decision Trees, Naive Bayes and Random Forest</a:t>
-            </a:r>
-          </a:p>
-          <a:p>
-            <a:r>
               <a:rPr lang="en-US" dirty="0" smtClean="0"/>
               <a:t>Model with LASSO features (accuracy of 92%), RFE features </a:t>
             </a:r>
@@ -23851,14 +24035,19 @@
             <p:ph type="title"/>
           </p:nvPr>
         </p:nvSpPr>
-        <p:spPr/>
+        <p:spPr>
+          <a:xfrm>
+            <a:off x="1261872" y="294198"/>
+            <a:ext cx="9096331" cy="1099887"/>
+          </a:xfrm>
+        </p:spPr>
         <p:txBody>
           <a:bodyPr/>
           <a:lstStyle/>
           <a:p>
             <a:r>
               <a:rPr lang="en-US" dirty="0" smtClean="0"/>
-              <a:t>Conclusion and Future Work</a:t>
+              <a:t>Conclusion </a:t>
             </a:r>
             <a:endParaRPr lang="en-US" dirty="0"/>
           </a:p>
@@ -23874,7 +24063,12 @@
             <p:ph idx="1"/>
           </p:nvPr>
         </p:nvSpPr>
-        <p:spPr/>
+        <p:spPr>
+          <a:xfrm>
+            <a:off x="1261872" y="1394085"/>
+            <a:ext cx="8991400" cy="4778116"/>
+          </a:xfrm>
+        </p:spPr>
         <p:txBody>
           <a:bodyPr/>
           <a:lstStyle/>
@@ -23909,23 +24103,73 @@
           <a:p>
             <a:r>
               <a:rPr lang="en-US" dirty="0" smtClean="0"/>
-              <a:t>LASSO and Recursive Feature Selection algorithms identified suitable features</a:t>
-            </a:r>
-          </a:p>
-          <a:p>
+              <a:t>LASSO and Recursive Feature </a:t>
+            </a:r>
             <a:r>
               <a:rPr lang="en-US" dirty="0" smtClean="0"/>
-              <a:t>Generalization </a:t>
+              <a:t>Elimination </a:t>
+            </a:r>
+            <a:r>
+              <a:rPr lang="en-US" dirty="0" smtClean="0"/>
+              <a:t>algorithms identified suitable </a:t>
+            </a:r>
+            <a:r>
+              <a:rPr lang="en-US" dirty="0" smtClean="0"/>
+              <a:t>features</a:t>
+            </a:r>
+          </a:p>
+          <a:p>
+            <a:r>
+              <a:rPr lang="en-US" dirty="0" smtClean="0"/>
+              <a:t>ADI parent oriented review is better than other two</a:t>
+            </a:r>
+          </a:p>
+          <a:p>
+            <a:r>
+              <a:rPr lang="en-US" dirty="0" smtClean="0"/>
+              <a:t>Models </a:t>
             </a:r>
             <a:r>
               <a:rPr lang="en-US" dirty="0"/>
-              <a:t>of parent-oriented reviews</a:t>
-            </a:r>
-          </a:p>
-          <a:p>
+              <a:t>w</a:t>
+            </a:r>
+            <a:r>
+              <a:rPr lang="en-US" dirty="0" smtClean="0"/>
+              <a:t>ere better in diagnosing ASD and VCFS children over ADHD</a:t>
+            </a:r>
+          </a:p>
+          <a:p>
+            <a:pPr marL="0" indent="0">
+              <a:buNone/>
+            </a:pPr>
+            <a:r>
+              <a:rPr lang="en-US" sz="2400" b="1" dirty="0" smtClean="0">
+                <a:solidFill>
+                  <a:schemeClr val="accent1"/>
+                </a:solidFill>
+              </a:rPr>
+              <a:t>Future Work</a:t>
+            </a:r>
+            <a:endParaRPr lang="en-US" sz="2400" b="1" dirty="0" smtClean="0">
+              <a:solidFill>
+                <a:schemeClr val="accent1"/>
+              </a:solidFill>
+            </a:endParaRPr>
+          </a:p>
+          <a:p>
+            <a:r>
+              <a:rPr lang="en-US" dirty="0" smtClean="0"/>
+              <a:t>Generalization of parent-oriented reviews</a:t>
+            </a:r>
+          </a:p>
+          <a:p>
+            <a:r>
+              <a:rPr lang="en-US" dirty="0" smtClean="0"/>
+              <a:t>Models </a:t>
+            </a:r>
             <a:r>
               <a:rPr lang="en-US" dirty="0"/>
-              <a:t>Models specific to each diagnostic </a:t>
+              <a:t>specific to each diagnostic </a:t>
             </a:r>
             <a:r>
               <a:rPr lang="en-US" dirty="0" smtClean="0"/>
@@ -24080,7 +24324,7 @@
           <a:p>
             <a:r>
               <a:rPr lang="en-US" dirty="0" smtClean="0"/>
-              <a:t> Formulating </a:t>
+              <a:t>Formulating </a:t>
             </a:r>
             <a:r>
               <a:rPr lang="en-US" dirty="0"/>
@@ -24431,7 +24675,11 @@
           <a:p>
             <a:r>
               <a:rPr lang="en-US" dirty="0"/>
-              <a:t>Comorbid disorders are when two or more developmental disorders exist in </a:t>
+              <a:t>Comorbid disorders are when two or more developmental disorders exist </a:t>
+            </a:r>
+            <a:r>
+              <a:rPr lang="en-US" dirty="0" smtClean="0"/>
+              <a:t>in an </a:t>
             </a:r>
             <a:r>
               <a:rPr lang="en-US" dirty="0" smtClean="0"/>
@@ -24452,7 +24700,15 @@
           <a:p>
             <a:r>
               <a:rPr lang="en-US" dirty="0" smtClean="0"/>
-              <a:t>In 2013, APA stated ASD and ADHD could co-occur</a:t>
+              <a:t>In 2013, </a:t>
+            </a:r>
+            <a:r>
+              <a:rPr lang="en-US" dirty="0" smtClean="0"/>
+              <a:t>American Psychiatric Association </a:t>
+            </a:r>
+            <a:r>
+              <a:rPr lang="en-US" dirty="0" smtClean="0"/>
+              <a:t>stated ASD and ADHD could co-occur</a:t>
             </a:r>
           </a:p>
           <a:p>
@@ -24575,7 +24831,7 @@
             <p:ph idx="1"/>
             <p:extLst>
               <p:ext uri="{D42A27DB-BD31-4B8C-83A1-F6EECF244321}">
-                <p14:modId xmlns:p14="http://schemas.microsoft.com/office/powerpoint/2010/main" val="2141149327"/>
+                <p14:modId xmlns:p14="http://schemas.microsoft.com/office/powerpoint/2010/main" val="736453680"/>
               </p:ext>
             </p:extLst>
           </p:nvPr>

--- a/FinalReport.pptx
+++ b/FinalReport.pptx
@@ -3364,11 +3364,7 @@
         <a:p>
           <a:r>
             <a:rPr lang="en-US" sz="2000" dirty="0" smtClean="0"/>
-            <a:t>Assess </a:t>
-          </a:r>
-          <a:r>
-            <a:rPr lang="en-US" sz="2000" dirty="0" smtClean="0"/>
-            <a:t>Social Interactions, Language, Behaviors and Early Development</a:t>
+            <a:t>Assess Social Interactions, Language, Behaviors and Early Development</a:t>
           </a:r>
           <a:endParaRPr lang="en-US" sz="2000" dirty="0"/>
         </a:p>
@@ -3525,25 +3521,25 @@
     </dgm:pt>
   </dgm:ptLst>
   <dgm:cxnLst>
-    <dgm:cxn modelId="{21150617-34EB-0A4B-8DE0-93576BA2EBD4}" srcId="{DD1A1310-29D0-094D-B36E-A6CD51A7BCE2}" destId="{4B16614A-E960-B741-BF58-EC0160460198}" srcOrd="1" destOrd="0" parTransId="{AAD8B47B-726B-1746-B12F-4A144A197B80}" sibTransId="{0AE09414-20CB-9E4D-8719-3A52DA96A77A}"/>
+    <dgm:cxn modelId="{B98AFB7C-6DBF-D541-AC3C-953D4C00EB33}" type="presOf" srcId="{93B35C89-F488-1746-B4F2-C8A1DCAE67C5}" destId="{17ED2286-5416-A145-A33B-335556D82285}" srcOrd="0" destOrd="0" presId="urn:microsoft.com/office/officeart/2005/8/layout/vList6"/>
+    <dgm:cxn modelId="{1ACA3DE9-F3C1-E54F-8197-69A763F679B7}" srcId="{43A37147-BD7F-4644-8711-A63EEA0CDF61}" destId="{EAD5A654-85C8-B64B-92C1-EF4309ACB481}" srcOrd="1" destOrd="0" parTransId="{5AC8F768-C7A9-1143-8736-01750C734D64}" sibTransId="{9DB28C29-6229-0A46-BAF2-E2A4F1C346C5}"/>
+    <dgm:cxn modelId="{C887ED06-6737-1E46-BE17-7EFE691F7E3A}" type="presOf" srcId="{09FF0E5B-EE7F-194E-87C4-DDB91985C5E5}" destId="{200613C9-B96E-7E47-BB0E-FCC049E6406E}" srcOrd="0" destOrd="0" presId="urn:microsoft.com/office/officeart/2005/8/layout/vList6"/>
+    <dgm:cxn modelId="{A23D0ECC-902D-E34F-BBFB-12A2CCCDDEDD}" srcId="{09FF0E5B-EE7F-194E-87C4-DDB91985C5E5}" destId="{12056221-EB0A-4148-B839-6A291051F0C5}" srcOrd="0" destOrd="0" parTransId="{8F0C50B2-0AEF-294D-A3F9-40B190AFE7E2}" sibTransId="{15FF217E-2A5B-9548-B91E-E90DE2596476}"/>
     <dgm:cxn modelId="{65264295-4D44-C649-BF70-72B77B608D04}" type="presOf" srcId="{EAD5A654-85C8-B64B-92C1-EF4309ACB481}" destId="{17ED2286-5416-A145-A33B-335556D82285}" srcOrd="0" destOrd="1" presId="urn:microsoft.com/office/officeart/2005/8/layout/vList6"/>
     <dgm:cxn modelId="{2D1F99A2-17B9-2343-BEA8-66579DA0C25D}" srcId="{4C9018F4-227F-064A-9A29-CD76001F1569}" destId="{43A37147-BD7F-4644-8711-A63EEA0CDF61}" srcOrd="0" destOrd="0" parTransId="{52644693-B14E-374A-B5E6-71DD6C45F503}" sibTransId="{A9847A75-6E7F-AE49-90F1-9EDE9D6B2B4A}"/>
+    <dgm:cxn modelId="{0A97DFDD-DC18-A54E-8B77-34DC2F878F2F}" srcId="{43A37147-BD7F-4644-8711-A63EEA0CDF61}" destId="{93B35C89-F488-1746-B4F2-C8A1DCAE67C5}" srcOrd="0" destOrd="0" parTransId="{4351CFCD-9ECB-5E49-BB98-0237155989AC}" sibTransId="{7AAD3E63-C133-F245-B4FC-0C10EBE80BB1}"/>
+    <dgm:cxn modelId="{329EA2B1-B4EF-0C4A-9BF1-E630ACFBB9F2}" type="presOf" srcId="{12056221-EB0A-4148-B839-6A291051F0C5}" destId="{5A2981FC-BB5F-B542-8DA7-0C010C4F2C5D}" srcOrd="0" destOrd="0" presId="urn:microsoft.com/office/officeart/2005/8/layout/vList6"/>
+    <dgm:cxn modelId="{6FEEB159-2F43-6A4A-A83D-02910E561D68}" type="presOf" srcId="{755751D5-B75F-9B42-90D5-56A0C09B65B5}" destId="{07D25E1A-57A1-F24F-9FCE-901AFE9E4DCD}" srcOrd="0" destOrd="0" presId="urn:microsoft.com/office/officeart/2005/8/layout/vList6"/>
+    <dgm:cxn modelId="{21150617-34EB-0A4B-8DE0-93576BA2EBD4}" srcId="{DD1A1310-29D0-094D-B36E-A6CD51A7BCE2}" destId="{4B16614A-E960-B741-BF58-EC0160460198}" srcOrd="1" destOrd="0" parTransId="{AAD8B47B-726B-1746-B12F-4A144A197B80}" sibTransId="{0AE09414-20CB-9E4D-8719-3A52DA96A77A}"/>
+    <dgm:cxn modelId="{71F6A569-5104-894C-A32F-99E64C5457AC}" srcId="{4C9018F4-227F-064A-9A29-CD76001F1569}" destId="{09FF0E5B-EE7F-194E-87C4-DDB91985C5E5}" srcOrd="2" destOrd="0" parTransId="{656EF84C-D36D-A24A-AAD3-291432DC6CF0}" sibTransId="{0A9B6D96-8107-344E-951C-53E44E065388}"/>
     <dgm:cxn modelId="{1E3B9305-C0F6-4E41-BB4C-149A0C90472A}" type="presOf" srcId="{4C9018F4-227F-064A-9A29-CD76001F1569}" destId="{1B3E1EA8-CDFD-9D4C-BC99-D212CC93A3E6}" srcOrd="0" destOrd="0" presId="urn:microsoft.com/office/officeart/2005/8/layout/vList6"/>
+    <dgm:cxn modelId="{E17735C2-9C91-7448-954A-C8C330739D74}" type="presOf" srcId="{5EF59C74-A0BD-624D-B5FE-5E1643173B65}" destId="{5A2981FC-BB5F-B542-8DA7-0C010C4F2C5D}" srcOrd="0" destOrd="1" presId="urn:microsoft.com/office/officeart/2005/8/layout/vList6"/>
     <dgm:cxn modelId="{4994B263-4798-3C4D-85DE-DE377067E034}" type="presOf" srcId="{4B16614A-E960-B741-BF58-EC0160460198}" destId="{07D25E1A-57A1-F24F-9FCE-901AFE9E4DCD}" srcOrd="0" destOrd="1" presId="urn:microsoft.com/office/officeart/2005/8/layout/vList6"/>
-    <dgm:cxn modelId="{E17735C2-9C91-7448-954A-C8C330739D74}" type="presOf" srcId="{5EF59C74-A0BD-624D-B5FE-5E1643173B65}" destId="{5A2981FC-BB5F-B542-8DA7-0C010C4F2C5D}" srcOrd="0" destOrd="1" presId="urn:microsoft.com/office/officeart/2005/8/layout/vList6"/>
-    <dgm:cxn modelId="{6FEEB159-2F43-6A4A-A83D-02910E561D68}" type="presOf" srcId="{755751D5-B75F-9B42-90D5-56A0C09B65B5}" destId="{07D25E1A-57A1-F24F-9FCE-901AFE9E4DCD}" srcOrd="0" destOrd="0" presId="urn:microsoft.com/office/officeart/2005/8/layout/vList6"/>
-    <dgm:cxn modelId="{33DD15E3-1A25-A24F-8223-6081BD1E1561}" srcId="{DD1A1310-29D0-094D-B36E-A6CD51A7BCE2}" destId="{755751D5-B75F-9B42-90D5-56A0C09B65B5}" srcOrd="0" destOrd="0" parTransId="{2FAD2A07-6880-F14B-8B2F-7D40CD55337D}" sibTransId="{79E4D086-604E-D145-A38A-8861E8980626}"/>
-    <dgm:cxn modelId="{C887ED06-6737-1E46-BE17-7EFE691F7E3A}" type="presOf" srcId="{09FF0E5B-EE7F-194E-87C4-DDB91985C5E5}" destId="{200613C9-B96E-7E47-BB0E-FCC049E6406E}" srcOrd="0" destOrd="0" presId="urn:microsoft.com/office/officeart/2005/8/layout/vList6"/>
     <dgm:cxn modelId="{B101C617-866E-1B49-8342-CB09F290F8FE}" srcId="{09FF0E5B-EE7F-194E-87C4-DDB91985C5E5}" destId="{5EF59C74-A0BD-624D-B5FE-5E1643173B65}" srcOrd="1" destOrd="0" parTransId="{307D06D3-DE54-9D4E-937C-729D2CDAFF31}" sibTransId="{F85C9974-E630-0140-8DB5-8C31B8FF9954}"/>
-    <dgm:cxn modelId="{1ACA3DE9-F3C1-E54F-8197-69A763F679B7}" srcId="{43A37147-BD7F-4644-8711-A63EEA0CDF61}" destId="{EAD5A654-85C8-B64B-92C1-EF4309ACB481}" srcOrd="1" destOrd="0" parTransId="{5AC8F768-C7A9-1143-8736-01750C734D64}" sibTransId="{9DB28C29-6229-0A46-BAF2-E2A4F1C346C5}"/>
-    <dgm:cxn modelId="{71F6A569-5104-894C-A32F-99E64C5457AC}" srcId="{4C9018F4-227F-064A-9A29-CD76001F1569}" destId="{09FF0E5B-EE7F-194E-87C4-DDB91985C5E5}" srcOrd="2" destOrd="0" parTransId="{656EF84C-D36D-A24A-AAD3-291432DC6CF0}" sibTransId="{0A9B6D96-8107-344E-951C-53E44E065388}"/>
-    <dgm:cxn modelId="{A23D0ECC-902D-E34F-BBFB-12A2CCCDDEDD}" srcId="{09FF0E5B-EE7F-194E-87C4-DDB91985C5E5}" destId="{12056221-EB0A-4148-B839-6A291051F0C5}" srcOrd="0" destOrd="0" parTransId="{8F0C50B2-0AEF-294D-A3F9-40B190AFE7E2}" sibTransId="{15FF217E-2A5B-9548-B91E-E90DE2596476}"/>
-    <dgm:cxn modelId="{B98AFB7C-6DBF-D541-AC3C-953D4C00EB33}" type="presOf" srcId="{93B35C89-F488-1746-B4F2-C8A1DCAE67C5}" destId="{17ED2286-5416-A145-A33B-335556D82285}" srcOrd="0" destOrd="0" presId="urn:microsoft.com/office/officeart/2005/8/layout/vList6"/>
     <dgm:cxn modelId="{ADADA9F5-E2E6-4047-A3E9-17C6341A323B}" type="presOf" srcId="{43A37147-BD7F-4644-8711-A63EEA0CDF61}" destId="{C1BB4562-68AF-2749-8001-0820B008D874}" srcOrd="0" destOrd="0" presId="urn:microsoft.com/office/officeart/2005/8/layout/vList6"/>
     <dgm:cxn modelId="{FDFF0495-9629-F447-98B5-865E7882F12B}" srcId="{4C9018F4-227F-064A-9A29-CD76001F1569}" destId="{DD1A1310-29D0-094D-B36E-A6CD51A7BCE2}" srcOrd="1" destOrd="0" parTransId="{A280242A-FB74-4F43-91B9-9162F8900EFF}" sibTransId="{A42CC3C4-BA16-D142-BCAD-F4B7AFC16AAC}"/>
-    <dgm:cxn modelId="{0A97DFDD-DC18-A54E-8B77-34DC2F878F2F}" srcId="{43A37147-BD7F-4644-8711-A63EEA0CDF61}" destId="{93B35C89-F488-1746-B4F2-C8A1DCAE67C5}" srcOrd="0" destOrd="0" parTransId="{4351CFCD-9ECB-5E49-BB98-0237155989AC}" sibTransId="{7AAD3E63-C133-F245-B4FC-0C10EBE80BB1}"/>
+    <dgm:cxn modelId="{33DD15E3-1A25-A24F-8223-6081BD1E1561}" srcId="{DD1A1310-29D0-094D-B36E-A6CD51A7BCE2}" destId="{755751D5-B75F-9B42-90D5-56A0C09B65B5}" srcOrd="0" destOrd="0" parTransId="{2FAD2A07-6880-F14B-8B2F-7D40CD55337D}" sibTransId="{79E4D086-604E-D145-A38A-8861E8980626}"/>
     <dgm:cxn modelId="{D4CD26DB-62DC-FF49-A5D3-6CA4DDFD4DF0}" type="presOf" srcId="{DD1A1310-29D0-094D-B36E-A6CD51A7BCE2}" destId="{0F6CAE61-0FE9-E14D-A247-8E2D3885261A}" srcOrd="0" destOrd="0" presId="urn:microsoft.com/office/officeart/2005/8/layout/vList6"/>
-    <dgm:cxn modelId="{329EA2B1-B4EF-0C4A-9BF1-E630ACFBB9F2}" type="presOf" srcId="{12056221-EB0A-4148-B839-6A291051F0C5}" destId="{5A2981FC-BB5F-B542-8DA7-0C010C4F2C5D}" srcOrd="0" destOrd="0" presId="urn:microsoft.com/office/officeart/2005/8/layout/vList6"/>
     <dgm:cxn modelId="{3E31BB6C-560F-3644-A17B-54AF370BD2B4}" type="presParOf" srcId="{1B3E1EA8-CDFD-9D4C-BC99-D212CC93A3E6}" destId="{C3A894F7-A65D-BD44-91CE-15A47DF6EB8B}" srcOrd="0" destOrd="0" presId="urn:microsoft.com/office/officeart/2005/8/layout/vList6"/>
     <dgm:cxn modelId="{60395434-A630-5C42-8123-A292E65123CD}" type="presParOf" srcId="{C3A894F7-A65D-BD44-91CE-15A47DF6EB8B}" destId="{C1BB4562-68AF-2749-8001-0820B008D874}" srcOrd="0" destOrd="0" presId="urn:microsoft.com/office/officeart/2005/8/layout/vList6"/>
     <dgm:cxn modelId="{6EF86386-A386-474A-AFD7-E6ADB6E6E112}" type="presParOf" srcId="{C3A894F7-A65D-BD44-91CE-15A47DF6EB8B}" destId="{17ED2286-5416-A145-A33B-335556D82285}" srcOrd="1" destOrd="0" presId="urn:microsoft.com/office/officeart/2005/8/layout/vList6"/>
@@ -4963,11 +4959,7 @@
           </a:pPr>
           <a:r>
             <a:rPr lang="en-US" sz="2000" kern="1200" dirty="0" smtClean="0"/>
-            <a:t>Assess </a:t>
-          </a:r>
-          <a:r>
-            <a:rPr lang="en-US" sz="2000" kern="1200" dirty="0" smtClean="0"/>
-            <a:t>Social Interactions, Language, Behaviors and Early Development</a:t>
+            <a:t>Assess Social Interactions, Language, Behaviors and Early Development</a:t>
           </a:r>
           <a:endParaRPr lang="en-US" sz="2000" kern="1200" dirty="0"/>
         </a:p>
@@ -10174,7 +10166,7 @@
           <a:p>
             <a:fld id="{1EBBC4F2-37F7-4343-8DBF-267B64DDD0C3}" type="datetimeFigureOut">
               <a:rPr lang="en-US" smtClean="0"/>
-              <a:t>4/29/18</a:t>
+              <a:t>4/30/18</a:t>
             </a:fld>
             <a:endParaRPr lang="en-US"/>
           </a:p>
@@ -10580,48 +10572,20 @@
           <a:p>
             <a:r>
               <a:rPr lang="en-US" dirty="0" smtClean="0"/>
-              <a:t>65 questions in the SRS</a:t>
-            </a:r>
-          </a:p>
-          <a:p>
-            <a:endParaRPr lang="en-US" dirty="0" smtClean="0"/>
-          </a:p>
-          <a:p>
-            <a:r>
-              <a:rPr lang="en-US" dirty="0" smtClean="0"/>
-              <a:t>ADOS has 4 modules and each module</a:t>
+              <a:t>These are the state of the art models and along with this researcher</a:t>
             </a:r>
             <a:r>
               <a:rPr lang="en-US" baseline="0" dirty="0" smtClean="0"/>
-              <a:t> takes 30-60 mins</a:t>
-            </a:r>
-            <a:endParaRPr lang="en-US" dirty="0" smtClean="0"/>
-          </a:p>
-          <a:p>
-            <a:endParaRPr lang="en-US" dirty="0" smtClean="0"/>
-          </a:p>
-          <a:p>
-            <a:r>
-              <a:rPr lang="en-US" dirty="0" smtClean="0"/>
-              <a:t> and also plotted the ROC for</a:t>
-            </a:r>
+              <a:t> found that there is a pattern in brain that identifies these disorders</a:t>
+            </a:r>
+          </a:p>
+          <a:p>
+            <a:endParaRPr lang="en-US" baseline="0" dirty="0" smtClean="0"/>
+          </a:p>
+          <a:p>
             <a:r>
               <a:rPr lang="en-US" baseline="0" dirty="0" smtClean="0"/>
-              <a:t> each models</a:t>
-            </a:r>
-            <a:endParaRPr lang="en-US" dirty="0" smtClean="0"/>
-          </a:p>
-          <a:p>
-            <a:endParaRPr lang="en-US" dirty="0" smtClean="0"/>
-          </a:p>
-          <a:p>
-            <a:r>
-              <a:rPr lang="en-US" dirty="0" smtClean="0"/>
-              <a:t>Our research is similar to this.</a:t>
-            </a:r>
-            <a:r>
-              <a:rPr lang="en-US" baseline="0" dirty="0" smtClean="0"/>
-              <a:t> Except our data consists of more developmental disorders and a combination of reviews</a:t>
+              <a:t>fMRI’s are not always available</a:t>
             </a:r>
             <a:endParaRPr lang="en-US" dirty="0"/>
           </a:p>
@@ -10644,7 +10608,7 @@
           <a:p>
             <a:fld id="{C220B63F-0DB6-F544-9D46-9E6ABDFE1291}" type="slidenum">
               <a:rPr lang="en-US" smtClean="0"/>
-              <a:t>11</a:t>
+              <a:t>10</a:t>
             </a:fld>
             <a:endParaRPr lang="en-US"/>
           </a:p>
@@ -10653,7 +10617,7 @@
     </p:spTree>
     <p:extLst>
       <p:ext uri="{BB962C8B-B14F-4D97-AF65-F5344CB8AC3E}">
-        <p14:creationId xmlns:p14="http://schemas.microsoft.com/office/powerpoint/2010/main" val="1935318805"/>
+        <p14:creationId xmlns:p14="http://schemas.microsoft.com/office/powerpoint/2010/main" val="661106830"/>
       </p:ext>
     </p:extLst>
   </p:cSld>
@@ -10709,13 +10673,49 @@
           <a:p>
             <a:r>
               <a:rPr lang="en-US" dirty="0" smtClean="0"/>
-              <a:t>This data took these professors around 10 years to collect.</a:t>
+              <a:t>65 questions in the SRS</a:t>
             </a:r>
           </a:p>
           <a:p>
             <a:endParaRPr lang="en-US" dirty="0" smtClean="0"/>
           </a:p>
           <a:p>
+            <a:r>
+              <a:rPr lang="en-US" dirty="0" smtClean="0"/>
+              <a:t>ADOS has 4 modules and each module</a:t>
+            </a:r>
+            <a:r>
+              <a:rPr lang="en-US" baseline="0" dirty="0" smtClean="0"/>
+              <a:t> takes 30-60 mins</a:t>
+            </a:r>
+            <a:endParaRPr lang="en-US" dirty="0" smtClean="0"/>
+          </a:p>
+          <a:p>
+            <a:endParaRPr lang="en-US" dirty="0" smtClean="0"/>
+          </a:p>
+          <a:p>
+            <a:r>
+              <a:rPr lang="en-US" dirty="0" smtClean="0"/>
+              <a:t> and also plotted the ROC for</a:t>
+            </a:r>
+            <a:r>
+              <a:rPr lang="en-US" baseline="0" dirty="0" smtClean="0"/>
+              <a:t> each models</a:t>
+            </a:r>
+            <a:endParaRPr lang="en-US" dirty="0" smtClean="0"/>
+          </a:p>
+          <a:p>
+            <a:endParaRPr lang="en-US" dirty="0" smtClean="0"/>
+          </a:p>
+          <a:p>
+            <a:r>
+              <a:rPr lang="en-US" dirty="0" smtClean="0"/>
+              <a:t>Our research is similar to this.</a:t>
+            </a:r>
+            <a:r>
+              <a:rPr lang="en-US" baseline="0" dirty="0" smtClean="0"/>
+              <a:t> Except our data consists of more developmental disorders and a combination of reviews</a:t>
+            </a:r>
             <a:endParaRPr lang="en-US" dirty="0"/>
           </a:p>
         </p:txBody>
@@ -10737,7 +10737,7 @@
           <a:p>
             <a:fld id="{C220B63F-0DB6-F544-9D46-9E6ABDFE1291}" type="slidenum">
               <a:rPr lang="en-US" smtClean="0"/>
-              <a:t>13</a:t>
+              <a:t>11</a:t>
             </a:fld>
             <a:endParaRPr lang="en-US"/>
           </a:p>
@@ -10746,7 +10746,7 @@
     </p:spTree>
     <p:extLst>
       <p:ext uri="{BB962C8B-B14F-4D97-AF65-F5344CB8AC3E}">
-        <p14:creationId xmlns:p14="http://schemas.microsoft.com/office/powerpoint/2010/main" val="495226382"/>
+        <p14:creationId xmlns:p14="http://schemas.microsoft.com/office/powerpoint/2010/main" val="1935318805"/>
       </p:ext>
     </p:extLst>
   </p:cSld>
@@ -10802,29 +10802,13 @@
           <a:p>
             <a:r>
               <a:rPr lang="en-US" dirty="0" smtClean="0"/>
-              <a:t>Data transformation- setting the target labels depending on research needs</a:t>
+              <a:t>This data took these professors around 10 years to collect.</a:t>
             </a:r>
           </a:p>
           <a:p>
             <a:endParaRPr lang="en-US" dirty="0" smtClean="0"/>
           </a:p>
           <a:p>
-            <a:r>
-              <a:rPr lang="en-US" dirty="0" smtClean="0"/>
-              <a:t>Data reduction- removing </a:t>
-            </a:r>
-            <a:r>
-              <a:rPr lang="en-US" dirty="0" err="1" smtClean="0"/>
-              <a:t>adiaustim</a:t>
-            </a:r>
-            <a:r>
-              <a:rPr lang="en-US" dirty="0" smtClean="0"/>
-              <a:t> column which is the key criteria , IDs and labs and other non</a:t>
-            </a:r>
-            <a:r>
-              <a:rPr lang="en-US" baseline="0" dirty="0" smtClean="0"/>
-              <a:t> essential columns like totals</a:t>
-            </a:r>
             <a:endParaRPr lang="en-US" dirty="0"/>
           </a:p>
         </p:txBody>
@@ -10846,7 +10830,7 @@
           <a:p>
             <a:fld id="{C220B63F-0DB6-F544-9D46-9E6ABDFE1291}" type="slidenum">
               <a:rPr lang="en-US" smtClean="0"/>
-              <a:t>14</a:t>
+              <a:t>13</a:t>
             </a:fld>
             <a:endParaRPr lang="en-US"/>
           </a:p>
@@ -10855,7 +10839,7 @@
     </p:spTree>
     <p:extLst>
       <p:ext uri="{BB962C8B-B14F-4D97-AF65-F5344CB8AC3E}">
-        <p14:creationId xmlns:p14="http://schemas.microsoft.com/office/powerpoint/2010/main" val="1759829315"/>
+        <p14:creationId xmlns:p14="http://schemas.microsoft.com/office/powerpoint/2010/main" val="495226382"/>
       </p:ext>
     </p:extLst>
   </p:cSld>
@@ -10910,69 +10894,30 @@
           <a:lstStyle/>
           <a:p>
             <a:r>
-              <a:rPr lang="en-US" sz="1200" dirty="0" smtClean="0"/>
-              <a:t>LASSO regression method selects subset of variables when there are highly correlated predictors in the data, as in our dataset</a:t>
-            </a:r>
-          </a:p>
-          <a:p>
-            <a:r>
-              <a:rPr lang="en-US" sz="1200" dirty="0" err="1" smtClean="0"/>
-              <a:t>ReliefF</a:t>
-            </a:r>
-            <a:r>
-              <a:rPr lang="en-US" sz="1200" dirty="0" smtClean="0"/>
-              <a:t> is a noise tolerant and robust algorithm which is independent of variable dependencies</a:t>
-            </a:r>
-          </a:p>
-          <a:p>
-            <a:r>
-              <a:rPr lang="en-US" sz="1200" dirty="0" smtClean="0"/>
-              <a:t>RFE uses an elimination process to select a subset of features recursively from our data</a:t>
-            </a:r>
-          </a:p>
-          <a:p>
-            <a:endParaRPr lang="en-US" sz="1200" dirty="0" smtClean="0"/>
-          </a:p>
-          <a:p>
-            <a:endParaRPr lang="en-US" sz="1200" dirty="0" smtClean="0"/>
-          </a:p>
-          <a:p>
-            <a:endParaRPr lang="en-US" sz="1200" dirty="0" smtClean="0"/>
-          </a:p>
-          <a:p>
-            <a:endParaRPr lang="en-US" sz="1200" dirty="0" smtClean="0"/>
-          </a:p>
-          <a:p>
-            <a:r>
-              <a:rPr lang="en-US" sz="1200" dirty="0" smtClean="0"/>
-              <a:t>For the subgroup diagnosis, LASSO selected features from the BASC and VINE parent- oriented reviews</a:t>
-            </a:r>
-          </a:p>
-          <a:p>
-            <a:r>
-              <a:rPr lang="en-US" sz="1200" dirty="0" smtClean="0"/>
-              <a:t>RFE selected features from the ADI-R parent-oriented reviews</a:t>
-            </a:r>
-          </a:p>
-          <a:p>
-            <a:r>
-              <a:rPr lang="en-US" sz="1200" dirty="0" smtClean="0"/>
-              <a:t> The convergent features for ASD and ADHD comorbidity are ‘Vineland socialization’, ‘Quality of social overtures’, ‘Inappropriate questions or statements’ and ‘Attention problems’</a:t>
-            </a:r>
-          </a:p>
-          <a:p>
-            <a:r>
-              <a:rPr lang="en-US" sz="1200" dirty="0" smtClean="0"/>
-              <a:t>Performance IQ is the only common feature in the case of ASD and VCFS comorbidity</a:t>
-            </a:r>
-          </a:p>
-          <a:p>
-            <a:r>
-              <a:rPr lang="en-US" sz="1200" dirty="0" smtClean="0"/>
-              <a:t>No convergent features for individual diagnosis of disorders ASD, ADHD and VCFS</a:t>
-            </a:r>
-          </a:p>
-          <a:p>
+              <a:rPr lang="en-US" dirty="0" smtClean="0"/>
+              <a:t>Data transformation- setting the target labels depending on research needs</a:t>
+            </a:r>
+          </a:p>
+          <a:p>
+            <a:endParaRPr lang="en-US" dirty="0" smtClean="0"/>
+          </a:p>
+          <a:p>
+            <a:r>
+              <a:rPr lang="en-US" dirty="0" smtClean="0"/>
+              <a:t>Data reduction- removing </a:t>
+            </a:r>
+            <a:r>
+              <a:rPr lang="en-US" dirty="0" err="1" smtClean="0"/>
+              <a:t>adiaustim</a:t>
+            </a:r>
+            <a:r>
+              <a:rPr lang="en-US" dirty="0" smtClean="0"/>
+              <a:t> column which is the key criteria , IDs and labs and other non</a:t>
+            </a:r>
+            <a:r>
+              <a:rPr lang="en-US" baseline="0" dirty="0" smtClean="0"/>
+              <a:t> essential columns like totals</a:t>
+            </a:r>
             <a:endParaRPr lang="en-US" dirty="0"/>
           </a:p>
         </p:txBody>
@@ -10994,7 +10939,7 @@
           <a:p>
             <a:fld id="{C220B63F-0DB6-F544-9D46-9E6ABDFE1291}" type="slidenum">
               <a:rPr lang="en-US" smtClean="0"/>
-              <a:t>15</a:t>
+              <a:t>14</a:t>
             </a:fld>
             <a:endParaRPr lang="en-US"/>
           </a:p>
@@ -11003,7 +10948,7 @@
     </p:spTree>
     <p:extLst>
       <p:ext uri="{BB962C8B-B14F-4D97-AF65-F5344CB8AC3E}">
-        <p14:creationId xmlns:p14="http://schemas.microsoft.com/office/powerpoint/2010/main" val="1359542676"/>
+        <p14:creationId xmlns:p14="http://schemas.microsoft.com/office/powerpoint/2010/main" val="1759829315"/>
       </p:ext>
     </p:extLst>
   </p:cSld>
@@ -11058,13 +11003,69 @@
           <a:lstStyle/>
           <a:p>
             <a:r>
-              <a:rPr lang="en-US" dirty="0" smtClean="0"/>
-              <a:t>Also, agglomerative clustering was applied on our data. This</a:t>
-            </a:r>
-            <a:r>
-              <a:rPr lang="en-US" baseline="0" dirty="0" smtClean="0"/>
-              <a:t> should similar results, however, they could find any relation between ADHD and ASD.</a:t>
-            </a:r>
+              <a:rPr lang="en-US" sz="1200" dirty="0" smtClean="0"/>
+              <a:t>LASSO regression method selects subset of variables when there are highly correlated predictors in the data, as in our dataset</a:t>
+            </a:r>
+          </a:p>
+          <a:p>
+            <a:r>
+              <a:rPr lang="en-US" sz="1200" dirty="0" err="1" smtClean="0"/>
+              <a:t>ReliefF</a:t>
+            </a:r>
+            <a:r>
+              <a:rPr lang="en-US" sz="1200" dirty="0" smtClean="0"/>
+              <a:t> is a noise tolerant and robust algorithm which is independent of variable dependencies</a:t>
+            </a:r>
+          </a:p>
+          <a:p>
+            <a:r>
+              <a:rPr lang="en-US" sz="1200" dirty="0" smtClean="0"/>
+              <a:t>RFE uses an elimination process to select a subset of features recursively from our data</a:t>
+            </a:r>
+          </a:p>
+          <a:p>
+            <a:endParaRPr lang="en-US" sz="1200" dirty="0" smtClean="0"/>
+          </a:p>
+          <a:p>
+            <a:endParaRPr lang="en-US" sz="1200" dirty="0" smtClean="0"/>
+          </a:p>
+          <a:p>
+            <a:endParaRPr lang="en-US" sz="1200" dirty="0" smtClean="0"/>
+          </a:p>
+          <a:p>
+            <a:endParaRPr lang="en-US" sz="1200" dirty="0" smtClean="0"/>
+          </a:p>
+          <a:p>
+            <a:r>
+              <a:rPr lang="en-US" sz="1200" dirty="0" smtClean="0"/>
+              <a:t>For the subgroup diagnosis, LASSO selected features from the BASC and VINE parent- oriented reviews</a:t>
+            </a:r>
+          </a:p>
+          <a:p>
+            <a:r>
+              <a:rPr lang="en-US" sz="1200" dirty="0" smtClean="0"/>
+              <a:t>RFE selected features from the ADI-R parent-oriented reviews</a:t>
+            </a:r>
+          </a:p>
+          <a:p>
+            <a:r>
+              <a:rPr lang="en-US" sz="1200" dirty="0" smtClean="0"/>
+              <a:t> The convergent features for ASD and ADHD comorbidity are ‘Vineland socialization’, ‘Quality of social overtures’, ‘Inappropriate questions or statements’ and ‘Attention problems’</a:t>
+            </a:r>
+          </a:p>
+          <a:p>
+            <a:r>
+              <a:rPr lang="en-US" sz="1200" dirty="0" smtClean="0"/>
+              <a:t>Performance IQ is the only common feature in the case of ASD and VCFS comorbidity</a:t>
+            </a:r>
+          </a:p>
+          <a:p>
+            <a:r>
+              <a:rPr lang="en-US" sz="1200" dirty="0" smtClean="0"/>
+              <a:t>No convergent features for individual diagnosis of disorders ASD, ADHD and VCFS</a:t>
+            </a:r>
+          </a:p>
+          <a:p>
             <a:endParaRPr lang="en-US" dirty="0"/>
           </a:p>
         </p:txBody>
@@ -11086,7 +11087,7 @@
           <a:p>
             <a:fld id="{C220B63F-0DB6-F544-9D46-9E6ABDFE1291}" type="slidenum">
               <a:rPr lang="en-US" smtClean="0"/>
-              <a:t>18</a:t>
+              <a:t>15</a:t>
             </a:fld>
             <a:endParaRPr lang="en-US"/>
           </a:p>
@@ -11095,7 +11096,7 @@
     </p:spTree>
     <p:extLst>
       <p:ext uri="{BB962C8B-B14F-4D97-AF65-F5344CB8AC3E}">
-        <p14:creationId xmlns:p14="http://schemas.microsoft.com/office/powerpoint/2010/main" val="1275818255"/>
+        <p14:creationId xmlns:p14="http://schemas.microsoft.com/office/powerpoint/2010/main" val="1359542676"/>
       </p:ext>
     </p:extLst>
   </p:cSld>
@@ -11149,7 +11150,15 @@
           <a:bodyPr/>
           <a:lstStyle/>
           <a:p>
-            <a:endParaRPr lang="en-US"/>
+            <a:r>
+              <a:rPr lang="en-US" dirty="0" smtClean="0"/>
+              <a:t>Also, agglomerative clustering was applied on our data. This</a:t>
+            </a:r>
+            <a:r>
+              <a:rPr lang="en-US" baseline="0" dirty="0" smtClean="0"/>
+              <a:t> should similar results, however, they could find any relation between ADHD and ASD.</a:t>
+            </a:r>
+            <a:endParaRPr lang="en-US" dirty="0"/>
           </a:p>
         </p:txBody>
       </p:sp>
@@ -11170,7 +11179,7 @@
           <a:p>
             <a:fld id="{C220B63F-0DB6-F544-9D46-9E6ABDFE1291}" type="slidenum">
               <a:rPr lang="en-US" smtClean="0"/>
-              <a:t>21</a:t>
+              <a:t>18</a:t>
             </a:fld>
             <a:endParaRPr lang="en-US"/>
           </a:p>
@@ -11179,7 +11188,7 @@
     </p:spTree>
     <p:extLst>
       <p:ext uri="{BB962C8B-B14F-4D97-AF65-F5344CB8AC3E}">
-        <p14:creationId xmlns:p14="http://schemas.microsoft.com/office/powerpoint/2010/main" val="590694893"/>
+        <p14:creationId xmlns:p14="http://schemas.microsoft.com/office/powerpoint/2010/main" val="1275818255"/>
       </p:ext>
     </p:extLst>
   </p:cSld>
@@ -11233,20 +11242,7 @@
           <a:bodyPr/>
           <a:lstStyle/>
           <a:p>
-            <a:r>
-              <a:rPr lang="en-US" dirty="0" smtClean="0"/>
-              <a:t>SVM is best</a:t>
-            </a:r>
-          </a:p>
-          <a:p>
-            <a:endParaRPr lang="en-US" dirty="0" smtClean="0"/>
-          </a:p>
-          <a:p>
-            <a:r>
-              <a:rPr lang="en-US" dirty="0" smtClean="0"/>
-              <a:t>2 belong to BASC and 4 belong to ADI-R</a:t>
-            </a:r>
-            <a:endParaRPr lang="en-US" dirty="0"/>
+            <a:endParaRPr lang="en-US"/>
           </a:p>
         </p:txBody>
       </p:sp>
@@ -11267,7 +11263,7 @@
           <a:p>
             <a:fld id="{C220B63F-0DB6-F544-9D46-9E6ABDFE1291}" type="slidenum">
               <a:rPr lang="en-US" smtClean="0"/>
-              <a:t>22</a:t>
+              <a:t>21</a:t>
             </a:fld>
             <a:endParaRPr lang="en-US"/>
           </a:p>
@@ -11276,7 +11272,7 @@
     </p:spTree>
     <p:extLst>
       <p:ext uri="{BB962C8B-B14F-4D97-AF65-F5344CB8AC3E}">
-        <p14:creationId xmlns:p14="http://schemas.microsoft.com/office/powerpoint/2010/main" val="595579617"/>
+        <p14:creationId xmlns:p14="http://schemas.microsoft.com/office/powerpoint/2010/main" val="590694893"/>
       </p:ext>
     </p:extLst>
   </p:cSld>
@@ -11332,7 +11328,16 @@
           <a:p>
             <a:r>
               <a:rPr lang="en-US" dirty="0" smtClean="0"/>
-              <a:t>False positives are present</a:t>
+              <a:t>SVM is best</a:t>
+            </a:r>
+          </a:p>
+          <a:p>
+            <a:endParaRPr lang="en-US" dirty="0" smtClean="0"/>
+          </a:p>
+          <a:p>
+            <a:r>
+              <a:rPr lang="en-US" dirty="0" smtClean="0"/>
+              <a:t>2 belong to BASC and 4 belong to ADI-R</a:t>
             </a:r>
             <a:endParaRPr lang="en-US" dirty="0"/>
           </a:p>
@@ -11355,7 +11360,7 @@
           <a:p>
             <a:fld id="{C220B63F-0DB6-F544-9D46-9E6ABDFE1291}" type="slidenum">
               <a:rPr lang="en-US" smtClean="0"/>
-              <a:t>23</a:t>
+              <a:t>22</a:t>
             </a:fld>
             <a:endParaRPr lang="en-US"/>
           </a:p>
@@ -11364,7 +11369,7 @@
     </p:spTree>
     <p:extLst>
       <p:ext uri="{BB962C8B-B14F-4D97-AF65-F5344CB8AC3E}">
-        <p14:creationId xmlns:p14="http://schemas.microsoft.com/office/powerpoint/2010/main" val="1911404702"/>
+        <p14:creationId xmlns:p14="http://schemas.microsoft.com/office/powerpoint/2010/main" val="595579617"/>
       </p:ext>
     </p:extLst>
   </p:cSld>
@@ -11418,18 +11423,9 @@
           <a:bodyPr/>
           <a:lstStyle/>
           <a:p>
-            <a:endParaRPr lang="en-US" dirty="0" smtClean="0"/>
-          </a:p>
-          <a:p>
             <a:r>
               <a:rPr lang="en-US" dirty="0" smtClean="0"/>
-              <a:t>Random forest is best</a:t>
-            </a:r>
-          </a:p>
-          <a:p>
-            <a:r>
-              <a:rPr lang="en-US" dirty="0" smtClean="0"/>
-              <a:t>But more consistent models through RFE</a:t>
+              <a:t>False positives are present</a:t>
             </a:r>
             <a:endParaRPr lang="en-US" dirty="0"/>
           </a:p>
@@ -11452,7 +11448,7 @@
           <a:p>
             <a:fld id="{C220B63F-0DB6-F544-9D46-9E6ABDFE1291}" type="slidenum">
               <a:rPr lang="en-US" smtClean="0"/>
-              <a:t>24</a:t>
+              <a:t>23</a:t>
             </a:fld>
             <a:endParaRPr lang="en-US"/>
           </a:p>
@@ -11461,7 +11457,7 @@
     </p:spTree>
     <p:extLst>
       <p:ext uri="{BB962C8B-B14F-4D97-AF65-F5344CB8AC3E}">
-        <p14:creationId xmlns:p14="http://schemas.microsoft.com/office/powerpoint/2010/main" val="1554420128"/>
+        <p14:creationId xmlns:p14="http://schemas.microsoft.com/office/powerpoint/2010/main" val="1911404702"/>
       </p:ext>
     </p:extLst>
   </p:cSld>
@@ -11515,13 +11511,18 @@
           <a:bodyPr/>
           <a:lstStyle/>
           <a:p>
+            <a:endParaRPr lang="en-US" dirty="0" smtClean="0"/>
+          </a:p>
+          <a:p>
             <a:r>
               <a:rPr lang="en-US" dirty="0" smtClean="0"/>
-              <a:t>95%</a:t>
-            </a:r>
-            <a:r>
-              <a:rPr lang="en-US" baseline="0" dirty="0" smtClean="0"/>
-              <a:t> accuracy and 80%</a:t>
+              <a:t>Random forest is best</a:t>
+            </a:r>
+          </a:p>
+          <a:p>
+            <a:r>
+              <a:rPr lang="en-US" dirty="0" smtClean="0"/>
+              <a:t>But more consistent models through RFE</a:t>
             </a:r>
             <a:endParaRPr lang="en-US" dirty="0"/>
           </a:p>
@@ -11544,7 +11545,7 @@
           <a:p>
             <a:fld id="{C220B63F-0DB6-F544-9D46-9E6ABDFE1291}" type="slidenum">
               <a:rPr lang="en-US" smtClean="0"/>
-              <a:t>25</a:t>
+              <a:t>24</a:t>
             </a:fld>
             <a:endParaRPr lang="en-US"/>
           </a:p>
@@ -11553,7 +11554,7 @@
     </p:spTree>
     <p:extLst>
       <p:ext uri="{BB962C8B-B14F-4D97-AF65-F5344CB8AC3E}">
-        <p14:creationId xmlns:p14="http://schemas.microsoft.com/office/powerpoint/2010/main" val="1438269962"/>
+        <p14:creationId xmlns:p14="http://schemas.microsoft.com/office/powerpoint/2010/main" val="1554420128"/>
       </p:ext>
     </p:extLst>
   </p:cSld>
@@ -11697,21 +11698,11 @@
           <a:p>
             <a:r>
               <a:rPr lang="en-US" dirty="0" smtClean="0"/>
-              <a:t>Except</a:t>
+              <a:t>95%</a:t>
             </a:r>
             <a:r>
               <a:rPr lang="en-US" baseline="0" dirty="0" smtClean="0"/>
-              <a:t> for Attention Problems all other features are selected from ADI parent oriented review</a:t>
-            </a:r>
-          </a:p>
-          <a:p>
-            <a:r>
-              <a:rPr lang="en-US" dirty="0" smtClean="0"/>
-              <a:t>3</a:t>
-            </a:r>
-            <a:r>
-              <a:rPr lang="en-US" baseline="0" dirty="0" smtClean="0"/>
-              <a:t> of these features are same.</a:t>
+              <a:t> accuracy and 80%</a:t>
             </a:r>
             <a:endParaRPr lang="en-US" dirty="0"/>
           </a:p>
@@ -11734,7 +11725,7 @@
           <a:p>
             <a:fld id="{C220B63F-0DB6-F544-9D46-9E6ABDFE1291}" type="slidenum">
               <a:rPr lang="en-US" smtClean="0"/>
-              <a:t>26</a:t>
+              <a:t>25</a:t>
             </a:fld>
             <a:endParaRPr lang="en-US"/>
           </a:p>
@@ -11743,7 +11734,7 @@
     </p:spTree>
     <p:extLst>
       <p:ext uri="{BB962C8B-B14F-4D97-AF65-F5344CB8AC3E}">
-        <p14:creationId xmlns:p14="http://schemas.microsoft.com/office/powerpoint/2010/main" val="1555827371"/>
+        <p14:creationId xmlns:p14="http://schemas.microsoft.com/office/powerpoint/2010/main" val="1438269962"/>
       </p:ext>
     </p:extLst>
   </p:cSld>
@@ -11797,81 +11788,24 @@
           <a:bodyPr/>
           <a:lstStyle/>
           <a:p>
-            <a:pPr marL="0" marR="0" indent="0" algn="l" defTabSz="914400" rtl="0" eaLnBrk="1" fontAlgn="auto" latinLnBrk="0" hangingPunct="1">
-              <a:lnSpc>
-                <a:spcPct val="100000"/>
-              </a:lnSpc>
-              <a:spcBef>
-                <a:spcPts val="0"/>
-              </a:spcBef>
-              <a:spcAft>
-                <a:spcPts val="0"/>
-              </a:spcAft>
-              <a:buClrTx/>
-              <a:buSzTx/>
-              <a:buFontTx/>
-              <a:buNone/>
-              <a:tabLst/>
-              <a:defRPr/>
-            </a:pPr>
             <a:r>
               <a:rPr lang="en-US" dirty="0" smtClean="0"/>
-              <a:t>J48 algorithm provides a good model approximation (Accuracy-96</a:t>
-            </a:r>
+              <a:t>Except</a:t>
+            </a:r>
+            <a:r>
+              <a:rPr lang="en-US" baseline="0" dirty="0" smtClean="0"/>
+              <a:t> for Attention Problems all other features are selected from ADI parent oriented review</a:t>
+            </a:r>
+          </a:p>
+          <a:p>
             <a:r>
               <a:rPr lang="en-US" dirty="0" smtClean="0"/>
-              <a:t>%)</a:t>
-            </a:r>
-          </a:p>
-          <a:p>
-            <a:pPr marL="0" marR="0" indent="0" algn="l" defTabSz="914400" rtl="0" eaLnBrk="1" fontAlgn="auto" latinLnBrk="0" hangingPunct="1">
-              <a:lnSpc>
-                <a:spcPct val="100000"/>
-              </a:lnSpc>
-              <a:spcBef>
-                <a:spcPts val="0"/>
-              </a:spcBef>
-              <a:spcAft>
-                <a:spcPts val="0"/>
-              </a:spcAft>
-              <a:buClrTx/>
-              <a:buSzTx/>
-              <a:buFontTx/>
-              <a:buNone/>
-              <a:tabLst/>
-              <a:defRPr/>
-            </a:pPr>
-            <a:endParaRPr lang="en-US" dirty="0" smtClean="0"/>
-          </a:p>
-          <a:p>
-            <a:pPr marL="0" marR="0" indent="0" algn="l" defTabSz="914400" rtl="0" eaLnBrk="1" fontAlgn="auto" latinLnBrk="0" hangingPunct="1">
-              <a:lnSpc>
-                <a:spcPct val="100000"/>
-              </a:lnSpc>
-              <a:spcBef>
-                <a:spcPts val="0"/>
-              </a:spcBef>
-              <a:spcAft>
-                <a:spcPts val="0"/>
-              </a:spcAft>
-              <a:buClrTx/>
-              <a:buSzTx/>
-              <a:buFontTx/>
-              <a:buNone/>
-              <a:tabLst/>
-              <a:defRPr/>
-            </a:pPr>
-            <a:r>
-              <a:rPr lang="en-US" dirty="0" smtClean="0"/>
-              <a:t>Researchers talking about </a:t>
-            </a:r>
-            <a:r>
-              <a:rPr lang="en-US" sz="1400" b="1" dirty="0" smtClean="0"/>
-              <a:t>withdrawal</a:t>
-            </a:r>
-            <a:endParaRPr lang="en-US" sz="1400" b="1" dirty="0" smtClean="0"/>
-          </a:p>
-          <a:p>
+              <a:t>3</a:t>
+            </a:r>
+            <a:r>
+              <a:rPr lang="en-US" baseline="0" dirty="0" smtClean="0"/>
+              <a:t> of these features are same.</a:t>
+            </a:r>
             <a:endParaRPr lang="en-US" dirty="0"/>
           </a:p>
         </p:txBody>
@@ -11893,7 +11827,7 @@
           <a:p>
             <a:fld id="{C220B63F-0DB6-F544-9D46-9E6ABDFE1291}" type="slidenum">
               <a:rPr lang="en-US" smtClean="0"/>
-              <a:t>29</a:t>
+              <a:t>26</a:t>
             </a:fld>
             <a:endParaRPr lang="en-US"/>
           </a:p>
@@ -11902,7 +11836,7 @@
     </p:spTree>
     <p:extLst>
       <p:ext uri="{BB962C8B-B14F-4D97-AF65-F5344CB8AC3E}">
-        <p14:creationId xmlns:p14="http://schemas.microsoft.com/office/powerpoint/2010/main" val="660441693"/>
+        <p14:creationId xmlns:p14="http://schemas.microsoft.com/office/powerpoint/2010/main" val="1555827371"/>
       </p:ext>
     </p:extLst>
   </p:cSld>
@@ -11956,6 +11890,76 @@
           <a:bodyPr/>
           <a:lstStyle/>
           <a:p>
+            <a:pPr marL="0" marR="0" indent="0" algn="l" defTabSz="914400" rtl="0" eaLnBrk="1" fontAlgn="auto" latinLnBrk="0" hangingPunct="1">
+              <a:lnSpc>
+                <a:spcPct val="100000"/>
+              </a:lnSpc>
+              <a:spcBef>
+                <a:spcPts val="0"/>
+              </a:spcBef>
+              <a:spcAft>
+                <a:spcPts val="0"/>
+              </a:spcAft>
+              <a:buClrTx/>
+              <a:buSzTx/>
+              <a:buFontTx/>
+              <a:buNone/>
+              <a:tabLst/>
+              <a:defRPr/>
+            </a:pPr>
+            <a:r>
+              <a:rPr lang="en-US" dirty="0" smtClean="0"/>
+              <a:t>J48 algorithm provides a good model approximation (Accuracy-96%)</a:t>
+            </a:r>
+          </a:p>
+          <a:p>
+            <a:pPr marL="0" marR="0" indent="0" algn="l" defTabSz="914400" rtl="0" eaLnBrk="1" fontAlgn="auto" latinLnBrk="0" hangingPunct="1">
+              <a:lnSpc>
+                <a:spcPct val="100000"/>
+              </a:lnSpc>
+              <a:spcBef>
+                <a:spcPts val="0"/>
+              </a:spcBef>
+              <a:spcAft>
+                <a:spcPts val="0"/>
+              </a:spcAft>
+              <a:buClrTx/>
+              <a:buSzTx/>
+              <a:buFontTx/>
+              <a:buNone/>
+              <a:tabLst/>
+              <a:defRPr/>
+            </a:pPr>
+            <a:endParaRPr lang="en-US" dirty="0" smtClean="0"/>
+          </a:p>
+          <a:p>
+            <a:pPr marL="0" marR="0" indent="0" algn="l" defTabSz="914400" rtl="0" eaLnBrk="1" fontAlgn="auto" latinLnBrk="0" hangingPunct="1">
+              <a:lnSpc>
+                <a:spcPct val="100000"/>
+              </a:lnSpc>
+              <a:spcBef>
+                <a:spcPts val="0"/>
+              </a:spcBef>
+              <a:spcAft>
+                <a:spcPts val="0"/>
+              </a:spcAft>
+              <a:buClrTx/>
+              <a:buSzTx/>
+              <a:buFontTx/>
+              <a:buNone/>
+              <a:tabLst/>
+              <a:defRPr/>
+            </a:pPr>
+            <a:r>
+              <a:rPr lang="en-US" dirty="0" smtClean="0"/>
+              <a:t>Researchers talking about </a:t>
+            </a:r>
+            <a:r>
+              <a:rPr lang="en-US" sz="1400" b="1" dirty="0" smtClean="0"/>
+              <a:t>withdrawal</a:t>
+            </a:r>
+          </a:p>
+          <a:p>
             <a:endParaRPr lang="en-US" dirty="0"/>
           </a:p>
         </p:txBody>
@@ -11977,7 +11981,7 @@
           <a:p>
             <a:fld id="{C220B63F-0DB6-F544-9D46-9E6ABDFE1291}" type="slidenum">
               <a:rPr lang="en-US" smtClean="0"/>
-              <a:t>30</a:t>
+              <a:t>29</a:t>
             </a:fld>
             <a:endParaRPr lang="en-US"/>
           </a:p>
@@ -11986,7 +11990,7 @@
     </p:spTree>
     <p:extLst>
       <p:ext uri="{BB962C8B-B14F-4D97-AF65-F5344CB8AC3E}">
-        <p14:creationId xmlns:p14="http://schemas.microsoft.com/office/powerpoint/2010/main" val="1488929454"/>
+        <p14:creationId xmlns:p14="http://schemas.microsoft.com/office/powerpoint/2010/main" val="660441693"/>
       </p:ext>
     </p:extLst>
   </p:cSld>
@@ -12040,29 +12044,6 @@
           <a:bodyPr/>
           <a:lstStyle/>
           <a:p>
-            <a:pPr marL="0" marR="0" indent="0" algn="l" defTabSz="914400" rtl="0" eaLnBrk="1" fontAlgn="auto" latinLnBrk="0" hangingPunct="1">
-              <a:lnSpc>
-                <a:spcPct val="100000"/>
-              </a:lnSpc>
-              <a:spcBef>
-                <a:spcPts val="0"/>
-              </a:spcBef>
-              <a:spcAft>
-                <a:spcPts val="0"/>
-              </a:spcAft>
-              <a:buClrTx/>
-              <a:buSzTx/>
-              <a:buFontTx/>
-              <a:buNone/>
-              <a:tabLst/>
-              <a:defRPr/>
-            </a:pPr>
-            <a:r>
-              <a:rPr lang="en-US" dirty="0" smtClean="0"/>
-              <a:t>J48 algorithm provides a good model approximation (Accuracy-94%)</a:t>
-            </a:r>
-          </a:p>
-          <a:p>
             <a:endParaRPr lang="en-US" dirty="0"/>
           </a:p>
         </p:txBody>
@@ -12084,7 +12065,7 @@
           <a:p>
             <a:fld id="{C220B63F-0DB6-F544-9D46-9E6ABDFE1291}" type="slidenum">
               <a:rPr lang="en-US" smtClean="0"/>
-              <a:t>31</a:t>
+              <a:t>30</a:t>
             </a:fld>
             <a:endParaRPr lang="en-US"/>
           </a:p>
@@ -12093,7 +12074,7 @@
     </p:spTree>
     <p:extLst>
       <p:ext uri="{BB962C8B-B14F-4D97-AF65-F5344CB8AC3E}">
-        <p14:creationId xmlns:p14="http://schemas.microsoft.com/office/powerpoint/2010/main" val="2011688018"/>
+        <p14:creationId xmlns:p14="http://schemas.microsoft.com/office/powerpoint/2010/main" val="1488929454"/>
       </p:ext>
     </p:extLst>
   </p:cSld>
@@ -12147,10 +12128,29 @@
           <a:bodyPr/>
           <a:lstStyle/>
           <a:p>
+            <a:pPr marL="0" marR="0" indent="0" algn="l" defTabSz="914400" rtl="0" eaLnBrk="1" fontAlgn="auto" latinLnBrk="0" hangingPunct="1">
+              <a:lnSpc>
+                <a:spcPct val="100000"/>
+              </a:lnSpc>
+              <a:spcBef>
+                <a:spcPts val="0"/>
+              </a:spcBef>
+              <a:spcAft>
+                <a:spcPts val="0"/>
+              </a:spcAft>
+              <a:buClrTx/>
+              <a:buSzTx/>
+              <a:buFontTx/>
+              <a:buNone/>
+              <a:tabLst/>
+              <a:defRPr/>
+            </a:pPr>
             <a:r>
               <a:rPr lang="en-US" dirty="0" smtClean="0"/>
-              <a:t>93%</a:t>
-            </a:r>
+              <a:t>J48 algorithm provides a good model approximation (Accuracy-94%)</a:t>
+            </a:r>
+          </a:p>
+          <a:p>
             <a:endParaRPr lang="en-US" dirty="0"/>
           </a:p>
         </p:txBody>
@@ -12172,6 +12172,94 @@
           <a:p>
             <a:fld id="{C220B63F-0DB6-F544-9D46-9E6ABDFE1291}" type="slidenum">
               <a:rPr lang="en-US" smtClean="0"/>
+              <a:t>31</a:t>
+            </a:fld>
+            <a:endParaRPr lang="en-US"/>
+          </a:p>
+        </p:txBody>
+      </p:sp>
+    </p:spTree>
+    <p:extLst>
+      <p:ext uri="{BB962C8B-B14F-4D97-AF65-F5344CB8AC3E}">
+        <p14:creationId xmlns:p14="http://schemas.microsoft.com/office/powerpoint/2010/main" val="2011688018"/>
+      </p:ext>
+    </p:extLst>
+  </p:cSld>
+  <p:clrMapOvr>
+    <a:masterClrMapping/>
+  </p:clrMapOvr>
+</p:notes>
+</file>
+
+<file path=ppt/notesSlides/notesSlide25.xml><?xml version="1.0" encoding="utf-8"?>
+<p:notes xmlns:a="http://schemas.openxmlformats.org/drawingml/2006/main" xmlns:r="http://schemas.openxmlformats.org/officeDocument/2006/relationships" xmlns:p="http://schemas.openxmlformats.org/presentationml/2006/main">
+  <p:cSld>
+    <p:spTree>
+      <p:nvGrpSpPr>
+        <p:cNvPr id="1" name=""/>
+        <p:cNvGrpSpPr/>
+        <p:nvPr/>
+      </p:nvGrpSpPr>
+      <p:grpSpPr>
+        <a:xfrm>
+          <a:off x="0" y="0"/>
+          <a:ext cx="0" cy="0"/>
+          <a:chOff x="0" y="0"/>
+          <a:chExt cx="0" cy="0"/>
+        </a:xfrm>
+      </p:grpSpPr>
+      <p:sp>
+        <p:nvSpPr>
+          <p:cNvPr id="2" name="Slide Image Placeholder 1"/>
+          <p:cNvSpPr>
+            <a:spLocks noGrp="1" noRot="1" noChangeAspect="1"/>
+          </p:cNvSpPr>
+          <p:nvPr>
+            <p:ph type="sldImg"/>
+          </p:nvPr>
+        </p:nvSpPr>
+        <p:spPr/>
+      </p:sp>
+      <p:sp>
+        <p:nvSpPr>
+          <p:cNvPr id="3" name="Notes Placeholder 2"/>
+          <p:cNvSpPr>
+            <a:spLocks noGrp="1"/>
+          </p:cNvSpPr>
+          <p:nvPr>
+            <p:ph type="body" idx="1"/>
+          </p:nvPr>
+        </p:nvSpPr>
+        <p:spPr/>
+        <p:txBody>
+          <a:bodyPr/>
+          <a:lstStyle/>
+          <a:p>
+            <a:r>
+              <a:rPr lang="en-US" dirty="0" smtClean="0"/>
+              <a:t>93%</a:t>
+            </a:r>
+            <a:endParaRPr lang="en-US" dirty="0"/>
+          </a:p>
+        </p:txBody>
+      </p:sp>
+      <p:sp>
+        <p:nvSpPr>
+          <p:cNvPr id="4" name="Slide Number Placeholder 3"/>
+          <p:cNvSpPr>
+            <a:spLocks noGrp="1"/>
+          </p:cNvSpPr>
+          <p:nvPr>
+            <p:ph type="sldNum" sz="quarter" idx="10"/>
+          </p:nvPr>
+        </p:nvSpPr>
+        <p:spPr/>
+        <p:txBody>
+          <a:bodyPr/>
+          <a:lstStyle/>
+          <a:p>
+            <a:fld id="{C220B63F-0DB6-F544-9D46-9E6ABDFE1291}" type="slidenum">
+              <a:rPr lang="en-US" smtClean="0"/>
               <a:t>33</a:t>
             </a:fld>
             <a:endParaRPr lang="en-US"/>
@@ -12191,7 +12279,7 @@
 </p:notes>
 </file>
 
-<file path=ppt/notesSlides/notesSlide25.xml><?xml version="1.0" encoding="utf-8"?>
+<file path=ppt/notesSlides/notesSlide26.xml><?xml version="1.0" encoding="utf-8"?>
 <p:notes xmlns:a="http://schemas.openxmlformats.org/drawingml/2006/main" xmlns:r="http://schemas.openxmlformats.org/officeDocument/2006/relationships" xmlns:p="http://schemas.openxmlformats.org/presentationml/2006/main">
   <p:cSld>
     <p:spTree>
@@ -12580,35 +12668,12 @@
           <a:p>
             <a:r>
               <a:rPr lang="en-US" dirty="0" smtClean="0"/>
-              <a:t>Both ASD and ADHD are more common in males than females 4.5 times more</a:t>
-            </a:r>
-          </a:p>
-          <a:p>
-            <a:r>
-              <a:rPr lang="en-US" dirty="0" smtClean="0"/>
-              <a:t>The </a:t>
+              <a:t>Before talking about the implementation,</a:t>
             </a:r>
             <a:r>
               <a:rPr lang="en-US" baseline="0" dirty="0" smtClean="0"/>
-              <a:t>genetic causes for ASD and ADHD are not known, it could be due to </a:t>
-            </a:r>
-            <a:r>
-              <a:rPr lang="en-US" baseline="0" smtClean="0"/>
-              <a:t>various environmental </a:t>
-            </a:r>
-            <a:r>
-              <a:rPr lang="en-US" baseline="0" dirty="0" smtClean="0"/>
-              <a:t>factors</a:t>
-            </a:r>
-            <a:endParaRPr lang="en-US" dirty="0" smtClean="0"/>
-          </a:p>
-          <a:p>
-            <a:r>
-              <a:rPr lang="en-US" dirty="0" smtClean="0"/>
-              <a:t>VCFS is a genetic syndrome, due to deletion of 30 to 40 genes in the middle of chromosome 22</a:t>
-            </a:r>
-          </a:p>
-          <a:p>
+              <a:t> we discuss more details of our disorders and feature set to understand it in better details.</a:t>
+            </a:r>
             <a:endParaRPr lang="en-US" dirty="0"/>
           </a:p>
         </p:txBody>
@@ -12630,7 +12695,7 @@
           <a:p>
             <a:fld id="{C220B63F-0DB6-F544-9D46-9E6ABDFE1291}" type="slidenum">
               <a:rPr lang="en-US" smtClean="0"/>
-              <a:t>6</a:t>
+              <a:t>5</a:t>
             </a:fld>
             <a:endParaRPr lang="en-US"/>
           </a:p>
@@ -12639,7 +12704,7 @@
     </p:spTree>
     <p:extLst>
       <p:ext uri="{BB962C8B-B14F-4D97-AF65-F5344CB8AC3E}">
-        <p14:creationId xmlns:p14="http://schemas.microsoft.com/office/powerpoint/2010/main" val="1620130439"/>
+        <p14:creationId xmlns:p14="http://schemas.microsoft.com/office/powerpoint/2010/main" val="499681544"/>
       </p:ext>
     </p:extLst>
   </p:cSld>
@@ -12695,20 +12760,32 @@
           <a:p>
             <a:r>
               <a:rPr lang="en-US" dirty="0" smtClean="0"/>
-              <a:t>VCFS</a:t>
+              <a:t>Both ASD and ADHD are more common in males than females 4.5 times more</a:t>
+            </a:r>
+          </a:p>
+          <a:p>
+            <a:r>
+              <a:rPr lang="en-US" dirty="0" smtClean="0"/>
+              <a:t>The </a:t>
             </a:r>
             <a:r>
               <a:rPr lang="en-US" baseline="0" dirty="0" smtClean="0"/>
-              <a:t> co-occurs with disorders like Schizophrenia, ASD. VCFS leads to Schizophrenia research shows that 15-20% VCFS meets criteria for ASD</a:t>
-            </a:r>
-          </a:p>
-          <a:p>
-            <a:endParaRPr lang="en-US" baseline="0" dirty="0" smtClean="0"/>
-          </a:p>
-          <a:p>
+              <a:t>genetic causes for ASD and ADHD are not known, it could be due to </a:t>
+            </a:r>
+            <a:r>
+              <a:rPr lang="en-US" baseline="0" smtClean="0"/>
+              <a:t>various environmental </a:t>
+            </a:r>
             <a:r>
               <a:rPr lang="en-US" baseline="0" dirty="0" smtClean="0"/>
-              <a:t>In 2013, the APA declared that these two disorders can co-occur. ASD and ADHD are also comorbid disorders whose relations are not known.</a:t>
+              <a:t>factors</a:t>
+            </a:r>
+            <a:endParaRPr lang="en-US" dirty="0" smtClean="0"/>
+          </a:p>
+          <a:p>
+            <a:r>
+              <a:rPr lang="en-US" dirty="0" smtClean="0"/>
+              <a:t>VCFS is a genetic syndrome, due to deletion of 30 to 40 genes in the middle of chromosome 22</a:t>
             </a:r>
           </a:p>
           <a:p>
@@ -12733,7 +12810,7 @@
           <a:p>
             <a:fld id="{C220B63F-0DB6-F544-9D46-9E6ABDFE1291}" type="slidenum">
               <a:rPr lang="en-US" smtClean="0"/>
-              <a:t>7</a:t>
+              <a:t>6</a:t>
             </a:fld>
             <a:endParaRPr lang="en-US"/>
           </a:p>
@@ -12742,7 +12819,7 @@
     </p:spTree>
     <p:extLst>
       <p:ext uri="{BB962C8B-B14F-4D97-AF65-F5344CB8AC3E}">
-        <p14:creationId xmlns:p14="http://schemas.microsoft.com/office/powerpoint/2010/main" val="1388047519"/>
+        <p14:creationId xmlns:p14="http://schemas.microsoft.com/office/powerpoint/2010/main" val="1620130439"/>
       </p:ext>
     </p:extLst>
   </p:cSld>
@@ -12798,81 +12875,21 @@
           <a:p>
             <a:r>
               <a:rPr lang="en-US" dirty="0" smtClean="0"/>
-              <a:t>Th</a:t>
+              <a:t>VCFS</a:t>
             </a:r>
             <a:r>
               <a:rPr lang="en-US" baseline="0" dirty="0" smtClean="0"/>
-              <a:t>e mean value is 100 for IQ measures</a:t>
-            </a:r>
-            <a:endParaRPr lang="en-US" dirty="0" smtClean="0"/>
-          </a:p>
-          <a:p>
-            <a:r>
-              <a:rPr lang="en-US" dirty="0" smtClean="0"/>
-              <a:t>2 indicates high severity. It meets the DSM-IV criteria. </a:t>
-            </a:r>
-          </a:p>
-          <a:p>
-            <a:endParaRPr lang="en-US" dirty="0" smtClean="0"/>
-          </a:p>
-          <a:p>
-            <a:endParaRPr lang="en-US" dirty="0" smtClean="0"/>
-          </a:p>
-          <a:p>
-            <a:r>
-              <a:rPr lang="en-US" dirty="0" smtClean="0"/>
-              <a:t>. BASC has also shown that children diagnosed with </a:t>
-            </a:r>
-            <a:r>
-              <a:rPr lang="en-US" b="1" dirty="0" smtClean="0"/>
-              <a:t>ADHD</a:t>
-            </a:r>
-            <a:r>
-              <a:rPr lang="en-US" dirty="0" smtClean="0"/>
-              <a:t> are rated </a:t>
-            </a:r>
-            <a:r>
-              <a:rPr lang="en-US" b="1" dirty="0" smtClean="0"/>
-              <a:t>lower on adaptive skills </a:t>
-            </a:r>
-            <a:r>
-              <a:rPr lang="en-US" dirty="0" smtClean="0"/>
-              <a:t>when compared to children with no diagnosis[38]. However, when trying to diagnose children with </a:t>
-            </a:r>
-            <a:r>
-              <a:rPr lang="en-US" b="1" dirty="0" smtClean="0"/>
-              <a:t>ASD, atypical behavior, attention and adaptive functions were complicated</a:t>
-            </a:r>
-            <a:r>
-              <a:rPr lang="en-US" dirty="0" smtClean="0"/>
-              <a:t>. It was also observed that the parent-rated </a:t>
-            </a:r>
-            <a:r>
-              <a:rPr lang="en-US" b="1" dirty="0" smtClean="0"/>
-              <a:t>social withdrawal was higher </a:t>
-            </a:r>
-            <a:r>
-              <a:rPr lang="en-US" dirty="0" smtClean="0"/>
-              <a:t>for children with ASD[39].</a:t>
-            </a:r>
-          </a:p>
-          <a:p>
-            <a:r>
-              <a:rPr lang="en-US" dirty="0" smtClean="0"/>
-              <a:t>BASC mean is 50 and 70 and above is considered critical</a:t>
-            </a:r>
-          </a:p>
-          <a:p>
-            <a:endParaRPr lang="en-US" dirty="0" smtClean="0"/>
-          </a:p>
-          <a:p>
-            <a:r>
-              <a:rPr lang="en-US" dirty="0" smtClean="0"/>
-              <a:t>Vine mean is 100</a:t>
-            </a:r>
-          </a:p>
-          <a:p>
-            <a:endParaRPr lang="en-US" dirty="0" smtClean="0"/>
+              <a:t> co-occurs with disorders like Schizophrenia, ASD. VCFS leads to Schizophrenia research shows that 15-20% VCFS meets criteria for ASD</a:t>
+            </a:r>
+          </a:p>
+          <a:p>
+            <a:endParaRPr lang="en-US" baseline="0" dirty="0" smtClean="0"/>
+          </a:p>
+          <a:p>
+            <a:r>
+              <a:rPr lang="en-US" baseline="0" dirty="0" smtClean="0"/>
+              <a:t>In 2013, the APA declared that these two disorders can co-occur. ASD and ADHD are also comorbid disorders whose relations are not known.</a:t>
+            </a:r>
           </a:p>
           <a:p>
             <a:endParaRPr lang="en-US" dirty="0"/>
@@ -12896,7 +12913,7 @@
           <a:p>
             <a:fld id="{C220B63F-0DB6-F544-9D46-9E6ABDFE1291}" type="slidenum">
               <a:rPr lang="en-US" smtClean="0"/>
-              <a:t>8</a:t>
+              <a:t>7</a:t>
             </a:fld>
             <a:endParaRPr lang="en-US"/>
           </a:p>
@@ -12905,7 +12922,7 @@
     </p:spTree>
     <p:extLst>
       <p:ext uri="{BB962C8B-B14F-4D97-AF65-F5344CB8AC3E}">
-        <p14:creationId xmlns:p14="http://schemas.microsoft.com/office/powerpoint/2010/main" val="421026185"/>
+        <p14:creationId xmlns:p14="http://schemas.microsoft.com/office/powerpoint/2010/main" val="1388047519"/>
       </p:ext>
     </p:extLst>
   </p:cSld>
@@ -12961,29 +12978,83 @@
           <a:p>
             <a:r>
               <a:rPr lang="en-US" dirty="0" smtClean="0"/>
-              <a:t>The application of machine learning to this field of clinical psychology has</a:t>
+              <a:t>Th</a:t>
             </a:r>
             <a:r>
               <a:rPr lang="en-US" baseline="0" dirty="0" smtClean="0"/>
-              <a:t> been done in the past 5 years.</a:t>
-            </a:r>
+              <a:t>e mean value is 100 for IQ measures</a:t>
+            </a:r>
+            <a:endParaRPr lang="en-US" dirty="0" smtClean="0"/>
+          </a:p>
+          <a:p>
             <a:r>
               <a:rPr lang="en-US" dirty="0" smtClean="0"/>
-              <a:t>  Researcher trained models based on the emotional status of autistic children. Children were shown</a:t>
-            </a:r>
-            <a:r>
-              <a:rPr lang="en-US" baseline="0" dirty="0" smtClean="0"/>
-              <a:t> pictures of various emotions and the reaction time of each child was noted. These reactions of the children were analyzed. For this they used these machine learning techniques.</a:t>
-            </a:r>
-          </a:p>
-          <a:p>
-            <a:endParaRPr lang="en-US" baseline="0" dirty="0" smtClean="0"/>
-          </a:p>
-          <a:p>
-            <a:r>
-              <a:rPr lang="en-US" baseline="0" dirty="0" smtClean="0"/>
-              <a:t>Our research delays with more features, the underlying features examined here are communication, attention and eye contact</a:t>
-            </a:r>
+              <a:t>2 indicates high severity. It meets the DSM-IV criteria. </a:t>
+            </a:r>
+          </a:p>
+          <a:p>
+            <a:endParaRPr lang="en-US" dirty="0" smtClean="0"/>
+          </a:p>
+          <a:p>
+            <a:endParaRPr lang="en-US" dirty="0" smtClean="0"/>
+          </a:p>
+          <a:p>
+            <a:r>
+              <a:rPr lang="en-US" dirty="0" smtClean="0"/>
+              <a:t>. BASC has also shown that children diagnosed with </a:t>
+            </a:r>
+            <a:r>
+              <a:rPr lang="en-US" b="1" dirty="0" smtClean="0"/>
+              <a:t>ADHD</a:t>
+            </a:r>
+            <a:r>
+              <a:rPr lang="en-US" dirty="0" smtClean="0"/>
+              <a:t> are rated </a:t>
+            </a:r>
+            <a:r>
+              <a:rPr lang="en-US" b="1" dirty="0" smtClean="0"/>
+              <a:t>lower on adaptive skills </a:t>
+            </a:r>
+            <a:r>
+              <a:rPr lang="en-US" dirty="0" smtClean="0"/>
+              <a:t>when compared to children with no diagnosis[38]. However, when trying to diagnose children with </a:t>
+            </a:r>
+            <a:r>
+              <a:rPr lang="en-US" b="1" dirty="0" smtClean="0"/>
+              <a:t>ASD, atypical behavior, attention and adaptive functions were complicated</a:t>
+            </a:r>
+            <a:r>
+              <a:rPr lang="en-US" dirty="0" smtClean="0"/>
+              <a:t>. It was also observed that the parent-rated </a:t>
+            </a:r>
+            <a:r>
+              <a:rPr lang="en-US" b="1" dirty="0" smtClean="0"/>
+              <a:t>social withdrawal was higher </a:t>
+            </a:r>
+            <a:r>
+              <a:rPr lang="en-US" dirty="0" smtClean="0"/>
+              <a:t>for children with ASD[39].</a:t>
+            </a:r>
+          </a:p>
+          <a:p>
+            <a:r>
+              <a:rPr lang="en-US" dirty="0" smtClean="0"/>
+              <a:t>BASC mean is 50 and 70 and above is considered critical</a:t>
+            </a:r>
+          </a:p>
+          <a:p>
+            <a:endParaRPr lang="en-US" dirty="0" smtClean="0"/>
+          </a:p>
+          <a:p>
+            <a:r>
+              <a:rPr lang="en-US" dirty="0" smtClean="0"/>
+              <a:t>Vine mean is 100</a:t>
+            </a:r>
+          </a:p>
+          <a:p>
+            <a:endParaRPr lang="en-US" dirty="0" smtClean="0"/>
+          </a:p>
+          <a:p>
             <a:endParaRPr lang="en-US" dirty="0"/>
           </a:p>
         </p:txBody>
@@ -13005,7 +13076,7 @@
           <a:p>
             <a:fld id="{C220B63F-0DB6-F544-9D46-9E6ABDFE1291}" type="slidenum">
               <a:rPr lang="en-US" smtClean="0"/>
-              <a:t>9</a:t>
+              <a:t>8</a:t>
             </a:fld>
             <a:endParaRPr lang="en-US"/>
           </a:p>
@@ -13014,7 +13085,7 @@
     </p:spTree>
     <p:extLst>
       <p:ext uri="{BB962C8B-B14F-4D97-AF65-F5344CB8AC3E}">
-        <p14:creationId xmlns:p14="http://schemas.microsoft.com/office/powerpoint/2010/main" val="552665958"/>
+        <p14:creationId xmlns:p14="http://schemas.microsoft.com/office/powerpoint/2010/main" val="421026185"/>
       </p:ext>
     </p:extLst>
   </p:cSld>
@@ -13070,11 +13141,19 @@
           <a:p>
             <a:r>
               <a:rPr lang="en-US" dirty="0" smtClean="0"/>
-              <a:t>These are the state of the art models and along with this researcher</a:t>
+              <a:t>The application of machine learning to this field of clinical psychology has</a:t>
             </a:r>
             <a:r>
               <a:rPr lang="en-US" baseline="0" dirty="0" smtClean="0"/>
-              <a:t> found that there is a pattern in brain that identifies these disorders</a:t>
+              <a:t> been done in the past 5 years.</a:t>
+            </a:r>
+            <a:r>
+              <a:rPr lang="en-US" dirty="0" smtClean="0"/>
+              <a:t>  Researcher trained models based on the emotional status of autistic children. Children were shown</a:t>
+            </a:r>
+            <a:r>
+              <a:rPr lang="en-US" baseline="0" dirty="0" smtClean="0"/>
+              <a:t> pictures of various emotions and the reaction time of each child was noted. These reactions of the children were analyzed. For this they used these machine learning techniques.</a:t>
             </a:r>
           </a:p>
           <a:p>
@@ -13083,7 +13162,7 @@
           <a:p>
             <a:r>
               <a:rPr lang="en-US" baseline="0" dirty="0" smtClean="0"/>
-              <a:t>fMRI’s are not always available</a:t>
+              <a:t>Our research delays with more features, the underlying features examined here are communication, attention and eye contact</a:t>
             </a:r>
             <a:endParaRPr lang="en-US" dirty="0"/>
           </a:p>
@@ -13106,7 +13185,7 @@
           <a:p>
             <a:fld id="{C220B63F-0DB6-F544-9D46-9E6ABDFE1291}" type="slidenum">
               <a:rPr lang="en-US" smtClean="0"/>
-              <a:t>10</a:t>
+              <a:t>9</a:t>
             </a:fld>
             <a:endParaRPr lang="en-US"/>
           </a:p>
@@ -13115,7 +13194,7 @@
     </p:spTree>
     <p:extLst>
       <p:ext uri="{BB962C8B-B14F-4D97-AF65-F5344CB8AC3E}">
-        <p14:creationId xmlns:p14="http://schemas.microsoft.com/office/powerpoint/2010/main" val="661106830"/>
+        <p14:creationId xmlns:p14="http://schemas.microsoft.com/office/powerpoint/2010/main" val="552665958"/>
       </p:ext>
     </p:extLst>
   </p:cSld>
@@ -13319,7 +13398,7 @@
           <a:p>
             <a:fld id="{DDDEB4F3-38D8-4E4A-9C75-24A8216900DE}" type="datetime1">
               <a:rPr lang="en-US" smtClean="0"/>
-              <a:t>4/29/18</a:t>
+              <a:t>4/30/18</a:t>
             </a:fld>
             <a:endParaRPr lang="en-US"/>
           </a:p>
@@ -13494,7 +13573,7 @@
           <a:p>
             <a:fld id="{544A138B-D4EF-5044-B5EF-F2ECE0C17CD4}" type="datetime1">
               <a:rPr lang="en-US" smtClean="0"/>
-              <a:t>4/29/18</a:t>
+              <a:t>4/30/18</a:t>
             </a:fld>
             <a:endParaRPr lang="en-US"/>
           </a:p>
@@ -13715,7 +13794,7 @@
           <a:p>
             <a:fld id="{2B27D5DF-D01A-5B4F-AA01-5071781A49CC}" type="datetime1">
               <a:rPr lang="en-US" smtClean="0"/>
-              <a:t>4/29/18</a:t>
+              <a:t>4/30/18</a:t>
             </a:fld>
             <a:endParaRPr lang="en-US"/>
           </a:p>
@@ -13931,7 +14010,7 @@
           <a:p>
             <a:fld id="{6A08D3EC-8C59-3140-91E2-E65EB8AAC7B5}" type="datetime1">
               <a:rPr lang="en-US" smtClean="0"/>
-              <a:t>4/29/18</a:t>
+              <a:t>4/30/18</a:t>
             </a:fld>
             <a:endParaRPr lang="en-US"/>
           </a:p>
@@ -14226,7 +14305,7 @@
           <a:p>
             <a:fld id="{22CCCBEC-CFC2-254F-8DA1-C0BBF717E117}" type="datetime1">
               <a:rPr lang="en-US" smtClean="0"/>
-              <a:t>4/29/18</a:t>
+              <a:t>4/30/18</a:t>
             </a:fld>
             <a:endParaRPr lang="en-US"/>
           </a:p>
@@ -14560,7 +14639,7 @@
           <a:p>
             <a:fld id="{7BC2C13D-C90D-904C-AEE9-2B0A4472C813}" type="datetime1">
               <a:rPr lang="en-US" smtClean="0"/>
-              <a:t>4/29/18</a:t>
+              <a:t>4/30/18</a:t>
             </a:fld>
             <a:endParaRPr lang="en-US"/>
           </a:p>
@@ -15052,7 +15131,7 @@
           <a:p>
             <a:fld id="{1C201673-B928-AD4C-A3BE-143313633889}" type="datetime1">
               <a:rPr lang="en-US" smtClean="0"/>
-              <a:t>4/29/18</a:t>
+              <a:t>4/30/18</a:t>
             </a:fld>
             <a:endParaRPr lang="en-US"/>
           </a:p>
@@ -15211,7 +15290,7 @@
           <a:p>
             <a:fld id="{04F23A31-AB53-194E-A899-E11C275599AA}" type="datetime1">
               <a:rPr lang="en-US" smtClean="0"/>
-              <a:t>4/29/18</a:t>
+              <a:t>4/30/18</a:t>
             </a:fld>
             <a:endParaRPr lang="en-US"/>
           </a:p>
@@ -15347,7 +15426,7 @@
           <a:p>
             <a:fld id="{8B267B01-E83A-7E40-9A68-8516A8FC219A}" type="datetime1">
               <a:rPr lang="en-US" smtClean="0"/>
-              <a:t>4/29/18</a:t>
+              <a:t>4/30/18</a:t>
             </a:fld>
             <a:endParaRPr lang="en-US"/>
           </a:p>
@@ -15675,7 +15754,7 @@
           <a:p>
             <a:fld id="{78297C0B-DFC8-CC40-AD1A-A63A597DE6F9}" type="datetime1">
               <a:rPr lang="en-US" smtClean="0"/>
-              <a:t>4/29/18</a:t>
+              <a:t>4/30/18</a:t>
             </a:fld>
             <a:endParaRPr lang="en-US"/>
           </a:p>
@@ -15990,7 +16069,7 @@
           <a:p>
             <a:fld id="{895ECFCD-B1CA-C349-AF79-DCDF6E352D11}" type="datetime1">
               <a:rPr lang="en-US" smtClean="0"/>
-              <a:t>4/29/18</a:t>
+              <a:t>4/30/18</a:t>
             </a:fld>
             <a:endParaRPr lang="en-US"/>
           </a:p>
@@ -16242,7 +16321,7 @@
           <a:p>
             <a:fld id="{4DF29FB5-C32A-BF4C-A723-9BC4E615C168}" type="datetime1">
               <a:rPr lang="en-US" smtClean="0"/>
-              <a:t>4/29/18</a:t>
+              <a:t>4/30/18</a:t>
             </a:fld>
             <a:endParaRPr lang="en-US"/>
           </a:p>
@@ -17450,6 +17529,16 @@
           <a:prstGeom prst="rect">
             <a:avLst/>
           </a:prstGeom>
+          <a:ln>
+            <a:noFill/>
+          </a:ln>
+          <a:effectLst>
+            <a:outerShdw blurRad="190500" algn="tl" rotWithShape="0">
+              <a:srgbClr val="000000">
+                <a:alpha val="70000"/>
+              </a:srgbClr>
+            </a:outerShdw>
+          </a:effectLst>
         </p:spPr>
       </p:pic>
       <p:sp>
@@ -17547,7 +17636,7 @@
           </p:cNvPicPr>
           <p:nvPr/>
         </p:nvPicPr>
-        <p:blipFill>
+        <p:blipFill rotWithShape="1">
           <a:blip r:embed="rId4">
             <a:extLst>
               <a:ext uri="{28A0092B-C50C-407E-A947-70E740481C1C}">
@@ -17555,18 +17644,27 @@
               </a:ext>
             </a:extLst>
           </a:blip>
-          <a:stretch>
-            <a:fillRect/>
-          </a:stretch>
+          <a:srcRect l="2587" t="7239" r="2001" b="5935"/>
+          <a:stretch/>
         </p:blipFill>
         <p:spPr>
           <a:xfrm>
-            <a:off x="7175500" y="1691322"/>
-            <a:ext cx="3660702" cy="1899097"/>
+            <a:off x="7270230" y="1828801"/>
+            <a:ext cx="3492708" cy="1648918"/>
           </a:xfrm>
           <a:prstGeom prst="rect">
             <a:avLst/>
           </a:prstGeom>
+          <a:ln>
+            <a:noFill/>
+          </a:ln>
+          <a:effectLst>
+            <a:outerShdw blurRad="190500" algn="tl" rotWithShape="0">
+              <a:srgbClr val="000000">
+                <a:alpha val="70000"/>
+              </a:srgbClr>
+            </a:outerShdw>
+          </a:effectLst>
         </p:spPr>
       </p:pic>
       <p:sp>
@@ -18375,6 +18473,16 @@
           <a:prstGeom prst="rect">
             <a:avLst/>
           </a:prstGeom>
+          <a:ln>
+            <a:noFill/>
+          </a:ln>
+          <a:effectLst>
+            <a:outerShdw blurRad="190500" algn="tl" rotWithShape="0">
+              <a:srgbClr val="000000">
+                <a:alpha val="70000"/>
+              </a:srgbClr>
+            </a:outerShdw>
+          </a:effectLst>
         </p:spPr>
       </p:pic>
       <p:sp>
@@ -19114,7 +19222,12 @@
             <p:ph type="title"/>
           </p:nvPr>
         </p:nvSpPr>
-        <p:spPr/>
+        <p:spPr>
+          <a:xfrm>
+            <a:off x="1261872" y="294198"/>
+            <a:ext cx="9650967" cy="860045"/>
+          </a:xfrm>
+        </p:spPr>
         <p:txBody>
           <a:bodyPr/>
           <a:lstStyle/>
@@ -19137,7 +19250,12 @@
             <p:ph sz="half" idx="1"/>
           </p:nvPr>
         </p:nvSpPr>
-        <p:spPr/>
+        <p:spPr>
+          <a:xfrm>
+            <a:off x="1261872" y="1379096"/>
+            <a:ext cx="4265994" cy="4801042"/>
+          </a:xfrm>
+        </p:spPr>
         <p:txBody>
           <a:bodyPr/>
           <a:lstStyle/>
@@ -19150,7 +19268,11 @@
           <a:p>
             <a:r>
               <a:rPr lang="en-US" dirty="0" smtClean="0"/>
-              <a:t>Accuracy of J48 is 90%</a:t>
+              <a:t>Accuracy of J48 is </a:t>
+            </a:r>
+            <a:r>
+              <a:rPr lang="en-US" dirty="0" smtClean="0"/>
+              <a:t>90%</a:t>
             </a:r>
           </a:p>
           <a:p>
@@ -19174,7 +19296,12 @@
             <p:ph sz="half" idx="2"/>
           </p:nvPr>
         </p:nvSpPr>
-        <p:spPr/>
+        <p:spPr>
+          <a:xfrm>
+            <a:off x="6126479" y="1379096"/>
+            <a:ext cx="4561507" cy="4801041"/>
+          </a:xfrm>
+        </p:spPr>
         <p:txBody>
           <a:bodyPr/>
           <a:lstStyle/>
@@ -19195,19 +19322,18 @@
             </a:r>
             <a:r>
               <a:rPr lang="en-US" dirty="0" smtClean="0"/>
-              <a:t>J48 is 78%</a:t>
-            </a:r>
-          </a:p>
-          <a:p>
-            <a:r>
-              <a:rPr lang="en-US" dirty="0"/>
-              <a:t>Accuracy of Random Forest is </a:t>
+              <a:t>J48 is </a:t>
             </a:r>
             <a:r>
               <a:rPr lang="en-US" dirty="0" smtClean="0"/>
-              <a:t>87%</a:t>
-            </a:r>
-            <a:endParaRPr lang="en-US" dirty="0"/>
+              <a:t>78%</a:t>
+            </a:r>
+          </a:p>
+          <a:p>
+            <a:r>
+              <a:rPr lang="en-US" dirty="0" smtClean="0"/>
+              <a:t>Accuracy of Random Forest is 87%</a:t>
+            </a:r>
           </a:p>
           <a:p>
             <a:endParaRPr lang="en-US" dirty="0"/>
@@ -19244,7 +19370,7 @@
       </p:sp>
       <p:pic>
         <p:nvPicPr>
-          <p:cNvPr id="5" name="Picture 4"/>
+          <p:cNvPr id="10" name="Picture 9"/>
           <p:cNvPicPr>
             <a:picLocks noChangeAspect="1"/>
           </p:cNvPicPr>
@@ -19264,17 +19390,27 @@
         </p:blipFill>
         <p:spPr>
           <a:xfrm>
-            <a:off x="6046070" y="3446462"/>
-            <a:ext cx="4991100" cy="3022600"/>
+            <a:off x="1042716" y="3043003"/>
+            <a:ext cx="4358624" cy="3814997"/>
           </a:xfrm>
           <a:prstGeom prst="rect">
             <a:avLst/>
           </a:prstGeom>
+          <a:ln>
+            <a:noFill/>
+          </a:ln>
+          <a:effectLst>
+            <a:outerShdw blurRad="190500" algn="tl" rotWithShape="0">
+              <a:srgbClr val="000000">
+                <a:alpha val="70000"/>
+              </a:srgbClr>
+            </a:outerShdw>
+          </a:effectLst>
         </p:spPr>
       </p:pic>
       <p:pic>
         <p:nvPicPr>
-          <p:cNvPr id="6" name="Picture 5"/>
+          <p:cNvPr id="11" name="Picture 10"/>
           <p:cNvPicPr>
             <a:picLocks noChangeAspect="1"/>
           </p:cNvPicPr>
@@ -19294,12 +19430,22 @@
         </p:blipFill>
         <p:spPr>
           <a:xfrm>
-            <a:off x="822664" y="3260596"/>
-            <a:ext cx="4618016" cy="3505329"/>
+            <a:off x="5999952" y="2833142"/>
+            <a:ext cx="4982085" cy="3346996"/>
           </a:xfrm>
           <a:prstGeom prst="rect">
             <a:avLst/>
           </a:prstGeom>
+          <a:ln>
+            <a:noFill/>
+          </a:ln>
+          <a:effectLst>
+            <a:outerShdw blurRad="190500" algn="tl" rotWithShape="0">
+              <a:srgbClr val="000000">
+                <a:alpha val="70000"/>
+              </a:srgbClr>
+            </a:outerShdw>
+          </a:effectLst>
         </p:spPr>
       </p:pic>
     </p:spTree>
@@ -19562,17 +19708,12 @@
             </a:pPr>
             <a:r>
               <a:rPr lang="en-US" dirty="0"/>
-              <a:t>Repetitive use of objects or interest in parts of </a:t>
-            </a:r>
-            <a:r>
-              <a:rPr lang="en-US" dirty="0"/>
-              <a:t>objects (ADI-R</a:t>
+              <a:t>Repetitive use of objects or interest in parts of objects (ADI-R</a:t>
             </a:r>
             <a:r>
               <a:rPr lang="en-US" dirty="0" smtClean="0"/>
               <a:t>)</a:t>
             </a:r>
-            <a:endParaRPr lang="en-US" dirty="0" smtClean="0"/>
           </a:p>
           <a:p>
             <a:pPr lvl="1">
@@ -19595,7 +19736,6 @@
               <a:rPr lang="en-US" dirty="0" smtClean="0"/>
               <a:t>)</a:t>
             </a:r>
-            <a:endParaRPr lang="en-US" dirty="0" smtClean="0"/>
           </a:p>
           <a:p>
             <a:pPr lvl="1">
@@ -20637,11 +20777,7 @@
             </a:r>
             <a:r>
               <a:rPr lang="en-US" dirty="0"/>
-              <a:t>questions or statements </a:t>
-            </a:r>
-            <a:r>
-              <a:rPr lang="en-US" dirty="0"/>
-              <a:t>(ADI-R</a:t>
+              <a:t>questions or statements (ADI-R</a:t>
             </a:r>
             <a:r>
               <a:rPr lang="en-US" dirty="0" smtClean="0"/>
@@ -20685,7 +20821,6 @@
               <a:rPr lang="en-US" dirty="0" smtClean="0"/>
               <a:t>)</a:t>
             </a:r>
-            <a:endParaRPr lang="en-US" dirty="0" smtClean="0"/>
           </a:p>
           <a:p>
             <a:pPr>
@@ -21157,7 +21292,12 @@
             <p:ph type="title"/>
           </p:nvPr>
         </p:nvSpPr>
-        <p:spPr/>
+        <p:spPr>
+          <a:xfrm>
+            <a:off x="1261872" y="294198"/>
+            <a:ext cx="9482607" cy="1069907"/>
+          </a:xfrm>
+        </p:spPr>
         <p:txBody>
           <a:bodyPr/>
           <a:lstStyle/>
@@ -21197,7 +21337,7 @@
       </p:sp>
       <p:pic>
         <p:nvPicPr>
-          <p:cNvPr id="6" name="Picture 5"/>
+          <p:cNvPr id="4" name="Picture 3"/>
           <p:cNvPicPr>
             <a:picLocks noChangeAspect="1"/>
           </p:cNvPicPr>
@@ -21217,17 +21357,27 @@
         </p:blipFill>
         <p:spPr>
           <a:xfrm>
-            <a:off x="598801" y="2101527"/>
-            <a:ext cx="5350412" cy="2721490"/>
+            <a:off x="981164" y="1691323"/>
+            <a:ext cx="4695604" cy="5031026"/>
           </a:xfrm>
           <a:prstGeom prst="rect">
             <a:avLst/>
           </a:prstGeom>
+          <a:ln>
+            <a:noFill/>
+          </a:ln>
+          <a:effectLst>
+            <a:outerShdw blurRad="190500" algn="tl" rotWithShape="0">
+              <a:srgbClr val="000000">
+                <a:alpha val="70000"/>
+              </a:srgbClr>
+            </a:outerShdw>
+          </a:effectLst>
         </p:spPr>
       </p:pic>
       <p:pic>
         <p:nvPicPr>
-          <p:cNvPr id="9" name="Picture 8"/>
+          <p:cNvPr id="7" name="Picture 6"/>
           <p:cNvPicPr>
             <a:picLocks noChangeAspect="1"/>
           </p:cNvPicPr>
@@ -21247,12 +21397,22 @@
         </p:blipFill>
         <p:spPr>
           <a:xfrm>
-            <a:off x="6108192" y="2277592"/>
-            <a:ext cx="4935204" cy="2369360"/>
+            <a:off x="5886800" y="1976135"/>
+            <a:ext cx="4857679" cy="3000600"/>
           </a:xfrm>
           <a:prstGeom prst="rect">
             <a:avLst/>
           </a:prstGeom>
+          <a:ln>
+            <a:noFill/>
+          </a:ln>
+          <a:effectLst>
+            <a:outerShdw blurRad="190500" algn="tl" rotWithShape="0">
+              <a:srgbClr val="000000">
+                <a:alpha val="70000"/>
+              </a:srgbClr>
+            </a:outerShdw>
+          </a:effectLst>
         </p:spPr>
       </p:pic>
     </p:spTree>
@@ -22428,7 +22588,7 @@
         <p:spPr>
           <a:xfrm>
             <a:off x="1261872" y="294198"/>
-            <a:ext cx="9533128" cy="1140902"/>
+            <a:ext cx="9156292" cy="964976"/>
           </a:xfrm>
         </p:spPr>
         <p:txBody>
@@ -22474,7 +22634,7 @@
       </p:sp>
       <p:pic>
         <p:nvPicPr>
-          <p:cNvPr id="5" name="Picture 4"/>
+          <p:cNvPr id="4" name="Picture 3"/>
           <p:cNvPicPr>
             <a:picLocks noChangeAspect="1"/>
           </p:cNvPicPr>
@@ -22494,12 +22654,16 @@
         </p:blipFill>
         <p:spPr>
           <a:xfrm>
-            <a:off x="1642534" y="1886108"/>
-            <a:ext cx="7485888" cy="4236720"/>
+            <a:off x="2129367" y="1381125"/>
+            <a:ext cx="7269480" cy="5384800"/>
           </a:xfrm>
           <a:prstGeom prst="rect">
             <a:avLst/>
           </a:prstGeom>
+          <a:ln>
+            <a:noFill/>
+          </a:ln>
+          <a:effectLst/>
         </p:spPr>
       </p:pic>
     </p:spTree>
@@ -22612,11 +22776,31 @@
             </a:r>
             <a:r>
               <a:rPr lang="en-US" dirty="0" smtClean="0"/>
-              <a:t>Disorder’, ‘Attention-Deficit/Hyperactivity Disorder’, ‘Deletion </a:t>
+              <a:t>Disorder(ASD)’, </a:t>
+            </a:r>
+            <a:r>
+              <a:rPr lang="en-US" dirty="0" smtClean="0"/>
+              <a:t>‘Attention-Deficit/Hyperactivity </a:t>
+            </a:r>
+            <a:r>
+              <a:rPr lang="en-US" dirty="0" smtClean="0"/>
+              <a:t>Disorder(ADHD)’, </a:t>
+            </a:r>
+            <a:r>
+              <a:rPr lang="en-US" dirty="0" smtClean="0"/>
+              <a:t>‘Deletion </a:t>
             </a:r>
             <a:r>
               <a:rPr lang="en-US" dirty="0"/>
-              <a:t>syndrome (22q</a:t>
+              <a:t>syndrome </a:t>
+            </a:r>
+            <a:r>
+              <a:rPr lang="en-US" dirty="0" smtClean="0"/>
+              <a:t>(</a:t>
+            </a:r>
+            <a:r>
+              <a:rPr lang="en-US" dirty="0" smtClean="0"/>
+              <a:t>VCFS</a:t>
             </a:r>
             <a:r>
               <a:rPr lang="en-US" dirty="0" smtClean="0"/>
@@ -22722,12 +22906,22 @@
         </p:blipFill>
         <p:spPr>
           <a:xfrm>
-            <a:off x="6108192" y="4916751"/>
+            <a:off x="6729815" y="4946731"/>
             <a:ext cx="4224697" cy="1689879"/>
           </a:xfrm>
           <a:prstGeom prst="rect">
             <a:avLst/>
           </a:prstGeom>
+          <a:ln>
+            <a:noFill/>
+          </a:ln>
+          <a:effectLst>
+            <a:outerShdw blurRad="190500" algn="tl" rotWithShape="0">
+              <a:srgbClr val="000000">
+                <a:alpha val="70000"/>
+              </a:srgbClr>
+            </a:outerShdw>
+          </a:effectLst>
         </p:spPr>
       </p:pic>
     </p:spTree>
@@ -23285,7 +23479,7 @@
         <p:spPr>
           <a:xfrm>
             <a:off x="1261872" y="294198"/>
-            <a:ext cx="9545828" cy="1140902"/>
+            <a:ext cx="9186272" cy="864804"/>
           </a:xfrm>
         </p:spPr>
         <p:txBody>
@@ -23327,7 +23521,7 @@
       </p:sp>
       <p:pic>
         <p:nvPicPr>
-          <p:cNvPr id="5" name="Picture 4"/>
+          <p:cNvPr id="4" name="Picture 3"/>
           <p:cNvPicPr>
             <a:picLocks noChangeAspect="1"/>
           </p:cNvPicPr>
@@ -23347,8 +23541,8 @@
         </p:blipFill>
         <p:spPr>
           <a:xfrm>
-            <a:off x="2108200" y="1828800"/>
-            <a:ext cx="6425184" cy="4718304"/>
+            <a:off x="2665820" y="1159002"/>
+            <a:ext cx="6957865" cy="5596799"/>
           </a:xfrm>
           <a:prstGeom prst="rect">
             <a:avLst/>
@@ -23917,8 +24111,8 @@
         </p:nvSpPr>
         <p:spPr>
           <a:xfrm>
-            <a:off x="1261872" y="294198"/>
-            <a:ext cx="9507728" cy="1162069"/>
+            <a:off x="1261872" y="294199"/>
+            <a:ext cx="9471085" cy="1026602"/>
           </a:xfrm>
         </p:spPr>
         <p:txBody>
@@ -23960,7 +24154,7 @@
       </p:sp>
       <p:pic>
         <p:nvPicPr>
-          <p:cNvPr id="5" name="Picture 4"/>
+          <p:cNvPr id="4" name="Picture 3"/>
           <p:cNvPicPr>
             <a:picLocks noChangeAspect="1"/>
           </p:cNvPicPr>
@@ -23980,8 +24174,8 @@
         </p:blipFill>
         <p:spPr>
           <a:xfrm>
-            <a:off x="1712976" y="1658112"/>
-            <a:ext cx="7997952" cy="5199888"/>
+            <a:off x="1517545" y="1320800"/>
+            <a:ext cx="9425275" cy="5479227"/>
           </a:xfrm>
           <a:prstGeom prst="rect">
             <a:avLst/>
@@ -24103,19 +24297,7 @@
           <a:p>
             <a:r>
               <a:rPr lang="en-US" dirty="0" smtClean="0"/>
-              <a:t>LASSO and Recursive Feature </a:t>
-            </a:r>
-            <a:r>
-              <a:rPr lang="en-US" dirty="0" smtClean="0"/>
-              <a:t>Elimination </a:t>
-            </a:r>
-            <a:r>
-              <a:rPr lang="en-US" dirty="0" smtClean="0"/>
-              <a:t>algorithms identified suitable </a:t>
-            </a:r>
-            <a:r>
-              <a:rPr lang="en-US" dirty="0" smtClean="0"/>
-              <a:t>features</a:t>
+              <a:t>LASSO and Recursive Feature Elimination algorithms identified suitable features</a:t>
             </a:r>
           </a:p>
           <a:p>
@@ -24150,11 +24332,6 @@
               </a:rPr>
               <a:t>Future Work</a:t>
             </a:r>
-            <a:endParaRPr lang="en-US" sz="2400" b="1" dirty="0" smtClean="0">
-              <a:solidFill>
-                <a:schemeClr val="accent1"/>
-              </a:solidFill>
-            </a:endParaRPr>
           </a:p>
           <a:p>
             <a:r>
@@ -24679,11 +24856,7 @@
             </a:r>
             <a:r>
               <a:rPr lang="en-US" dirty="0" smtClean="0"/>
-              <a:t>in an </a:t>
-            </a:r>
-            <a:r>
-              <a:rPr lang="en-US" dirty="0" smtClean="0"/>
-              <a:t>individual</a:t>
+              <a:t>in an individual</a:t>
             </a:r>
             <a:endParaRPr lang="en-US" dirty="0"/>
           </a:p>
@@ -24700,15 +24873,7 @@
           <a:p>
             <a:r>
               <a:rPr lang="en-US" dirty="0" smtClean="0"/>
-              <a:t>In 2013, </a:t>
-            </a:r>
-            <a:r>
-              <a:rPr lang="en-US" dirty="0" smtClean="0"/>
-              <a:t>American Psychiatric Association </a:t>
-            </a:r>
-            <a:r>
-              <a:rPr lang="en-US" dirty="0" smtClean="0"/>
-              <a:t>stated ASD and ADHD could co-occur</a:t>
+              <a:t>In 2013, American Psychiatric Association stated ASD and ADHD could co-occur</a:t>
             </a:r>
           </a:p>
           <a:p>

--- a/FinalReport.pptx
+++ b/FinalReport.pptx
@@ -3540,25 +3540,25 @@
     </dgm:pt>
   </dgm:ptLst>
   <dgm:cxnLst>
-    <dgm:cxn modelId="{21150617-34EB-0A4B-8DE0-93576BA2EBD4}" srcId="{DD1A1310-29D0-094D-B36E-A6CD51A7BCE2}" destId="{4B16614A-E960-B741-BF58-EC0160460198}" srcOrd="1" destOrd="0" parTransId="{AAD8B47B-726B-1746-B12F-4A144A197B80}" sibTransId="{0AE09414-20CB-9E4D-8719-3A52DA96A77A}"/>
+    <dgm:cxn modelId="{B98AFB7C-6DBF-D541-AC3C-953D4C00EB33}" type="presOf" srcId="{93B35C89-F488-1746-B4F2-C8A1DCAE67C5}" destId="{17ED2286-5416-A145-A33B-335556D82285}" srcOrd="0" destOrd="0" presId="urn:microsoft.com/office/officeart/2005/8/layout/vList6"/>
+    <dgm:cxn modelId="{1ACA3DE9-F3C1-E54F-8197-69A763F679B7}" srcId="{43A37147-BD7F-4644-8711-A63EEA0CDF61}" destId="{EAD5A654-85C8-B64B-92C1-EF4309ACB481}" srcOrd="1" destOrd="0" parTransId="{5AC8F768-C7A9-1143-8736-01750C734D64}" sibTransId="{9DB28C29-6229-0A46-BAF2-E2A4F1C346C5}"/>
+    <dgm:cxn modelId="{C887ED06-6737-1E46-BE17-7EFE691F7E3A}" type="presOf" srcId="{09FF0E5B-EE7F-194E-87C4-DDB91985C5E5}" destId="{200613C9-B96E-7E47-BB0E-FCC049E6406E}" srcOrd="0" destOrd="0" presId="urn:microsoft.com/office/officeart/2005/8/layout/vList6"/>
+    <dgm:cxn modelId="{A23D0ECC-902D-E34F-BBFB-12A2CCCDDEDD}" srcId="{09FF0E5B-EE7F-194E-87C4-DDB91985C5E5}" destId="{12056221-EB0A-4148-B839-6A291051F0C5}" srcOrd="0" destOrd="0" parTransId="{8F0C50B2-0AEF-294D-A3F9-40B190AFE7E2}" sibTransId="{15FF217E-2A5B-9548-B91E-E90DE2596476}"/>
     <dgm:cxn modelId="{65264295-4D44-C649-BF70-72B77B608D04}" type="presOf" srcId="{EAD5A654-85C8-B64B-92C1-EF4309ACB481}" destId="{17ED2286-5416-A145-A33B-335556D82285}" srcOrd="0" destOrd="1" presId="urn:microsoft.com/office/officeart/2005/8/layout/vList6"/>
     <dgm:cxn modelId="{2D1F99A2-17B9-2343-BEA8-66579DA0C25D}" srcId="{4C9018F4-227F-064A-9A29-CD76001F1569}" destId="{43A37147-BD7F-4644-8711-A63EEA0CDF61}" srcOrd="0" destOrd="0" parTransId="{52644693-B14E-374A-B5E6-71DD6C45F503}" sibTransId="{A9847A75-6E7F-AE49-90F1-9EDE9D6B2B4A}"/>
+    <dgm:cxn modelId="{0A97DFDD-DC18-A54E-8B77-34DC2F878F2F}" srcId="{43A37147-BD7F-4644-8711-A63EEA0CDF61}" destId="{93B35C89-F488-1746-B4F2-C8A1DCAE67C5}" srcOrd="0" destOrd="0" parTransId="{4351CFCD-9ECB-5E49-BB98-0237155989AC}" sibTransId="{7AAD3E63-C133-F245-B4FC-0C10EBE80BB1}"/>
+    <dgm:cxn modelId="{329EA2B1-B4EF-0C4A-9BF1-E630ACFBB9F2}" type="presOf" srcId="{12056221-EB0A-4148-B839-6A291051F0C5}" destId="{5A2981FC-BB5F-B542-8DA7-0C010C4F2C5D}" srcOrd="0" destOrd="0" presId="urn:microsoft.com/office/officeart/2005/8/layout/vList6"/>
+    <dgm:cxn modelId="{6FEEB159-2F43-6A4A-A83D-02910E561D68}" type="presOf" srcId="{755751D5-B75F-9B42-90D5-56A0C09B65B5}" destId="{07D25E1A-57A1-F24F-9FCE-901AFE9E4DCD}" srcOrd="0" destOrd="0" presId="urn:microsoft.com/office/officeart/2005/8/layout/vList6"/>
+    <dgm:cxn modelId="{21150617-34EB-0A4B-8DE0-93576BA2EBD4}" srcId="{DD1A1310-29D0-094D-B36E-A6CD51A7BCE2}" destId="{4B16614A-E960-B741-BF58-EC0160460198}" srcOrd="1" destOrd="0" parTransId="{AAD8B47B-726B-1746-B12F-4A144A197B80}" sibTransId="{0AE09414-20CB-9E4D-8719-3A52DA96A77A}"/>
+    <dgm:cxn modelId="{71F6A569-5104-894C-A32F-99E64C5457AC}" srcId="{4C9018F4-227F-064A-9A29-CD76001F1569}" destId="{09FF0E5B-EE7F-194E-87C4-DDB91985C5E5}" srcOrd="2" destOrd="0" parTransId="{656EF84C-D36D-A24A-AAD3-291432DC6CF0}" sibTransId="{0A9B6D96-8107-344E-951C-53E44E065388}"/>
     <dgm:cxn modelId="{1E3B9305-C0F6-4E41-BB4C-149A0C90472A}" type="presOf" srcId="{4C9018F4-227F-064A-9A29-CD76001F1569}" destId="{1B3E1EA8-CDFD-9D4C-BC99-D212CC93A3E6}" srcOrd="0" destOrd="0" presId="urn:microsoft.com/office/officeart/2005/8/layout/vList6"/>
+    <dgm:cxn modelId="{E17735C2-9C91-7448-954A-C8C330739D74}" type="presOf" srcId="{5EF59C74-A0BD-624D-B5FE-5E1643173B65}" destId="{5A2981FC-BB5F-B542-8DA7-0C010C4F2C5D}" srcOrd="0" destOrd="1" presId="urn:microsoft.com/office/officeart/2005/8/layout/vList6"/>
     <dgm:cxn modelId="{4994B263-4798-3C4D-85DE-DE377067E034}" type="presOf" srcId="{4B16614A-E960-B741-BF58-EC0160460198}" destId="{07D25E1A-57A1-F24F-9FCE-901AFE9E4DCD}" srcOrd="0" destOrd="1" presId="urn:microsoft.com/office/officeart/2005/8/layout/vList6"/>
-    <dgm:cxn modelId="{E17735C2-9C91-7448-954A-C8C330739D74}" type="presOf" srcId="{5EF59C74-A0BD-624D-B5FE-5E1643173B65}" destId="{5A2981FC-BB5F-B542-8DA7-0C010C4F2C5D}" srcOrd="0" destOrd="1" presId="urn:microsoft.com/office/officeart/2005/8/layout/vList6"/>
-    <dgm:cxn modelId="{6FEEB159-2F43-6A4A-A83D-02910E561D68}" type="presOf" srcId="{755751D5-B75F-9B42-90D5-56A0C09B65B5}" destId="{07D25E1A-57A1-F24F-9FCE-901AFE9E4DCD}" srcOrd="0" destOrd="0" presId="urn:microsoft.com/office/officeart/2005/8/layout/vList6"/>
-    <dgm:cxn modelId="{33DD15E3-1A25-A24F-8223-6081BD1E1561}" srcId="{DD1A1310-29D0-094D-B36E-A6CD51A7BCE2}" destId="{755751D5-B75F-9B42-90D5-56A0C09B65B5}" srcOrd="0" destOrd="0" parTransId="{2FAD2A07-6880-F14B-8B2F-7D40CD55337D}" sibTransId="{79E4D086-604E-D145-A38A-8861E8980626}"/>
-    <dgm:cxn modelId="{C887ED06-6737-1E46-BE17-7EFE691F7E3A}" type="presOf" srcId="{09FF0E5B-EE7F-194E-87C4-DDB91985C5E5}" destId="{200613C9-B96E-7E47-BB0E-FCC049E6406E}" srcOrd="0" destOrd="0" presId="urn:microsoft.com/office/officeart/2005/8/layout/vList6"/>
     <dgm:cxn modelId="{B101C617-866E-1B49-8342-CB09F290F8FE}" srcId="{09FF0E5B-EE7F-194E-87C4-DDB91985C5E5}" destId="{5EF59C74-A0BD-624D-B5FE-5E1643173B65}" srcOrd="1" destOrd="0" parTransId="{307D06D3-DE54-9D4E-937C-729D2CDAFF31}" sibTransId="{F85C9974-E630-0140-8DB5-8C31B8FF9954}"/>
-    <dgm:cxn modelId="{1ACA3DE9-F3C1-E54F-8197-69A763F679B7}" srcId="{43A37147-BD7F-4644-8711-A63EEA0CDF61}" destId="{EAD5A654-85C8-B64B-92C1-EF4309ACB481}" srcOrd="1" destOrd="0" parTransId="{5AC8F768-C7A9-1143-8736-01750C734D64}" sibTransId="{9DB28C29-6229-0A46-BAF2-E2A4F1C346C5}"/>
-    <dgm:cxn modelId="{71F6A569-5104-894C-A32F-99E64C5457AC}" srcId="{4C9018F4-227F-064A-9A29-CD76001F1569}" destId="{09FF0E5B-EE7F-194E-87C4-DDB91985C5E5}" srcOrd="2" destOrd="0" parTransId="{656EF84C-D36D-A24A-AAD3-291432DC6CF0}" sibTransId="{0A9B6D96-8107-344E-951C-53E44E065388}"/>
-    <dgm:cxn modelId="{A23D0ECC-902D-E34F-BBFB-12A2CCCDDEDD}" srcId="{09FF0E5B-EE7F-194E-87C4-DDB91985C5E5}" destId="{12056221-EB0A-4148-B839-6A291051F0C5}" srcOrd="0" destOrd="0" parTransId="{8F0C50B2-0AEF-294D-A3F9-40B190AFE7E2}" sibTransId="{15FF217E-2A5B-9548-B91E-E90DE2596476}"/>
-    <dgm:cxn modelId="{B98AFB7C-6DBF-D541-AC3C-953D4C00EB33}" type="presOf" srcId="{93B35C89-F488-1746-B4F2-C8A1DCAE67C5}" destId="{17ED2286-5416-A145-A33B-335556D82285}" srcOrd="0" destOrd="0" presId="urn:microsoft.com/office/officeart/2005/8/layout/vList6"/>
     <dgm:cxn modelId="{ADADA9F5-E2E6-4047-A3E9-17C6341A323B}" type="presOf" srcId="{43A37147-BD7F-4644-8711-A63EEA0CDF61}" destId="{C1BB4562-68AF-2749-8001-0820B008D874}" srcOrd="0" destOrd="0" presId="urn:microsoft.com/office/officeart/2005/8/layout/vList6"/>
     <dgm:cxn modelId="{FDFF0495-9629-F447-98B5-865E7882F12B}" srcId="{4C9018F4-227F-064A-9A29-CD76001F1569}" destId="{DD1A1310-29D0-094D-B36E-A6CD51A7BCE2}" srcOrd="1" destOrd="0" parTransId="{A280242A-FB74-4F43-91B9-9162F8900EFF}" sibTransId="{A42CC3C4-BA16-D142-BCAD-F4B7AFC16AAC}"/>
-    <dgm:cxn modelId="{0A97DFDD-DC18-A54E-8B77-34DC2F878F2F}" srcId="{43A37147-BD7F-4644-8711-A63EEA0CDF61}" destId="{93B35C89-F488-1746-B4F2-C8A1DCAE67C5}" srcOrd="0" destOrd="0" parTransId="{4351CFCD-9ECB-5E49-BB98-0237155989AC}" sibTransId="{7AAD3E63-C133-F245-B4FC-0C10EBE80BB1}"/>
+    <dgm:cxn modelId="{33DD15E3-1A25-A24F-8223-6081BD1E1561}" srcId="{DD1A1310-29D0-094D-B36E-A6CD51A7BCE2}" destId="{755751D5-B75F-9B42-90D5-56A0C09B65B5}" srcOrd="0" destOrd="0" parTransId="{2FAD2A07-6880-F14B-8B2F-7D40CD55337D}" sibTransId="{79E4D086-604E-D145-A38A-8861E8980626}"/>
     <dgm:cxn modelId="{D4CD26DB-62DC-FF49-A5D3-6CA4DDFD4DF0}" type="presOf" srcId="{DD1A1310-29D0-094D-B36E-A6CD51A7BCE2}" destId="{0F6CAE61-0FE9-E14D-A247-8E2D3885261A}" srcOrd="0" destOrd="0" presId="urn:microsoft.com/office/officeart/2005/8/layout/vList6"/>
-    <dgm:cxn modelId="{329EA2B1-B4EF-0C4A-9BF1-E630ACFBB9F2}" type="presOf" srcId="{12056221-EB0A-4148-B839-6A291051F0C5}" destId="{5A2981FC-BB5F-B542-8DA7-0C010C4F2C5D}" srcOrd="0" destOrd="0" presId="urn:microsoft.com/office/officeart/2005/8/layout/vList6"/>
     <dgm:cxn modelId="{3E31BB6C-560F-3644-A17B-54AF370BD2B4}" type="presParOf" srcId="{1B3E1EA8-CDFD-9D4C-BC99-D212CC93A3E6}" destId="{C3A894F7-A65D-BD44-91CE-15A47DF6EB8B}" srcOrd="0" destOrd="0" presId="urn:microsoft.com/office/officeart/2005/8/layout/vList6"/>
     <dgm:cxn modelId="{60395434-A630-5C42-8123-A292E65123CD}" type="presParOf" srcId="{C3A894F7-A65D-BD44-91CE-15A47DF6EB8B}" destId="{C1BB4562-68AF-2749-8001-0820B008D874}" srcOrd="0" destOrd="0" presId="urn:microsoft.com/office/officeart/2005/8/layout/vList6"/>
     <dgm:cxn modelId="{6EF86386-A386-474A-AFD7-E6ADB6E6E112}" type="presParOf" srcId="{C3A894F7-A65D-BD44-91CE-15A47DF6EB8B}" destId="{17ED2286-5416-A145-A33B-335556D82285}" srcOrd="1" destOrd="0" presId="urn:microsoft.com/office/officeart/2005/8/layout/vList6"/>
@@ -10247,7 +10247,7 @@
           <a:p>
             <a:fld id="{1EBBC4F2-37F7-4343-8DBF-267B64DDD0C3}" type="datetimeFigureOut">
               <a:rPr lang="en-US" smtClean="0"/>
-              <a:t>5/1/18</a:t>
+              <a:t>5/2/18</a:t>
             </a:fld>
             <a:endParaRPr lang="en-US"/>
           </a:p>
@@ -13591,7 +13591,7 @@
               <a:t> are rated </a:t>
             </a:r>
             <a:r>
-              <a:rPr lang="en-US" b="1" dirty="0" smtClean="0"/>
+              <a:rPr lang="en-US" sz="1800" b="1" dirty="0" smtClean="0"/>
               <a:t>lower on adaptive skills </a:t>
             </a:r>
             <a:r>
@@ -13607,8 +13607,12 @@
               <a:t>. It was also observed that the parent-rated </a:t>
             </a:r>
             <a:r>
+              <a:rPr lang="en-US" sz="1800" b="1" dirty="0" smtClean="0"/>
+              <a:t>social withdrawal was higher</a:t>
+            </a:r>
+            <a:r>
               <a:rPr lang="en-US" b="1" dirty="0" smtClean="0"/>
-              <a:t>social withdrawal was higher </a:t>
+              <a:t> </a:t>
             </a:r>
             <a:r>
               <a:rPr lang="en-US" dirty="0" smtClean="0"/>
@@ -13986,7 +13990,7 @@
           <a:p>
             <a:fld id="{DDDEB4F3-38D8-4E4A-9C75-24A8216900DE}" type="datetime1">
               <a:rPr lang="en-US" smtClean="0"/>
-              <a:t>5/1/18</a:t>
+              <a:t>5/2/18</a:t>
             </a:fld>
             <a:endParaRPr lang="en-US"/>
           </a:p>
@@ -14161,7 +14165,7 @@
           <a:p>
             <a:fld id="{544A138B-D4EF-5044-B5EF-F2ECE0C17CD4}" type="datetime1">
               <a:rPr lang="en-US" smtClean="0"/>
-              <a:t>5/1/18</a:t>
+              <a:t>5/2/18</a:t>
             </a:fld>
             <a:endParaRPr lang="en-US"/>
           </a:p>
@@ -14382,7 +14386,7 @@
           <a:p>
             <a:fld id="{2B27D5DF-D01A-5B4F-AA01-5071781A49CC}" type="datetime1">
               <a:rPr lang="en-US" smtClean="0"/>
-              <a:t>5/1/18</a:t>
+              <a:t>5/2/18</a:t>
             </a:fld>
             <a:endParaRPr lang="en-US"/>
           </a:p>
@@ -14598,7 +14602,7 @@
           <a:p>
             <a:fld id="{6A08D3EC-8C59-3140-91E2-E65EB8AAC7B5}" type="datetime1">
               <a:rPr lang="en-US" smtClean="0"/>
-              <a:t>5/1/18</a:t>
+              <a:t>5/2/18</a:t>
             </a:fld>
             <a:endParaRPr lang="en-US"/>
           </a:p>
@@ -14893,7 +14897,7 @@
           <a:p>
             <a:fld id="{22CCCBEC-CFC2-254F-8DA1-C0BBF717E117}" type="datetime1">
               <a:rPr lang="en-US" smtClean="0"/>
-              <a:t>5/1/18</a:t>
+              <a:t>5/2/18</a:t>
             </a:fld>
             <a:endParaRPr lang="en-US"/>
           </a:p>
@@ -15227,7 +15231,7 @@
           <a:p>
             <a:fld id="{7BC2C13D-C90D-904C-AEE9-2B0A4472C813}" type="datetime1">
               <a:rPr lang="en-US" smtClean="0"/>
-              <a:t>5/1/18</a:t>
+              <a:t>5/2/18</a:t>
             </a:fld>
             <a:endParaRPr lang="en-US"/>
           </a:p>
@@ -15719,7 +15723,7 @@
           <a:p>
             <a:fld id="{1C201673-B928-AD4C-A3BE-143313633889}" type="datetime1">
               <a:rPr lang="en-US" smtClean="0"/>
-              <a:t>5/1/18</a:t>
+              <a:t>5/2/18</a:t>
             </a:fld>
             <a:endParaRPr lang="en-US"/>
           </a:p>
@@ -15878,7 +15882,7 @@
           <a:p>
             <a:fld id="{04F23A31-AB53-194E-A899-E11C275599AA}" type="datetime1">
               <a:rPr lang="en-US" smtClean="0"/>
-              <a:t>5/1/18</a:t>
+              <a:t>5/2/18</a:t>
             </a:fld>
             <a:endParaRPr lang="en-US"/>
           </a:p>
@@ -16014,7 +16018,7 @@
           <a:p>
             <a:fld id="{8B267B01-E83A-7E40-9A68-8516A8FC219A}" type="datetime1">
               <a:rPr lang="en-US" smtClean="0"/>
-              <a:t>5/1/18</a:t>
+              <a:t>5/2/18</a:t>
             </a:fld>
             <a:endParaRPr lang="en-US"/>
           </a:p>
@@ -16342,7 +16346,7 @@
           <a:p>
             <a:fld id="{78297C0B-DFC8-CC40-AD1A-A63A597DE6F9}" type="datetime1">
               <a:rPr lang="en-US" smtClean="0"/>
-              <a:t>5/1/18</a:t>
+              <a:t>5/2/18</a:t>
             </a:fld>
             <a:endParaRPr lang="en-US"/>
           </a:p>
@@ -16657,7 +16661,7 @@
           <a:p>
             <a:fld id="{895ECFCD-B1CA-C349-AF79-DCDF6E352D11}" type="datetime1">
               <a:rPr lang="en-US" smtClean="0"/>
-              <a:t>5/1/18</a:t>
+              <a:t>5/2/18</a:t>
             </a:fld>
             <a:endParaRPr lang="en-US"/>
           </a:p>
@@ -16909,7 +16913,7 @@
           <a:p>
             <a:fld id="{4DF29FB5-C32A-BF4C-A723-9BC4E615C168}" type="datetime1">
               <a:rPr lang="en-US" smtClean="0"/>
-              <a:t>5/1/18</a:t>
+              <a:t>5/2/18</a:t>
             </a:fld>
             <a:endParaRPr lang="en-US"/>
           </a:p>
@@ -17551,11 +17555,7 @@
           <a:p>
             <a:r>
               <a:rPr lang="en-US" dirty="0" smtClean="0"/>
-              <a:t>1. Emotions-based </a:t>
-            </a:r>
-            <a:r>
-              <a:rPr lang="en-US" dirty="0" smtClean="0"/>
-              <a:t>Model</a:t>
+              <a:t>1. Emotions-based Model</a:t>
             </a:r>
             <a:endParaRPr lang="en-US" dirty="0"/>
           </a:p>
@@ -17798,11 +17798,15 @@
           <a:p>
             <a:r>
               <a:rPr lang="en-US" dirty="0" smtClean="0"/>
-              <a:t>2. fMRI </a:t>
+              <a:t>2. </a:t>
             </a:r>
             <a:r>
               <a:rPr lang="en-US" dirty="0" smtClean="0"/>
-              <a:t>based models</a:t>
+              <a:t>fMRI-based </a:t>
+            </a:r>
+            <a:r>
+              <a:rPr lang="en-US" dirty="0" smtClean="0"/>
+              <a:t>models</a:t>
             </a:r>
             <a:endParaRPr lang="en-US" dirty="0"/>
           </a:p>
@@ -18162,11 +18166,15 @@
           <a:p>
             <a:r>
               <a:rPr lang="en-US" dirty="0" smtClean="0"/>
-              <a:t>3. Reviews </a:t>
+              <a:t>3. </a:t>
             </a:r>
             <a:r>
               <a:rPr lang="en-US" dirty="0" smtClean="0"/>
-              <a:t>based models</a:t>
+              <a:t>Reviews-based </a:t>
+            </a:r>
+            <a:r>
+              <a:rPr lang="en-US" dirty="0" smtClean="0"/>
+              <a:t>models</a:t>
             </a:r>
             <a:endParaRPr lang="en-US" dirty="0"/>
           </a:p>
@@ -20850,29 +20858,13 @@
           <a:p>
             <a:r>
               <a:rPr lang="en-US" dirty="0" smtClean="0"/>
-              <a:t>306 children are present, out of which </a:t>
-            </a:r>
+              <a:t>306 children are present, out of which 11 have both these disorders</a:t>
+            </a:r>
+          </a:p>
+          <a:p>
             <a:r>
               <a:rPr lang="en-US" dirty="0" smtClean="0"/>
-              <a:t>11 </a:t>
-            </a:r>
-            <a:r>
-              <a:rPr lang="en-US" dirty="0" smtClean="0"/>
-              <a:t>have both these disorders</a:t>
-            </a:r>
-          </a:p>
-          <a:p>
-            <a:r>
-              <a:rPr lang="en-US" dirty="0" smtClean="0"/>
-              <a:t>When using features selected by feature selection algorithms, performance of these models </a:t>
-            </a:r>
-            <a:r>
-              <a:rPr lang="en-US" dirty="0" smtClean="0"/>
-              <a:t>was </a:t>
-            </a:r>
-            <a:r>
-              <a:rPr lang="en-US" dirty="0" smtClean="0"/>
-              <a:t>comparable</a:t>
+              <a:t>When using features selected by feature selection algorithms, performance of these models was comparable</a:t>
             </a:r>
           </a:p>
           <a:p>
@@ -22571,7 +22563,7 @@
       </p:sp>
       <p:pic>
         <p:nvPicPr>
-          <p:cNvPr id="3" name="Picture 2"/>
+          <p:cNvPr id="4" name="Picture 3"/>
           <p:cNvPicPr>
             <a:picLocks noChangeAspect="1"/>
           </p:cNvPicPr>
@@ -22591,8 +22583,8 @@
         </p:blipFill>
         <p:spPr>
           <a:xfrm>
-            <a:off x="1405467" y="1657614"/>
-            <a:ext cx="3640667" cy="5108311"/>
+            <a:off x="921211" y="1364105"/>
+            <a:ext cx="3982094" cy="5369955"/>
           </a:xfrm>
           <a:prstGeom prst="rect">
             <a:avLst/>
@@ -22601,7 +22593,7 @@
       </p:pic>
       <p:pic>
         <p:nvPicPr>
-          <p:cNvPr id="6" name="Picture 5"/>
+          <p:cNvPr id="7" name="Picture 6"/>
           <p:cNvPicPr>
             <a:picLocks noChangeAspect="1"/>
           </p:cNvPicPr>
@@ -22621,8 +22613,8 @@
         </p:blipFill>
         <p:spPr>
           <a:xfrm>
-            <a:off x="5303343" y="1794933"/>
-            <a:ext cx="5441136" cy="3877733"/>
+            <a:off x="5025062" y="1364105"/>
+            <a:ext cx="5298381" cy="3643989"/>
           </a:xfrm>
           <a:prstGeom prst="rect">
             <a:avLst/>
@@ -23884,11 +23876,7 @@
             </a:r>
             <a:r>
               <a:rPr lang="en-US" dirty="0" smtClean="0"/>
-              <a:t>Disorder (</a:t>
-            </a:r>
-            <a:r>
-              <a:rPr lang="en-US" dirty="0" smtClean="0"/>
-              <a:t>ASD</a:t>
+              <a:t>Disorder (ASD</a:t>
             </a:r>
           </a:p>
           <a:p>
@@ -23898,15 +23886,7 @@
             </a:pPr>
             <a:r>
               <a:rPr lang="en-US" dirty="0" smtClean="0"/>
-              <a:t>Attention-Deficit/Hyperactivity </a:t>
-            </a:r>
-            <a:r>
-              <a:rPr lang="en-US" dirty="0" smtClean="0"/>
-              <a:t>Disorder (</a:t>
-            </a:r>
-            <a:r>
-              <a:rPr lang="en-US" dirty="0" smtClean="0"/>
-              <a:t>ADHD</a:t>
+              <a:t>Attention-Deficit/Hyperactivity Disorder (ADHD</a:t>
             </a:r>
           </a:p>
           <a:p>
@@ -23924,11 +23904,7 @@
             </a:r>
             <a:r>
               <a:rPr lang="en-US" dirty="0" smtClean="0"/>
-              <a:t>(</a:t>
-            </a:r>
-            <a:r>
-              <a:rPr lang="en-US" dirty="0" smtClean="0"/>
-              <a:t>VCFS)</a:t>
+              <a:t>(VCFS)</a:t>
             </a:r>
           </a:p>
           <a:p>
@@ -23998,7 +23974,6 @@
               <a:rPr lang="en-US" dirty="0" smtClean="0"/>
               <a:t>Scales</a:t>
             </a:r>
-            <a:endParaRPr lang="en-US" dirty="0" smtClean="0"/>
           </a:p>
         </p:txBody>
       </p:sp>
@@ -25640,15 +25615,7 @@
           <a:p>
             <a:r>
               <a:rPr lang="en-US" dirty="0" smtClean="0"/>
-              <a:t>Models were consistent </a:t>
-            </a:r>
-            <a:r>
-              <a:rPr lang="en-US" dirty="0" smtClean="0"/>
-              <a:t>to</a:t>
-            </a:r>
-            <a:r>
-              <a:rPr lang="en-US" dirty="0" smtClean="0"/>
-              <a:t> predict ADHD+ASD with 95% accuracy and VCFS+ASD with 90% accuracy</a:t>
+              <a:t>Models were consistent to predict ADHD+ASD with 95% accuracy and VCFS+ASD with 90% accuracy</a:t>
             </a:r>
           </a:p>
           <a:p>
@@ -25661,15 +25628,7 @@
                   <a:schemeClr val="accent1"/>
                 </a:solidFill>
               </a:rPr>
-              <a:t>Future </a:t>
-            </a:r>
-            <a:r>
-              <a:rPr lang="en-US" sz="2400" b="1" dirty="0" smtClean="0">
-                <a:solidFill>
-                  <a:schemeClr val="accent1"/>
-                </a:solidFill>
-              </a:rPr>
-              <a:t>Work</a:t>
+              <a:t>Future Work</a:t>
             </a:r>
           </a:p>
           <a:p>
@@ -26836,7 +26795,7 @@
             <p:ph idx="1"/>
           </p:nvPr>
         </p:nvPicPr>
-        <p:blipFill>
+        <p:blipFill rotWithShape="1">
           <a:blip r:embed="rId2">
             <a:extLst>
               <a:ext uri="{28A0092B-C50C-407E-A947-70E740481C1C}">
@@ -26844,14 +26803,13 @@
               </a:ext>
             </a:extLst>
           </a:blip>
-          <a:stretch>
-            <a:fillRect/>
-          </a:stretch>
+          <a:srcRect b="7732"/>
+          <a:stretch/>
         </p:blipFill>
         <p:spPr>
           <a:xfrm>
-            <a:off x="1605719" y="3644073"/>
-            <a:ext cx="2320821" cy="2528127"/>
+            <a:off x="1605720" y="3644073"/>
+            <a:ext cx="2320820" cy="2332657"/>
           </a:xfrm>
         </p:spPr>
       </p:pic>
@@ -27075,11 +27033,7 @@
             </a:r>
             <a:r>
               <a:rPr lang="en-US" dirty="0" smtClean="0"/>
-              <a:t>. </a:t>
-            </a:r>
-            <a:r>
-              <a:rPr lang="en-US" dirty="0" smtClean="0"/>
-              <a:t>Review-based</a:t>
+              <a:t>. Review-based</a:t>
             </a:r>
             <a:endParaRPr lang="en-US" dirty="0"/>
           </a:p>
